--- a/我要全心讚美.pptx
+++ b/我要全心讚美.pptx
@@ -8,9 +8,8 @@
     <p:sldId id="256" r:id="rId2"/>
     <p:sldId id="257" r:id="rId3"/>
     <p:sldId id="258" r:id="rId4"/>
-    <p:sldId id="259" r:id="rId5"/>
   </p:sldIdLst>
-  <p:sldSz cx="9144000" cy="6858000" type="screen4x3"/>
+  <p:sldSz cx="9144000" cy="5143500" type="screen16x9"/>
   <p:notesSz cx="6858000" cy="9144000"/>
   <p:defaultTextStyle>
     <a:defPPr>
@@ -139,8 +138,8 @@
         </p:nvSpPr>
         <p:spPr>
           <a:xfrm>
-            <a:off x="685800" y="2130425"/>
-            <a:ext cx="7772400" cy="1470025"/>
+            <a:off x="685800" y="1597819"/>
+            <a:ext cx="7772400" cy="1102519"/>
           </a:xfrm>
         </p:spPr>
         <p:txBody>
@@ -167,8 +166,8 @@
         </p:nvSpPr>
         <p:spPr>
           <a:xfrm>
-            <a:off x="1371600" y="3886200"/>
-            <a:ext cx="6400800" cy="1752600"/>
+            <a:off x="1371600" y="2914650"/>
+            <a:ext cx="6400800" cy="1314450"/>
           </a:xfrm>
         </p:spPr>
         <p:txBody>
@@ -291,7 +290,7 @@
           <a:p>
             <a:fld id="{F4DC9DE7-1299-458E-9A51-39F41637C414}" type="datetimeFigureOut">
               <a:rPr lang="zh-TW" altLang="en-US" smtClean="0"/>
-              <a:t>2017/7/4</a:t>
+              <a:t>2019/8/17</a:t>
             </a:fld>
             <a:endParaRPr lang="zh-TW" altLang="en-US"/>
           </a:p>
@@ -456,7 +455,7 @@
           <a:p>
             <a:fld id="{F4DC9DE7-1299-458E-9A51-39F41637C414}" type="datetimeFigureOut">
               <a:rPr lang="zh-TW" altLang="en-US" smtClean="0"/>
-              <a:t>2017/7/4</a:t>
+              <a:t>2019/8/17</a:t>
             </a:fld>
             <a:endParaRPr lang="zh-TW" altLang="en-US"/>
           </a:p>
@@ -541,8 +540,8 @@
         </p:nvSpPr>
         <p:spPr>
           <a:xfrm>
-            <a:off x="6629400" y="274638"/>
-            <a:ext cx="2057400" cy="5851525"/>
+            <a:off x="6629400" y="205979"/>
+            <a:ext cx="2057400" cy="4388644"/>
           </a:xfrm>
         </p:spPr>
         <p:txBody>
@@ -569,8 +568,8 @@
         </p:nvSpPr>
         <p:spPr>
           <a:xfrm>
-            <a:off x="457200" y="274638"/>
-            <a:ext cx="6019800" cy="5851525"/>
+            <a:off x="457200" y="205979"/>
+            <a:ext cx="6019800" cy="4388644"/>
           </a:xfrm>
         </p:spPr>
         <p:txBody>
@@ -631,7 +630,7 @@
           <a:p>
             <a:fld id="{F4DC9DE7-1299-458E-9A51-39F41637C414}" type="datetimeFigureOut">
               <a:rPr lang="zh-TW" altLang="en-US" smtClean="0"/>
-              <a:t>2017/7/4</a:t>
+              <a:t>2019/8/17</a:t>
             </a:fld>
             <a:endParaRPr lang="zh-TW" altLang="en-US"/>
           </a:p>
@@ -796,7 +795,7 @@
           <a:p>
             <a:fld id="{F4DC9DE7-1299-458E-9A51-39F41637C414}" type="datetimeFigureOut">
               <a:rPr lang="zh-TW" altLang="en-US" smtClean="0"/>
-              <a:t>2017/7/4</a:t>
+              <a:t>2019/8/17</a:t>
             </a:fld>
             <a:endParaRPr lang="zh-TW" altLang="en-US"/>
           </a:p>
@@ -881,8 +880,8 @@
         </p:nvSpPr>
         <p:spPr>
           <a:xfrm>
-            <a:off x="722313" y="4406900"/>
-            <a:ext cx="7772400" cy="1362075"/>
+            <a:off x="722313" y="3305176"/>
+            <a:ext cx="7772400" cy="1021556"/>
           </a:xfrm>
         </p:spPr>
         <p:txBody>
@@ -913,8 +912,8 @@
         </p:nvSpPr>
         <p:spPr>
           <a:xfrm>
-            <a:off x="722313" y="2906713"/>
-            <a:ext cx="7772400" cy="1500187"/>
+            <a:off x="722313" y="2180035"/>
+            <a:ext cx="7772400" cy="1125140"/>
           </a:xfrm>
         </p:spPr>
         <p:txBody>
@@ -1037,7 +1036,7 @@
           <a:p>
             <a:fld id="{F4DC9DE7-1299-458E-9A51-39F41637C414}" type="datetimeFigureOut">
               <a:rPr lang="zh-TW" altLang="en-US" smtClean="0"/>
-              <a:t>2017/7/4</a:t>
+              <a:t>2019/8/17</a:t>
             </a:fld>
             <a:endParaRPr lang="zh-TW" altLang="en-US"/>
           </a:p>
@@ -1145,8 +1144,8 @@
         </p:nvSpPr>
         <p:spPr>
           <a:xfrm>
-            <a:off x="457200" y="1600200"/>
-            <a:ext cx="4038600" cy="4525963"/>
+            <a:off x="457200" y="1200151"/>
+            <a:ext cx="4038600" cy="3394472"/>
           </a:xfrm>
         </p:spPr>
         <p:txBody>
@@ -1230,8 +1229,8 @@
         </p:nvSpPr>
         <p:spPr>
           <a:xfrm>
-            <a:off x="4648200" y="1600200"/>
-            <a:ext cx="4038600" cy="4525963"/>
+            <a:off x="4648200" y="1200151"/>
+            <a:ext cx="4038600" cy="3394472"/>
           </a:xfrm>
         </p:spPr>
         <p:txBody>
@@ -1320,7 +1319,7 @@
           <a:p>
             <a:fld id="{F4DC9DE7-1299-458E-9A51-39F41637C414}" type="datetimeFigureOut">
               <a:rPr lang="zh-TW" altLang="en-US" smtClean="0"/>
-              <a:t>2017/7/4</a:t>
+              <a:t>2019/8/17</a:t>
             </a:fld>
             <a:endParaRPr lang="zh-TW" altLang="en-US"/>
           </a:p>
@@ -1432,8 +1431,8 @@
         </p:nvSpPr>
         <p:spPr>
           <a:xfrm>
-            <a:off x="457200" y="1535113"/>
-            <a:ext cx="4040188" cy="639762"/>
+            <a:off x="457200" y="1151335"/>
+            <a:ext cx="4040188" cy="479822"/>
           </a:xfrm>
         </p:spPr>
         <p:txBody>
@@ -1497,8 +1496,8 @@
         </p:nvSpPr>
         <p:spPr>
           <a:xfrm>
-            <a:off x="457200" y="2174875"/>
-            <a:ext cx="4040188" cy="3951288"/>
+            <a:off x="457200" y="1631156"/>
+            <a:ext cx="4040188" cy="2963466"/>
           </a:xfrm>
         </p:spPr>
         <p:txBody>
@@ -1582,8 +1581,8 @@
         </p:nvSpPr>
         <p:spPr>
           <a:xfrm>
-            <a:off x="4645025" y="1535113"/>
-            <a:ext cx="4041775" cy="639762"/>
+            <a:off x="4645026" y="1151335"/>
+            <a:ext cx="4041775" cy="479822"/>
           </a:xfrm>
         </p:spPr>
         <p:txBody>
@@ -1647,8 +1646,8 @@
         </p:nvSpPr>
         <p:spPr>
           <a:xfrm>
-            <a:off x="4645025" y="2174875"/>
-            <a:ext cx="4041775" cy="3951288"/>
+            <a:off x="4645026" y="1631156"/>
+            <a:ext cx="4041775" cy="2963466"/>
           </a:xfrm>
         </p:spPr>
         <p:txBody>
@@ -1737,7 +1736,7 @@
           <a:p>
             <a:fld id="{F4DC9DE7-1299-458E-9A51-39F41637C414}" type="datetimeFigureOut">
               <a:rPr lang="zh-TW" altLang="en-US" smtClean="0"/>
-              <a:t>2017/7/4</a:t>
+              <a:t>2019/8/17</a:t>
             </a:fld>
             <a:endParaRPr lang="zh-TW" altLang="en-US"/>
           </a:p>
@@ -1850,7 +1849,7 @@
           <a:p>
             <a:fld id="{F4DC9DE7-1299-458E-9A51-39F41637C414}" type="datetimeFigureOut">
               <a:rPr lang="zh-TW" altLang="en-US" smtClean="0"/>
-              <a:t>2017/7/4</a:t>
+              <a:t>2019/8/17</a:t>
             </a:fld>
             <a:endParaRPr lang="zh-TW" altLang="en-US"/>
           </a:p>
@@ -1940,7 +1939,7 @@
           <a:p>
             <a:fld id="{F4DC9DE7-1299-458E-9A51-39F41637C414}" type="datetimeFigureOut">
               <a:rPr lang="zh-TW" altLang="en-US" smtClean="0"/>
-              <a:t>2017/7/4</a:t>
+              <a:t>2019/8/17</a:t>
             </a:fld>
             <a:endParaRPr lang="zh-TW" altLang="en-US"/>
           </a:p>
@@ -2025,8 +2024,8 @@
         </p:nvSpPr>
         <p:spPr>
           <a:xfrm>
-            <a:off x="457200" y="273050"/>
-            <a:ext cx="3008313" cy="1162050"/>
+            <a:off x="457201" y="204787"/>
+            <a:ext cx="3008313" cy="871538"/>
           </a:xfrm>
         </p:spPr>
         <p:txBody>
@@ -2057,8 +2056,8 @@
         </p:nvSpPr>
         <p:spPr>
           <a:xfrm>
-            <a:off x="3575050" y="273050"/>
-            <a:ext cx="5111750" cy="5853113"/>
+            <a:off x="3575050" y="204788"/>
+            <a:ext cx="5111750" cy="4389835"/>
           </a:xfrm>
         </p:spPr>
         <p:txBody>
@@ -2142,8 +2141,8 @@
         </p:nvSpPr>
         <p:spPr>
           <a:xfrm>
-            <a:off x="457200" y="1435100"/>
-            <a:ext cx="3008313" cy="4691063"/>
+            <a:off x="457201" y="1076326"/>
+            <a:ext cx="3008313" cy="3518297"/>
           </a:xfrm>
         </p:spPr>
         <p:txBody>
@@ -2212,7 +2211,7 @@
           <a:p>
             <a:fld id="{F4DC9DE7-1299-458E-9A51-39F41637C414}" type="datetimeFigureOut">
               <a:rPr lang="zh-TW" altLang="en-US" smtClean="0"/>
-              <a:t>2017/7/4</a:t>
+              <a:t>2019/8/17</a:t>
             </a:fld>
             <a:endParaRPr lang="zh-TW" altLang="en-US"/>
           </a:p>
@@ -2297,8 +2296,8 @@
         </p:nvSpPr>
         <p:spPr>
           <a:xfrm>
-            <a:off x="1792288" y="4800600"/>
-            <a:ext cx="5486400" cy="566738"/>
+            <a:off x="1792288" y="3600450"/>
+            <a:ext cx="5486400" cy="425054"/>
           </a:xfrm>
         </p:spPr>
         <p:txBody>
@@ -2329,8 +2328,8 @@
         </p:nvSpPr>
         <p:spPr>
           <a:xfrm>
-            <a:off x="1792288" y="612775"/>
-            <a:ext cx="5486400" cy="4114800"/>
+            <a:off x="1792288" y="459581"/>
+            <a:ext cx="5486400" cy="3086100"/>
           </a:xfrm>
         </p:spPr>
         <p:txBody>
@@ -2394,8 +2393,8 @@
         </p:nvSpPr>
         <p:spPr>
           <a:xfrm>
-            <a:off x="1792288" y="5367338"/>
-            <a:ext cx="5486400" cy="804862"/>
+            <a:off x="1792288" y="4025503"/>
+            <a:ext cx="5486400" cy="603647"/>
           </a:xfrm>
         </p:spPr>
         <p:txBody>
@@ -2464,7 +2463,7 @@
           <a:p>
             <a:fld id="{F4DC9DE7-1299-458E-9A51-39F41637C414}" type="datetimeFigureOut">
               <a:rPr lang="zh-TW" altLang="en-US" smtClean="0"/>
-              <a:t>2017/7/4</a:t>
+              <a:t>2019/8/17</a:t>
             </a:fld>
             <a:endParaRPr lang="zh-TW" altLang="en-US"/>
           </a:p>
@@ -2559,8 +2558,8 @@
         </p:nvSpPr>
         <p:spPr>
           <a:xfrm>
-            <a:off x="457200" y="274638"/>
-            <a:ext cx="8229600" cy="1143000"/>
+            <a:off x="457200" y="205979"/>
+            <a:ext cx="8229600" cy="857250"/>
           </a:xfrm>
           <a:prstGeom prst="rect">
             <a:avLst/>
@@ -2592,8 +2591,8 @@
         </p:nvSpPr>
         <p:spPr>
           <a:xfrm>
-            <a:off x="457200" y="1600200"/>
-            <a:ext cx="8229600" cy="4525963"/>
+            <a:off x="457200" y="1200151"/>
+            <a:ext cx="8229600" cy="3394472"/>
           </a:xfrm>
           <a:prstGeom prst="rect">
             <a:avLst/>
@@ -2654,8 +2653,8 @@
         </p:nvSpPr>
         <p:spPr>
           <a:xfrm>
-            <a:off x="457200" y="6356350"/>
-            <a:ext cx="2133600" cy="365125"/>
+            <a:off x="457200" y="4767263"/>
+            <a:ext cx="2133600" cy="273844"/>
           </a:xfrm>
           <a:prstGeom prst="rect">
             <a:avLst/>
@@ -2677,7 +2676,7 @@
           <a:p>
             <a:fld id="{F4DC9DE7-1299-458E-9A51-39F41637C414}" type="datetimeFigureOut">
               <a:rPr lang="zh-TW" altLang="en-US" smtClean="0"/>
-              <a:t>2017/7/4</a:t>
+              <a:t>2019/8/17</a:t>
             </a:fld>
             <a:endParaRPr lang="zh-TW" altLang="en-US"/>
           </a:p>
@@ -2695,8 +2694,8 @@
         </p:nvSpPr>
         <p:spPr>
           <a:xfrm>
-            <a:off x="3124200" y="6356350"/>
-            <a:ext cx="2895600" cy="365125"/>
+            <a:off x="3124200" y="4767263"/>
+            <a:ext cx="2895600" cy="273844"/>
           </a:xfrm>
           <a:prstGeom prst="rect">
             <a:avLst/>
@@ -2732,8 +2731,8 @@
         </p:nvSpPr>
         <p:spPr>
           <a:xfrm>
-            <a:off x="6553200" y="6356350"/>
-            <a:ext cx="2133600" cy="365125"/>
+            <a:off x="6553200" y="4767263"/>
+            <a:ext cx="2133600" cy="273844"/>
           </a:xfrm>
           <a:prstGeom prst="rect">
             <a:avLst/>
@@ -3059,11 +3058,13 @@
         </p:nvSpPr>
         <p:spPr/>
         <p:txBody>
-          <a:bodyPr/>
-          <a:lstStyle/>
-          <a:p>
-            <a:r>
-              <a:rPr lang="zh-TW" altLang="en-US" b="1" dirty="0">
+          <a:bodyPr>
+            <a:normAutofit/>
+          </a:bodyPr>
+          <a:lstStyle/>
+          <a:p>
+            <a:r>
+              <a:rPr lang="zh-TW" altLang="en-US" sz="4000" b="1" dirty="0">
                 <a:solidFill>
                   <a:srgbClr val="002060"/>
                 </a:solidFill>
@@ -3085,9 +3086,14 @@
             <p:ph idx="1"/>
           </p:nvPr>
         </p:nvSpPr>
-        <p:spPr/>
-        <p:txBody>
-          <a:bodyPr anchor="ctr">
+        <p:spPr>
+          <a:xfrm>
+            <a:off x="0" y="1200151"/>
+            <a:ext cx="9144000" cy="3394472"/>
+          </a:xfrm>
+        </p:spPr>
+        <p:txBody>
+          <a:bodyPr anchor="t">
             <a:normAutofit/>
           </a:bodyPr>
           <a:lstStyle/>
@@ -3096,7 +3102,7 @@
               <a:buNone/>
             </a:pPr>
             <a:r>
-              <a:rPr lang="zh-TW" altLang="en-US" sz="5400" b="1" dirty="0">
+              <a:rPr lang="zh-TW" altLang="en-US" sz="4800" b="1" dirty="0">
                 <a:solidFill>
                   <a:srgbClr val="002060"/>
                 </a:solidFill>
@@ -3106,16 +3112,26 @@
               <a:t>全心</a:t>
             </a:r>
             <a:r>
-              <a:rPr lang="zh-TW" altLang="en-US" sz="5400" b="1" dirty="0" smtClean="0">
+              <a:rPr lang="zh-TW" altLang="en-US" sz="4800" b="1" dirty="0" smtClean="0">
                 <a:solidFill>
                   <a:srgbClr val="002060"/>
                 </a:solidFill>
                 <a:latin typeface="微軟正黑體" pitchFamily="34" charset="-120"/>
                 <a:ea typeface="微軟正黑體" pitchFamily="34" charset="-120"/>
               </a:rPr>
-              <a:t>感謝  全心讚美</a:t>
-            </a:r>
-            <a:endParaRPr lang="en-US" altLang="zh-TW" sz="5400" b="1" dirty="0" smtClean="0">
+              <a:t>感謝  全心讚</a:t>
+            </a:r>
+            <a:r>
+              <a:rPr lang="zh-TW" altLang="en-US" sz="4800" b="1" dirty="0" smtClean="0">
+                <a:solidFill>
+                  <a:srgbClr val="002060"/>
+                </a:solidFill>
+                <a:latin typeface="微軟正黑體" pitchFamily="34" charset="-120"/>
+                <a:ea typeface="微軟正黑體" pitchFamily="34" charset="-120"/>
+              </a:rPr>
+              <a:t>美  進入你的院 </a:t>
+            </a:r>
+            <a:endParaRPr lang="en-US" altLang="zh-TW" sz="4800" b="1" dirty="0" smtClean="0">
               <a:solidFill>
                 <a:srgbClr val="002060"/>
               </a:solidFill>
@@ -3128,56 +3144,46 @@
               <a:buNone/>
             </a:pPr>
             <a:r>
-              <a:rPr lang="zh-TW" altLang="en-US" sz="5400" b="1" dirty="0" smtClean="0">
+              <a:rPr lang="zh-TW" altLang="en-US" sz="4800" b="1" dirty="0" smtClean="0">
                 <a:solidFill>
                   <a:srgbClr val="002060"/>
                 </a:solidFill>
                 <a:latin typeface="微軟正黑體" pitchFamily="34" charset="-120"/>
                 <a:ea typeface="微軟正黑體" pitchFamily="34" charset="-120"/>
               </a:rPr>
-              <a:t>進入</a:t>
-            </a:r>
-            <a:r>
-              <a:rPr lang="zh-TW" altLang="en-US" sz="5400" b="1" dirty="0">
+              <a:t>全心頌讚</a:t>
+            </a:r>
+            <a:r>
+              <a:rPr lang="en-US" altLang="zh-TW" sz="4800" b="1" dirty="0">
                 <a:solidFill>
                   <a:srgbClr val="002060"/>
                 </a:solidFill>
                 <a:latin typeface="微軟正黑體" pitchFamily="34" charset="-120"/>
                 <a:ea typeface="微軟正黑體" pitchFamily="34" charset="-120"/>
               </a:rPr>
-              <a:t>你的</a:t>
-            </a:r>
-            <a:r>
-              <a:rPr lang="zh-TW" altLang="en-US" sz="5400" b="1" dirty="0" smtClean="0">
+              <a:t> </a:t>
+            </a:r>
+            <a:r>
+              <a:rPr lang="en-US" altLang="zh-TW" sz="4800" b="1" dirty="0" smtClean="0">
                 <a:solidFill>
                   <a:srgbClr val="002060"/>
                 </a:solidFill>
                 <a:latin typeface="微軟正黑體" pitchFamily="34" charset="-120"/>
                 <a:ea typeface="微軟正黑體" pitchFamily="34" charset="-120"/>
               </a:rPr>
-              <a:t>院  全</a:t>
-            </a:r>
-            <a:r>
-              <a:rPr lang="zh-TW" altLang="en-US" sz="5400" b="1" dirty="0">
+              <a:t> </a:t>
+            </a:r>
+            <a:r>
+              <a:rPr lang="zh-TW" altLang="en-US" sz="4800" b="1" dirty="0" smtClean="0">
                 <a:solidFill>
                   <a:srgbClr val="002060"/>
                 </a:solidFill>
                 <a:latin typeface="微軟正黑體" pitchFamily="34" charset="-120"/>
                 <a:ea typeface="微軟正黑體" pitchFamily="34" charset="-120"/>
               </a:rPr>
-              <a:t>心</a:t>
-            </a:r>
-            <a:r>
-              <a:rPr lang="zh-TW" altLang="en-US" sz="5400" b="1" dirty="0" smtClean="0">
-                <a:solidFill>
-                  <a:srgbClr val="002060"/>
-                </a:solidFill>
-                <a:latin typeface="微軟正黑體" pitchFamily="34" charset="-120"/>
-                <a:ea typeface="微軟正黑體" pitchFamily="34" charset="-120"/>
-              </a:rPr>
-              <a:t>頌讚</a:t>
-            </a:r>
-            <a:endParaRPr lang="en-US" altLang="zh-TW" sz="5400" b="1" dirty="0" smtClean="0">
+              <a:t>獻上為祭  </a:t>
+            </a:r>
+            <a:endParaRPr lang="en-US" altLang="zh-TW" sz="4800" b="1" dirty="0" smtClean="0">
               <a:solidFill>
                 <a:srgbClr val="002060"/>
               </a:solidFill>
@@ -3190,56 +3196,16 @@
               <a:buNone/>
             </a:pPr>
             <a:r>
-              <a:rPr lang="zh-TW" altLang="en-US" sz="5400" b="1" dirty="0" smtClean="0">
+              <a:rPr lang="zh-TW" altLang="en-US" sz="4800" b="1" dirty="0" smtClean="0">
                 <a:solidFill>
                   <a:srgbClr val="002060"/>
                 </a:solidFill>
                 <a:latin typeface="微軟正黑體" pitchFamily="34" charset="-120"/>
                 <a:ea typeface="微軟正黑體" pitchFamily="34" charset="-120"/>
               </a:rPr>
-              <a:t>獻</a:t>
-            </a:r>
-            <a:r>
-              <a:rPr lang="zh-TW" altLang="en-US" sz="5400" b="1" dirty="0">
-                <a:solidFill>
-                  <a:srgbClr val="002060"/>
-                </a:solidFill>
-                <a:latin typeface="微軟正黑體" pitchFamily="34" charset="-120"/>
-                <a:ea typeface="微軟正黑體" pitchFamily="34" charset="-120"/>
-              </a:rPr>
-              <a:t>上為</a:t>
-            </a:r>
-            <a:r>
-              <a:rPr lang="zh-TW" altLang="en-US" sz="5400" b="1" dirty="0" smtClean="0">
-                <a:solidFill>
-                  <a:srgbClr val="002060"/>
-                </a:solidFill>
-                <a:latin typeface="微軟正黑體" pitchFamily="34" charset="-120"/>
-                <a:ea typeface="微軟正黑體" pitchFamily="34" charset="-120"/>
-              </a:rPr>
-              <a:t>祭  是</a:t>
-            </a:r>
-            <a:r>
-              <a:rPr lang="zh-TW" altLang="en-US" sz="5400" b="1" dirty="0">
-                <a:solidFill>
-                  <a:srgbClr val="002060"/>
-                </a:solidFill>
-                <a:latin typeface="微軟正黑體" pitchFamily="34" charset="-120"/>
-                <a:ea typeface="微軟正黑體" pitchFamily="34" charset="-120"/>
-              </a:rPr>
-              <a:t>嘴唇的</a:t>
-            </a:r>
-            <a:r>
-              <a:rPr lang="zh-TW" altLang="en-US" sz="5400" b="1" dirty="0" smtClean="0">
-                <a:solidFill>
-                  <a:srgbClr val="002060"/>
-                </a:solidFill>
-                <a:latin typeface="微軟正黑體" pitchFamily="34" charset="-120"/>
-                <a:ea typeface="微軟正黑體" pitchFamily="34" charset="-120"/>
-              </a:rPr>
-              <a:t>果子</a:t>
-            </a:r>
-            <a:endParaRPr lang="zh-TW" altLang="en-US" sz="5400" b="1" dirty="0">
+              <a:t>是嘴唇的果子</a:t>
+            </a:r>
+            <a:endParaRPr lang="zh-TW" altLang="en-US" sz="4800" b="1" dirty="0">
               <a:solidFill>
                 <a:srgbClr val="002060"/>
               </a:solidFill>
@@ -3286,11 +3252,13 @@
         </p:nvSpPr>
         <p:spPr/>
         <p:txBody>
-          <a:bodyPr/>
-          <a:lstStyle/>
-          <a:p>
-            <a:r>
-              <a:rPr lang="zh-TW" altLang="en-US" b="1" dirty="0">
+          <a:bodyPr>
+            <a:normAutofit/>
+          </a:bodyPr>
+          <a:lstStyle/>
+          <a:p>
+            <a:r>
+              <a:rPr lang="zh-TW" altLang="en-US" sz="4000" b="1" dirty="0">
                 <a:solidFill>
                   <a:srgbClr val="002060"/>
                 </a:solidFill>
@@ -3312,9 +3280,14 @@
             <p:ph idx="1"/>
           </p:nvPr>
         </p:nvSpPr>
-        <p:spPr/>
-        <p:txBody>
-          <a:bodyPr anchor="ctr">
+        <p:spPr>
+          <a:xfrm>
+            <a:off x="0" y="1200151"/>
+            <a:ext cx="9144000" cy="3394472"/>
+          </a:xfrm>
+        </p:spPr>
+        <p:txBody>
+          <a:bodyPr anchor="t">
             <a:normAutofit/>
           </a:bodyPr>
           <a:lstStyle/>
@@ -3323,46 +3296,46 @@
               <a:buNone/>
             </a:pPr>
             <a:r>
-              <a:rPr lang="zh-TW" altLang="en-US" sz="5400" b="1" dirty="0">
+              <a:rPr lang="zh-TW" altLang="en-US" sz="4800" b="1" dirty="0" smtClean="0">
                 <a:solidFill>
                   <a:srgbClr val="002060"/>
                 </a:solidFill>
                 <a:latin typeface="微軟正黑體" pitchFamily="34" charset="-120"/>
                 <a:ea typeface="微軟正黑體" pitchFamily="34" charset="-120"/>
               </a:rPr>
-              <a:t>在你</a:t>
-            </a:r>
-            <a:r>
-              <a:rPr lang="zh-TW" altLang="en-US" sz="5400" b="1" dirty="0" smtClean="0">
+              <a:t>在你裡面  一無罣慮</a:t>
+            </a:r>
+            <a:r>
+              <a:rPr lang="en-US" altLang="zh-TW" sz="4800" b="1" dirty="0">
                 <a:solidFill>
                   <a:srgbClr val="002060"/>
                 </a:solidFill>
                 <a:latin typeface="微軟正黑體" pitchFamily="34" charset="-120"/>
                 <a:ea typeface="微軟正黑體" pitchFamily="34" charset="-120"/>
               </a:rPr>
-              <a:t>裡面  一</a:t>
-            </a:r>
-            <a:r>
-              <a:rPr lang="zh-TW" altLang="en-US" sz="5400" b="1" dirty="0">
+              <a:t> </a:t>
+            </a:r>
+            <a:r>
+              <a:rPr lang="en-US" altLang="zh-TW" sz="4800" b="1" dirty="0" smtClean="0">
                 <a:solidFill>
                   <a:srgbClr val="002060"/>
                 </a:solidFill>
                 <a:latin typeface="微軟正黑體" pitchFamily="34" charset="-120"/>
                 <a:ea typeface="微軟正黑體" pitchFamily="34" charset="-120"/>
               </a:rPr>
-              <a:t>無罣</a:t>
-            </a:r>
-            <a:r>
-              <a:rPr lang="zh-TW" altLang="en-US" sz="5400" b="1" dirty="0" smtClean="0">
+              <a:t> </a:t>
+            </a:r>
+            <a:r>
+              <a:rPr lang="zh-TW" altLang="en-US" sz="4800" b="1" dirty="0" smtClean="0">
                 <a:solidFill>
                   <a:srgbClr val="002060"/>
                 </a:solidFill>
                 <a:latin typeface="微軟正黑體" pitchFamily="34" charset="-120"/>
                 <a:ea typeface="微軟正黑體" pitchFamily="34" charset="-120"/>
               </a:rPr>
-              <a:t>慮</a:t>
-            </a:r>
-            <a:endParaRPr lang="en-US" altLang="zh-TW" sz="5400" b="1" dirty="0" smtClean="0">
+              <a:t>喜樂滿溢  </a:t>
+            </a:r>
+            <a:endParaRPr lang="en-US" altLang="zh-TW" sz="4800" b="1" dirty="0" smtClean="0">
               <a:solidFill>
                 <a:srgbClr val="002060"/>
               </a:solidFill>
@@ -3375,56 +3348,16 @@
               <a:buNone/>
             </a:pPr>
             <a:r>
-              <a:rPr lang="zh-TW" altLang="en-US" sz="5400" b="1" dirty="0" smtClean="0">
+              <a:rPr lang="zh-TW" altLang="en-US" sz="4800" b="1" dirty="0" smtClean="0">
                 <a:solidFill>
                   <a:srgbClr val="002060"/>
                 </a:solidFill>
                 <a:latin typeface="微軟正黑體" pitchFamily="34" charset="-120"/>
                 <a:ea typeface="微軟正黑體" pitchFamily="34" charset="-120"/>
               </a:rPr>
-              <a:t>喜樂</a:t>
-            </a:r>
-            <a:r>
-              <a:rPr lang="zh-TW" altLang="en-US" sz="5400" b="1" dirty="0">
-                <a:solidFill>
-                  <a:srgbClr val="002060"/>
-                </a:solidFill>
-                <a:latin typeface="微軟正黑體" pitchFamily="34" charset="-120"/>
-                <a:ea typeface="微軟正黑體" pitchFamily="34" charset="-120"/>
-              </a:rPr>
-              <a:t>滿</a:t>
-            </a:r>
-            <a:r>
-              <a:rPr lang="zh-TW" altLang="en-US" sz="5400" b="1" dirty="0" smtClean="0">
-                <a:solidFill>
-                  <a:srgbClr val="002060"/>
-                </a:solidFill>
-                <a:latin typeface="微軟正黑體" pitchFamily="34" charset="-120"/>
-                <a:ea typeface="微軟正黑體" pitchFamily="34" charset="-120"/>
-              </a:rPr>
-              <a:t>溢</a:t>
-            </a:r>
-            <a:r>
-              <a:rPr lang="zh-TW" altLang="en-US" sz="5400" b="1" dirty="0" smtClean="0">
-                <a:solidFill>
-                  <a:srgbClr val="002060"/>
-                </a:solidFill>
-                <a:latin typeface="微軟正黑體" pitchFamily="34" charset="-120"/>
-                <a:ea typeface="微軟正黑體" pitchFamily="34" charset="-120"/>
-              </a:rPr>
-              <a:t> </a:t>
-            </a:r>
-            <a:r>
-              <a:rPr lang="zh-TW" altLang="en-US" sz="5400" b="1" dirty="0" smtClean="0">
-                <a:solidFill>
-                  <a:srgbClr val="002060"/>
-                </a:solidFill>
-                <a:latin typeface="微軟正黑體" pitchFamily="34" charset="-120"/>
-                <a:ea typeface="微軟正黑體" pitchFamily="34" charset="-120"/>
-              </a:rPr>
-              <a:t> 常常感謝</a:t>
-            </a:r>
-            <a:endParaRPr lang="en-US" altLang="zh-TW" sz="5400" b="1" dirty="0" smtClean="0">
+              <a:t>常常感謝  不住禱告  </a:t>
+            </a:r>
+            <a:endParaRPr lang="en-US" altLang="zh-TW" sz="4800" b="1" dirty="0" smtClean="0">
               <a:solidFill>
                 <a:srgbClr val="002060"/>
               </a:solidFill>
@@ -3437,36 +3370,16 @@
               <a:buNone/>
             </a:pPr>
             <a:r>
-              <a:rPr lang="zh-TW" altLang="en-US" sz="5400" b="1" dirty="0" smtClean="0">
+              <a:rPr lang="zh-TW" altLang="en-US" sz="4800" b="1" dirty="0" smtClean="0">
                 <a:solidFill>
                   <a:srgbClr val="002060"/>
                 </a:solidFill>
                 <a:latin typeface="微軟正黑體" pitchFamily="34" charset="-120"/>
                 <a:ea typeface="微軟正黑體" pitchFamily="34" charset="-120"/>
               </a:rPr>
-              <a:t>不住禱告  盼望</a:t>
-            </a:r>
-            <a:r>
-              <a:rPr lang="zh-TW" altLang="en-US" sz="5400" b="1" dirty="0">
-                <a:solidFill>
-                  <a:srgbClr val="002060"/>
-                </a:solidFill>
-                <a:latin typeface="微軟正黑體" pitchFamily="34" charset="-120"/>
-                <a:ea typeface="微軟正黑體" pitchFamily="34" charset="-120"/>
-              </a:rPr>
-              <a:t>在於</a:t>
-            </a:r>
-            <a:r>
-              <a:rPr lang="zh-TW" altLang="en-US" sz="5400" b="1" dirty="0" smtClean="0">
-                <a:solidFill>
-                  <a:srgbClr val="002060"/>
-                </a:solidFill>
-                <a:latin typeface="微軟正黑體" pitchFamily="34" charset="-120"/>
-                <a:ea typeface="微軟正黑體" pitchFamily="34" charset="-120"/>
-              </a:rPr>
-              <a:t>你</a:t>
-            </a:r>
-            <a:endParaRPr lang="zh-TW" altLang="en-US" sz="5400" b="1" dirty="0">
+              <a:t>盼望在於你</a:t>
+            </a:r>
+            <a:endParaRPr lang="zh-TW" altLang="en-US" sz="4800" b="1" dirty="0">
               <a:solidFill>
                 <a:srgbClr val="002060"/>
               </a:solidFill>
@@ -3513,11 +3426,13 @@
         </p:nvSpPr>
         <p:spPr/>
         <p:txBody>
-          <a:bodyPr/>
-          <a:lstStyle/>
-          <a:p>
-            <a:r>
-              <a:rPr lang="zh-TW" altLang="en-US" b="1" dirty="0">
+          <a:bodyPr>
+            <a:normAutofit/>
+          </a:bodyPr>
+          <a:lstStyle/>
+          <a:p>
+            <a:r>
+              <a:rPr lang="zh-TW" altLang="en-US" sz="4000" b="1" dirty="0">
                 <a:solidFill>
                   <a:srgbClr val="002060"/>
                 </a:solidFill>
@@ -3541,13 +3456,13 @@
         </p:nvSpPr>
         <p:spPr>
           <a:xfrm>
-            <a:off x="0" y="1600200"/>
-            <a:ext cx="9144000" cy="4525963"/>
+            <a:off x="0" y="1200151"/>
+            <a:ext cx="9144000" cy="3394472"/>
           </a:xfrm>
         </p:spPr>
         <p:txBody>
-          <a:bodyPr anchor="ctr">
-            <a:normAutofit/>
+          <a:bodyPr anchor="t">
+            <a:noAutofit/>
           </a:bodyPr>
           <a:lstStyle/>
           <a:p>
@@ -3555,7 +3470,7 @@
               <a:buNone/>
             </a:pPr>
             <a:r>
-              <a:rPr lang="zh-TW" altLang="en-US" sz="5400" b="1" dirty="0">
+              <a:rPr lang="zh-TW" altLang="en-US" sz="4800" b="1" dirty="0">
                 <a:solidFill>
                   <a:srgbClr val="002060"/>
                 </a:solidFill>
@@ -3565,16 +3480,56 @@
               <a:t>我要全心</a:t>
             </a:r>
             <a:r>
-              <a:rPr lang="zh-TW" altLang="en-US" sz="5400" b="1" dirty="0" smtClean="0">
+              <a:rPr lang="zh-TW" altLang="en-US" sz="4800" b="1" dirty="0">
                 <a:solidFill>
                   <a:srgbClr val="002060"/>
                 </a:solidFill>
                 <a:latin typeface="微軟正黑體" pitchFamily="34" charset="-120"/>
                 <a:ea typeface="微軟正黑體" pitchFamily="34" charset="-120"/>
               </a:rPr>
-              <a:t>讚美</a:t>
-            </a:r>
-            <a:endParaRPr lang="en-US" altLang="zh-TW" sz="5400" b="1" dirty="0" smtClean="0">
+              <a:t>讚</a:t>
+            </a:r>
+            <a:r>
+              <a:rPr lang="zh-TW" altLang="en-US" sz="4800" b="1" dirty="0" smtClean="0">
+                <a:solidFill>
+                  <a:srgbClr val="002060"/>
+                </a:solidFill>
+                <a:latin typeface="微軟正黑體" pitchFamily="34" charset="-120"/>
+                <a:ea typeface="微軟正黑體" pitchFamily="34" charset="-120"/>
+              </a:rPr>
+              <a:t>美  跳</a:t>
+            </a:r>
+            <a:r>
+              <a:rPr lang="zh-TW" altLang="en-US" sz="4800" b="1" dirty="0">
+                <a:solidFill>
+                  <a:srgbClr val="002060"/>
+                </a:solidFill>
+                <a:latin typeface="微軟正黑體" pitchFamily="34" charset="-120"/>
+                <a:ea typeface="微軟正黑體" pitchFamily="34" charset="-120"/>
+              </a:rPr>
+              <a:t>舞</a:t>
+            </a:r>
+            <a:r>
+              <a:rPr lang="zh-TW" altLang="en-US" sz="4800" b="1" dirty="0">
+                <a:solidFill>
+                  <a:srgbClr val="002060"/>
+                </a:solidFill>
+                <a:latin typeface="微軟正黑體" pitchFamily="34" charset="-120"/>
+                <a:ea typeface="微軟正黑體" pitchFamily="34" charset="-120"/>
+              </a:rPr>
+              <a:t>頌揚你</a:t>
+            </a:r>
+            <a:r>
+              <a:rPr lang="zh-TW" altLang="en-US" sz="4800" b="1" dirty="0">
+                <a:solidFill>
+                  <a:srgbClr val="002060"/>
+                </a:solidFill>
+                <a:latin typeface="微軟正黑體" pitchFamily="34" charset="-120"/>
+                <a:ea typeface="微軟正黑體" pitchFamily="34" charset="-120"/>
+              </a:rPr>
+              <a:t>名</a:t>
+            </a:r>
+            <a:endParaRPr lang="en-US" altLang="zh-TW" sz="4800" b="1" dirty="0">
               <a:solidFill>
                 <a:srgbClr val="002060"/>
               </a:solidFill>
@@ -3587,36 +3542,96 @@
               <a:buNone/>
             </a:pPr>
             <a:r>
-              <a:rPr lang="zh-TW" altLang="en-US" sz="5400" b="1" dirty="0" smtClean="0">
+              <a:rPr lang="zh-TW" altLang="en-US" sz="4800" b="1" dirty="0">
                 <a:solidFill>
                   <a:srgbClr val="002060"/>
                 </a:solidFill>
                 <a:latin typeface="微軟正黑體" pitchFamily="34" charset="-120"/>
                 <a:ea typeface="微軟正黑體" pitchFamily="34" charset="-120"/>
               </a:rPr>
-              <a:t>跳舞</a:t>
-            </a:r>
-            <a:r>
-              <a:rPr lang="zh-TW" altLang="en-US" sz="5400" b="1" dirty="0">
+              <a:t>在</a:t>
+            </a:r>
+            <a:r>
+              <a:rPr lang="zh-TW" altLang="en-US" sz="4800" b="1" dirty="0">
                 <a:solidFill>
                   <a:srgbClr val="002060"/>
                 </a:solidFill>
                 <a:latin typeface="微軟正黑體" pitchFamily="34" charset="-120"/>
                 <a:ea typeface="微軟正黑體" pitchFamily="34" charset="-120"/>
               </a:rPr>
-              <a:t>頌揚你</a:t>
-            </a:r>
-            <a:r>
-              <a:rPr lang="zh-TW" altLang="en-US" sz="5400" b="1" dirty="0" smtClean="0">
+              <a:t>你殿中一日</a:t>
+            </a:r>
+            <a:r>
+              <a:rPr lang="zh-TW" altLang="en-US" sz="4800" b="1" dirty="0">
                 <a:solidFill>
                   <a:srgbClr val="002060"/>
                 </a:solidFill>
                 <a:latin typeface="微軟正黑體" pitchFamily="34" charset="-120"/>
                 <a:ea typeface="微軟正黑體" pitchFamily="34" charset="-120"/>
               </a:rPr>
-              <a:t>名</a:t>
-            </a:r>
-            <a:endParaRPr lang="en-US" altLang="zh-TW" sz="5400" b="1" dirty="0">
+              <a:t>勝</a:t>
+            </a:r>
+            <a:r>
+              <a:rPr lang="zh-TW" altLang="en-US" sz="4800" b="1" dirty="0" smtClean="0">
+                <a:solidFill>
+                  <a:srgbClr val="002060"/>
+                </a:solidFill>
+                <a:latin typeface="微軟正黑體" pitchFamily="34" charset="-120"/>
+                <a:ea typeface="微軟正黑體" pitchFamily="34" charset="-120"/>
+              </a:rPr>
+              <a:t>過</a:t>
+            </a:r>
+            <a:r>
+              <a:rPr lang="en-US" altLang="zh-TW" sz="4800" b="1" dirty="0" smtClean="0">
+                <a:solidFill>
+                  <a:srgbClr val="002060"/>
+                </a:solidFill>
+                <a:latin typeface="微軟正黑體" pitchFamily="34" charset="-120"/>
+                <a:ea typeface="微軟正黑體" pitchFamily="34" charset="-120"/>
+              </a:rPr>
+              <a:t>  </a:t>
+            </a:r>
+            <a:r>
+              <a:rPr lang="zh-TW" altLang="en-US" sz="4800" b="1" dirty="0" smtClean="0">
+                <a:solidFill>
+                  <a:srgbClr val="002060"/>
+                </a:solidFill>
+                <a:latin typeface="微軟正黑體" pitchFamily="34" charset="-120"/>
+                <a:ea typeface="微軟正黑體" pitchFamily="34" charset="-120"/>
+              </a:rPr>
+              <a:t>在</a:t>
+            </a:r>
+            <a:r>
+              <a:rPr lang="zh-TW" altLang="en-US" sz="4800" b="1" dirty="0">
+                <a:solidFill>
+                  <a:srgbClr val="002060"/>
+                </a:solidFill>
+                <a:latin typeface="微軟正黑體" pitchFamily="34" charset="-120"/>
+                <a:ea typeface="微軟正黑體" pitchFamily="34" charset="-120"/>
+              </a:rPr>
+              <a:t>世</a:t>
+            </a:r>
+            <a:r>
+              <a:rPr lang="zh-TW" altLang="en-US" sz="4800" b="1" dirty="0">
+                <a:solidFill>
+                  <a:srgbClr val="002060"/>
+                </a:solidFill>
+                <a:latin typeface="微軟正黑體" pitchFamily="34" charset="-120"/>
+                <a:ea typeface="微軟正黑體" pitchFamily="34" charset="-120"/>
+              </a:rPr>
+              <a:t>上千</a:t>
+            </a:r>
+            <a:r>
+              <a:rPr lang="zh-TW" altLang="en-US" sz="4800" b="1" dirty="0" smtClean="0">
+                <a:solidFill>
+                  <a:srgbClr val="002060"/>
+                </a:solidFill>
+                <a:latin typeface="微軟正黑體" pitchFamily="34" charset="-120"/>
+                <a:ea typeface="微軟正黑體" pitchFamily="34" charset="-120"/>
+              </a:rPr>
+              <a:t>日</a:t>
+            </a:r>
+            <a:endParaRPr lang="en-US" altLang="zh-TW" sz="4800" b="1" dirty="0" smtClean="0">
               <a:solidFill>
                 <a:srgbClr val="002060"/>
               </a:solidFill>
@@ -3629,36 +3644,56 @@
               <a:buNone/>
             </a:pPr>
             <a:r>
-              <a:rPr lang="zh-TW" altLang="en-US" sz="5400" b="1" dirty="0" smtClean="0">
+              <a:rPr lang="zh-TW" altLang="en-US" sz="4800" b="1" dirty="0">
                 <a:solidFill>
                   <a:srgbClr val="002060"/>
                 </a:solidFill>
                 <a:latin typeface="微軟正黑體" pitchFamily="34" charset="-120"/>
                 <a:ea typeface="微軟正黑體" pitchFamily="34" charset="-120"/>
               </a:rPr>
-              <a:t>在</a:t>
-            </a:r>
-            <a:r>
-              <a:rPr lang="zh-TW" altLang="en-US" sz="5400" b="1" dirty="0">
+              <a:t>我要全心讚</a:t>
+            </a:r>
+            <a:r>
+              <a:rPr lang="zh-TW" altLang="en-US" sz="4800" b="1" dirty="0" smtClean="0">
                 <a:solidFill>
                   <a:srgbClr val="002060"/>
                 </a:solidFill>
                 <a:latin typeface="微軟正黑體" pitchFamily="34" charset="-120"/>
                 <a:ea typeface="微軟正黑體" pitchFamily="34" charset="-120"/>
               </a:rPr>
-              <a:t>你殿中一日</a:t>
-            </a:r>
-            <a:r>
-              <a:rPr lang="zh-TW" altLang="en-US" sz="5400" b="1" dirty="0" smtClean="0">
+              <a:t>美</a:t>
+            </a:r>
+            <a:r>
+              <a:rPr lang="en-US" altLang="zh-TW" sz="4800" b="1" dirty="0" smtClean="0">
                 <a:solidFill>
                   <a:srgbClr val="002060"/>
                 </a:solidFill>
                 <a:latin typeface="微軟正黑體" pitchFamily="34" charset="-120"/>
                 <a:ea typeface="微軟正黑體" pitchFamily="34" charset="-120"/>
               </a:rPr>
-              <a:t>勝過</a:t>
-            </a:r>
-            <a:endParaRPr lang="en-US" altLang="zh-TW" sz="5400" b="1" dirty="0" smtClean="0">
+              <a:t>  </a:t>
+            </a:r>
+            <a:r>
+              <a:rPr lang="zh-TW" altLang="en-US" sz="4800" b="1" dirty="0" smtClean="0">
+                <a:solidFill>
+                  <a:srgbClr val="002060"/>
+                </a:solidFill>
+                <a:latin typeface="微軟正黑體" pitchFamily="34" charset="-120"/>
+                <a:ea typeface="微軟正黑體" pitchFamily="34" charset="-120"/>
+              </a:rPr>
+              <a:t>讚</a:t>
+            </a:r>
+            <a:r>
+              <a:rPr lang="zh-TW" altLang="en-US" sz="4800" b="1" dirty="0">
+                <a:solidFill>
+                  <a:srgbClr val="002060"/>
+                </a:solidFill>
+                <a:latin typeface="微軟正黑體" pitchFamily="34" charset="-120"/>
+                <a:ea typeface="微軟正黑體" pitchFamily="34" charset="-120"/>
+              </a:rPr>
+              <a:t>美還要讚美不停</a:t>
+            </a:r>
+            <a:endParaRPr lang="en-US" altLang="zh-TW" sz="4800" b="1" dirty="0">
               <a:solidFill>
                 <a:srgbClr val="002060"/>
               </a:solidFill>
@@ -3671,164 +3706,7 @@
               <a:buNone/>
             </a:pPr>
             <a:r>
-              <a:rPr lang="zh-TW" altLang="en-US" sz="5400" b="1" dirty="0" smtClean="0">
-                <a:solidFill>
-                  <a:srgbClr val="002060"/>
-                </a:solidFill>
-                <a:latin typeface="微軟正黑體" pitchFamily="34" charset="-120"/>
-                <a:ea typeface="微軟正黑體" pitchFamily="34" charset="-120"/>
-              </a:rPr>
-              <a:t>在世</a:t>
-            </a:r>
-            <a:r>
-              <a:rPr lang="zh-TW" altLang="en-US" sz="5400" b="1" dirty="0">
-                <a:solidFill>
-                  <a:srgbClr val="002060"/>
-                </a:solidFill>
-                <a:latin typeface="微軟正黑體" pitchFamily="34" charset="-120"/>
-                <a:ea typeface="微軟正黑體" pitchFamily="34" charset="-120"/>
-              </a:rPr>
-              <a:t>上千</a:t>
-            </a:r>
-            <a:r>
-              <a:rPr lang="zh-TW" altLang="en-US" sz="5400" b="1" dirty="0" smtClean="0">
-                <a:solidFill>
-                  <a:srgbClr val="002060"/>
-                </a:solidFill>
-                <a:latin typeface="微軟正黑體" pitchFamily="34" charset="-120"/>
-                <a:ea typeface="微軟正黑體" pitchFamily="34" charset="-120"/>
-              </a:rPr>
-              <a:t>日</a:t>
-            </a:r>
-            <a:endParaRPr lang="zh-TW" altLang="en-US" sz="5400" b="1" dirty="0">
-              <a:solidFill>
-                <a:srgbClr val="002060"/>
-              </a:solidFill>
-              <a:latin typeface="微軟正黑體" pitchFamily="34" charset="-120"/>
-              <a:ea typeface="微軟正黑體" pitchFamily="34" charset="-120"/>
-            </a:endParaRPr>
-          </a:p>
-        </p:txBody>
-      </p:sp>
-    </p:spTree>
-  </p:cSld>
-  <p:clrMapOvr>
-    <a:masterClrMapping/>
-  </p:clrMapOvr>
-</p:sld>
-</file>
-
-<file path=ppt/slides/slide4.xml><?xml version="1.0" encoding="utf-8"?>
-<p:sld xmlns:a="http://schemas.openxmlformats.org/drawingml/2006/main" xmlns:r="http://schemas.openxmlformats.org/officeDocument/2006/relationships" xmlns:p="http://schemas.openxmlformats.org/presentationml/2006/main">
-  <p:cSld>
-    <p:spTree>
-      <p:nvGrpSpPr>
-        <p:cNvPr id="1" name=""/>
-        <p:cNvGrpSpPr/>
-        <p:nvPr/>
-      </p:nvGrpSpPr>
-      <p:grpSpPr>
-        <a:xfrm>
-          <a:off x="0" y="0"/>
-          <a:ext cx="0" cy="0"/>
-          <a:chOff x="0" y="0"/>
-          <a:chExt cx="0" cy="0"/>
-        </a:xfrm>
-      </p:grpSpPr>
-      <p:sp>
-        <p:nvSpPr>
-          <p:cNvPr id="2" name="標題 1"/>
-          <p:cNvSpPr>
-            <a:spLocks noGrp="1"/>
-          </p:cNvSpPr>
-          <p:nvPr>
-            <p:ph type="title"/>
-          </p:nvPr>
-        </p:nvSpPr>
-        <p:spPr/>
-        <p:txBody>
-          <a:bodyPr/>
-          <a:lstStyle/>
-          <a:p>
-            <a:r>
-              <a:rPr lang="zh-TW" altLang="en-US" b="1" dirty="0">
-                <a:solidFill>
-                  <a:srgbClr val="002060"/>
-                </a:solidFill>
-                <a:latin typeface="微軟正黑體" pitchFamily="34" charset="-120"/>
-                <a:ea typeface="微軟正黑體" pitchFamily="34" charset="-120"/>
-              </a:rPr>
-              <a:t>我要全心讚美</a:t>
-            </a:r>
-          </a:p>
-        </p:txBody>
-      </p:sp>
-      <p:sp>
-        <p:nvSpPr>
-          <p:cNvPr id="3" name="內容版面配置區 2"/>
-          <p:cNvSpPr>
-            <a:spLocks noGrp="1"/>
-          </p:cNvSpPr>
-          <p:nvPr>
-            <p:ph idx="1"/>
-          </p:nvPr>
-        </p:nvSpPr>
-        <p:spPr/>
-        <p:txBody>
-          <a:bodyPr anchor="ctr">
-            <a:normAutofit/>
-          </a:bodyPr>
-          <a:lstStyle/>
-          <a:p>
-            <a:pPr algn="ctr">
-              <a:buNone/>
-            </a:pPr>
-            <a:r>
-              <a:rPr lang="zh-TW" altLang="en-US" sz="5400" b="1" dirty="0" smtClean="0">
-                <a:solidFill>
-                  <a:srgbClr val="002060"/>
-                </a:solidFill>
-                <a:latin typeface="微軟正黑體" pitchFamily="34" charset="-120"/>
-                <a:ea typeface="微軟正黑體" pitchFamily="34" charset="-120"/>
-              </a:rPr>
-              <a:t>我要全心讚美</a:t>
-            </a:r>
-            <a:endParaRPr lang="en-US" altLang="zh-TW" sz="5400" b="1" dirty="0" smtClean="0">
-              <a:solidFill>
-                <a:srgbClr val="002060"/>
-              </a:solidFill>
-              <a:latin typeface="微軟正黑體" pitchFamily="34" charset="-120"/>
-              <a:ea typeface="微軟正黑體" pitchFamily="34" charset="-120"/>
-            </a:endParaRPr>
-          </a:p>
-          <a:p>
-            <a:pPr algn="ctr">
-              <a:buNone/>
-            </a:pPr>
-            <a:r>
-              <a:rPr lang="zh-TW" altLang="en-US" sz="5400" b="1" dirty="0" smtClean="0">
-                <a:solidFill>
-                  <a:srgbClr val="002060"/>
-                </a:solidFill>
-                <a:latin typeface="微軟正黑體" pitchFamily="34" charset="-120"/>
-                <a:ea typeface="微軟正黑體" pitchFamily="34" charset="-120"/>
-              </a:rPr>
-              <a:t>讚美還要讚美不停</a:t>
-            </a:r>
-            <a:endParaRPr lang="en-US" altLang="zh-TW" sz="5400" b="1" dirty="0" smtClean="0">
-              <a:solidFill>
-                <a:srgbClr val="002060"/>
-              </a:solidFill>
-              <a:latin typeface="微軟正黑體" pitchFamily="34" charset="-120"/>
-              <a:ea typeface="微軟正黑體" pitchFamily="34" charset="-120"/>
-            </a:endParaRPr>
-          </a:p>
-          <a:p>
-            <a:pPr algn="ctr">
-              <a:buNone/>
-            </a:pPr>
-            <a:r>
-              <a:rPr lang="zh-TW" altLang="en-US" sz="5400" b="1" dirty="0" smtClean="0">
+              <a:rPr lang="zh-TW" altLang="en-US" sz="4800" b="1" dirty="0">
                 <a:solidFill>
                   <a:srgbClr val="002060"/>
                 </a:solidFill>
@@ -3837,7 +3715,12 @@
               </a:rPr>
               <a:t>義人棚裡歡呼聲永不息</a:t>
             </a:r>
-            <a:endParaRPr lang="zh-TW" altLang="en-US" sz="5400" b="1" dirty="0">
+          </a:p>
+          <a:p>
+            <a:pPr algn="ctr">
+              <a:buNone/>
+            </a:pPr>
+            <a:endParaRPr lang="zh-TW" altLang="en-US" sz="4800" b="1" dirty="0">
               <a:solidFill>
                 <a:srgbClr val="002060"/>
               </a:solidFill>

--- a/我要全心讚美.pptx
+++ b/我要全心讚美.pptx
@@ -8,6 +8,7 @@
     <p:sldId id="256" r:id="rId2"/>
     <p:sldId id="257" r:id="rId3"/>
     <p:sldId id="258" r:id="rId4"/>
+    <p:sldId id="259" r:id="rId5"/>
   </p:sldIdLst>
   <p:sldSz cx="9144000" cy="5143500" type="screen16x9"/>
   <p:notesSz cx="6858000" cy="9144000"/>
@@ -290,7 +291,7 @@
           <a:p>
             <a:fld id="{F4DC9DE7-1299-458E-9A51-39F41637C414}" type="datetimeFigureOut">
               <a:rPr lang="zh-TW" altLang="en-US" smtClean="0"/>
-              <a:t>2019/8/17</a:t>
+              <a:t>2019/10/5</a:t>
             </a:fld>
             <a:endParaRPr lang="zh-TW" altLang="en-US"/>
           </a:p>
@@ -455,7 +456,7 @@
           <a:p>
             <a:fld id="{F4DC9DE7-1299-458E-9A51-39F41637C414}" type="datetimeFigureOut">
               <a:rPr lang="zh-TW" altLang="en-US" smtClean="0"/>
-              <a:t>2019/8/17</a:t>
+              <a:t>2019/10/5</a:t>
             </a:fld>
             <a:endParaRPr lang="zh-TW" altLang="en-US"/>
           </a:p>
@@ -630,7 +631,7 @@
           <a:p>
             <a:fld id="{F4DC9DE7-1299-458E-9A51-39F41637C414}" type="datetimeFigureOut">
               <a:rPr lang="zh-TW" altLang="en-US" smtClean="0"/>
-              <a:t>2019/8/17</a:t>
+              <a:t>2019/10/5</a:t>
             </a:fld>
             <a:endParaRPr lang="zh-TW" altLang="en-US"/>
           </a:p>
@@ -795,7 +796,7 @@
           <a:p>
             <a:fld id="{F4DC9DE7-1299-458E-9A51-39F41637C414}" type="datetimeFigureOut">
               <a:rPr lang="zh-TW" altLang="en-US" smtClean="0"/>
-              <a:t>2019/8/17</a:t>
+              <a:t>2019/10/5</a:t>
             </a:fld>
             <a:endParaRPr lang="zh-TW" altLang="en-US"/>
           </a:p>
@@ -1036,7 +1037,7 @@
           <a:p>
             <a:fld id="{F4DC9DE7-1299-458E-9A51-39F41637C414}" type="datetimeFigureOut">
               <a:rPr lang="zh-TW" altLang="en-US" smtClean="0"/>
-              <a:t>2019/8/17</a:t>
+              <a:t>2019/10/5</a:t>
             </a:fld>
             <a:endParaRPr lang="zh-TW" altLang="en-US"/>
           </a:p>
@@ -1319,7 +1320,7 @@
           <a:p>
             <a:fld id="{F4DC9DE7-1299-458E-9A51-39F41637C414}" type="datetimeFigureOut">
               <a:rPr lang="zh-TW" altLang="en-US" smtClean="0"/>
-              <a:t>2019/8/17</a:t>
+              <a:t>2019/10/5</a:t>
             </a:fld>
             <a:endParaRPr lang="zh-TW" altLang="en-US"/>
           </a:p>
@@ -1736,7 +1737,7 @@
           <a:p>
             <a:fld id="{F4DC9DE7-1299-458E-9A51-39F41637C414}" type="datetimeFigureOut">
               <a:rPr lang="zh-TW" altLang="en-US" smtClean="0"/>
-              <a:t>2019/8/17</a:t>
+              <a:t>2019/10/5</a:t>
             </a:fld>
             <a:endParaRPr lang="zh-TW" altLang="en-US"/>
           </a:p>
@@ -1849,7 +1850,7 @@
           <a:p>
             <a:fld id="{F4DC9DE7-1299-458E-9A51-39F41637C414}" type="datetimeFigureOut">
               <a:rPr lang="zh-TW" altLang="en-US" smtClean="0"/>
-              <a:t>2019/8/17</a:t>
+              <a:t>2019/10/5</a:t>
             </a:fld>
             <a:endParaRPr lang="zh-TW" altLang="en-US"/>
           </a:p>
@@ -1939,7 +1940,7 @@
           <a:p>
             <a:fld id="{F4DC9DE7-1299-458E-9A51-39F41637C414}" type="datetimeFigureOut">
               <a:rPr lang="zh-TW" altLang="en-US" smtClean="0"/>
-              <a:t>2019/8/17</a:t>
+              <a:t>2019/10/5</a:t>
             </a:fld>
             <a:endParaRPr lang="zh-TW" altLang="en-US"/>
           </a:p>
@@ -2211,7 +2212,7 @@
           <a:p>
             <a:fld id="{F4DC9DE7-1299-458E-9A51-39F41637C414}" type="datetimeFigureOut">
               <a:rPr lang="zh-TW" altLang="en-US" smtClean="0"/>
-              <a:t>2019/8/17</a:t>
+              <a:t>2019/10/5</a:t>
             </a:fld>
             <a:endParaRPr lang="zh-TW" altLang="en-US"/>
           </a:p>
@@ -2463,7 +2464,7 @@
           <a:p>
             <a:fld id="{F4DC9DE7-1299-458E-9A51-39F41637C414}" type="datetimeFigureOut">
               <a:rPr lang="zh-TW" altLang="en-US" smtClean="0"/>
-              <a:t>2019/8/17</a:t>
+              <a:t>2019/10/5</a:t>
             </a:fld>
             <a:endParaRPr lang="zh-TW" altLang="en-US"/>
           </a:p>
@@ -2676,7 +2677,7 @@
           <a:p>
             <a:fld id="{F4DC9DE7-1299-458E-9A51-39F41637C414}" type="datetimeFigureOut">
               <a:rPr lang="zh-TW" altLang="en-US" smtClean="0"/>
-              <a:t>2019/8/17</a:t>
+              <a:t>2019/10/5</a:t>
             </a:fld>
             <a:endParaRPr lang="zh-TW" altLang="en-US"/>
           </a:p>
@@ -3088,8 +3089,8 @@
         </p:nvSpPr>
         <p:spPr>
           <a:xfrm>
-            <a:off x="0" y="1200151"/>
-            <a:ext cx="9144000" cy="3394472"/>
+            <a:off x="0" y="1200150"/>
+            <a:ext cx="9144000" cy="3943349"/>
           </a:xfrm>
         </p:spPr>
         <p:txBody>
@@ -3119,8 +3120,20 @@
                 <a:latin typeface="微軟正黑體" pitchFamily="34" charset="-120"/>
                 <a:ea typeface="微軟正黑體" pitchFamily="34" charset="-120"/>
               </a:rPr>
-              <a:t>感謝  全心讚</a:t>
-            </a:r>
+              <a:t>感謝  全心讚美  </a:t>
+            </a:r>
+            <a:endParaRPr lang="en-US" altLang="zh-TW" sz="4800" b="1" dirty="0" smtClean="0">
+              <a:solidFill>
+                <a:srgbClr val="002060"/>
+              </a:solidFill>
+              <a:latin typeface="微軟正黑體" pitchFamily="34" charset="-120"/>
+              <a:ea typeface="微軟正黑體" pitchFamily="34" charset="-120"/>
+            </a:endParaRPr>
+          </a:p>
+          <a:p>
+            <a:pPr algn="ctr">
+              <a:buNone/>
+            </a:pPr>
             <a:r>
               <a:rPr lang="zh-TW" altLang="en-US" sz="4800" b="1" dirty="0" smtClean="0">
                 <a:solidFill>
@@ -3129,7 +3142,17 @@
                 <a:latin typeface="微軟正黑體" pitchFamily="34" charset="-120"/>
                 <a:ea typeface="微軟正黑體" pitchFamily="34" charset="-120"/>
               </a:rPr>
-              <a:t>美  進入你的院 </a:t>
+              <a:t>進</a:t>
+            </a:r>
+            <a:r>
+              <a:rPr lang="zh-TW" altLang="en-US" sz="4800" b="1" dirty="0" smtClean="0">
+                <a:solidFill>
+                  <a:srgbClr val="002060"/>
+                </a:solidFill>
+                <a:latin typeface="微軟正黑體" pitchFamily="34" charset="-120"/>
+                <a:ea typeface="微軟正黑體" pitchFamily="34" charset="-120"/>
+              </a:rPr>
+              <a:t>入你的院 </a:t>
             </a:r>
             <a:endParaRPr lang="en-US" altLang="zh-TW" sz="4800" b="1" dirty="0" smtClean="0">
               <a:solidFill>
@@ -3282,8 +3305,8 @@
         </p:nvSpPr>
         <p:spPr>
           <a:xfrm>
-            <a:off x="0" y="1200151"/>
-            <a:ext cx="9144000" cy="3394472"/>
+            <a:off x="0" y="1200150"/>
+            <a:ext cx="9144000" cy="3943349"/>
           </a:xfrm>
         </p:spPr>
         <p:txBody>
@@ -3325,6 +3348,18 @@
               </a:rPr>
               <a:t> </a:t>
             </a:r>
+            <a:endParaRPr lang="en-US" altLang="zh-TW" sz="4800" b="1" dirty="0" smtClean="0">
+              <a:solidFill>
+                <a:srgbClr val="002060"/>
+              </a:solidFill>
+              <a:latin typeface="微軟正黑體" pitchFamily="34" charset="-120"/>
+              <a:ea typeface="微軟正黑體" pitchFamily="34" charset="-120"/>
+            </a:endParaRPr>
+          </a:p>
+          <a:p>
+            <a:pPr algn="ctr">
+              <a:buNone/>
+            </a:pPr>
             <a:r>
               <a:rPr lang="zh-TW" altLang="en-US" sz="4800" b="1" dirty="0" smtClean="0">
                 <a:solidFill>
@@ -3333,7 +3368,17 @@
                 <a:latin typeface="微軟正黑體" pitchFamily="34" charset="-120"/>
                 <a:ea typeface="微軟正黑體" pitchFamily="34" charset="-120"/>
               </a:rPr>
-              <a:t>喜樂滿溢  </a:t>
+              <a:t>喜</a:t>
+            </a:r>
+            <a:r>
+              <a:rPr lang="zh-TW" altLang="en-US" sz="4800" b="1" dirty="0" smtClean="0">
+                <a:solidFill>
+                  <a:srgbClr val="002060"/>
+                </a:solidFill>
+                <a:latin typeface="微軟正黑體" pitchFamily="34" charset="-120"/>
+                <a:ea typeface="微軟正黑體" pitchFamily="34" charset="-120"/>
+              </a:rPr>
+              <a:t>樂滿溢  </a:t>
             </a:r>
             <a:endParaRPr lang="en-US" altLang="zh-TW" sz="4800" b="1" dirty="0" smtClean="0">
               <a:solidFill>
@@ -3456,8 +3501,8 @@
         </p:nvSpPr>
         <p:spPr>
           <a:xfrm>
-            <a:off x="0" y="1200151"/>
-            <a:ext cx="9144000" cy="3394472"/>
+            <a:off x="0" y="1200150"/>
+            <a:ext cx="9144000" cy="3943349"/>
           </a:xfrm>
         </p:spPr>
         <p:txBody>
@@ -3477,18 +3522,30 @@
                 <a:latin typeface="微軟正黑體" pitchFamily="34" charset="-120"/>
                 <a:ea typeface="微軟正黑體" pitchFamily="34" charset="-120"/>
               </a:rPr>
-              <a:t>我要全心</a:t>
-            </a:r>
-            <a:r>
-              <a:rPr lang="zh-TW" altLang="en-US" sz="4800" b="1" dirty="0">
+              <a:t>我要全心讚</a:t>
+            </a:r>
+            <a:r>
+              <a:rPr lang="zh-TW" altLang="en-US" sz="4800" b="1" dirty="0" smtClean="0">
                 <a:solidFill>
                   <a:srgbClr val="002060"/>
                 </a:solidFill>
                 <a:latin typeface="微軟正黑體" pitchFamily="34" charset="-120"/>
                 <a:ea typeface="微軟正黑體" pitchFamily="34" charset="-120"/>
               </a:rPr>
-              <a:t>讚</a:t>
-            </a:r>
+              <a:t>美  </a:t>
+            </a:r>
+            <a:endParaRPr lang="en-US" altLang="zh-TW" sz="4800" b="1" dirty="0" smtClean="0">
+              <a:solidFill>
+                <a:srgbClr val="002060"/>
+              </a:solidFill>
+              <a:latin typeface="微軟正黑體" pitchFamily="34" charset="-120"/>
+              <a:ea typeface="微軟正黑體" pitchFamily="34" charset="-120"/>
+            </a:endParaRPr>
+          </a:p>
+          <a:p>
+            <a:pPr algn="ctr">
+              <a:buNone/>
+            </a:pPr>
             <a:r>
               <a:rPr lang="zh-TW" altLang="en-US" sz="4800" b="1" dirty="0" smtClean="0">
                 <a:solidFill>
@@ -3497,7 +3554,7 @@
                 <a:latin typeface="微軟正黑體" pitchFamily="34" charset="-120"/>
                 <a:ea typeface="微軟正黑體" pitchFamily="34" charset="-120"/>
               </a:rPr>
-              <a:t>美  跳</a:t>
+              <a:t>跳</a:t>
             </a:r>
             <a:r>
               <a:rPr lang="zh-TW" altLang="en-US" sz="4800" b="1" dirty="0">
@@ -3507,27 +3564,7 @@
                 <a:latin typeface="微軟正黑體" pitchFamily="34" charset="-120"/>
                 <a:ea typeface="微軟正黑體" pitchFamily="34" charset="-120"/>
               </a:rPr>
-              <a:t>舞</a:t>
-            </a:r>
-            <a:r>
-              <a:rPr lang="zh-TW" altLang="en-US" sz="4800" b="1" dirty="0">
-                <a:solidFill>
-                  <a:srgbClr val="002060"/>
-                </a:solidFill>
-                <a:latin typeface="微軟正黑體" pitchFamily="34" charset="-120"/>
-                <a:ea typeface="微軟正黑體" pitchFamily="34" charset="-120"/>
-              </a:rPr>
-              <a:t>頌揚你</a:t>
-            </a:r>
-            <a:r>
-              <a:rPr lang="zh-TW" altLang="en-US" sz="4800" b="1" dirty="0">
-                <a:solidFill>
-                  <a:srgbClr val="002060"/>
-                </a:solidFill>
-                <a:latin typeface="微軟正黑體" pitchFamily="34" charset="-120"/>
-                <a:ea typeface="微軟正黑體" pitchFamily="34" charset="-120"/>
-              </a:rPr>
-              <a:t>名</a:t>
+              <a:t>舞頌揚你名</a:t>
             </a:r>
             <a:endParaRPr lang="en-US" altLang="zh-TW" sz="4800" b="1" dirty="0">
               <a:solidFill>
@@ -3549,27 +3586,7 @@
                 <a:latin typeface="微軟正黑體" pitchFamily="34" charset="-120"/>
                 <a:ea typeface="微軟正黑體" pitchFamily="34" charset="-120"/>
               </a:rPr>
-              <a:t>在</a:t>
-            </a:r>
-            <a:r>
-              <a:rPr lang="zh-TW" altLang="en-US" sz="4800" b="1" dirty="0">
-                <a:solidFill>
-                  <a:srgbClr val="002060"/>
-                </a:solidFill>
-                <a:latin typeface="微軟正黑體" pitchFamily="34" charset="-120"/>
-                <a:ea typeface="微軟正黑體" pitchFamily="34" charset="-120"/>
-              </a:rPr>
-              <a:t>你殿中一日</a:t>
-            </a:r>
-            <a:r>
-              <a:rPr lang="zh-TW" altLang="en-US" sz="4800" b="1" dirty="0">
-                <a:solidFill>
-                  <a:srgbClr val="002060"/>
-                </a:solidFill>
-                <a:latin typeface="微軟正黑體" pitchFamily="34" charset="-120"/>
-                <a:ea typeface="微軟正黑體" pitchFamily="34" charset="-120"/>
-              </a:rPr>
-              <a:t>勝</a:t>
+              <a:t>在你殿中一日勝</a:t>
             </a:r>
             <a:r>
               <a:rPr lang="zh-TW" altLang="en-US" sz="4800" b="1" dirty="0" smtClean="0">
@@ -3590,46 +3607,6 @@
                 <a:ea typeface="微軟正黑體" pitchFamily="34" charset="-120"/>
               </a:rPr>
               <a:t>  </a:t>
-            </a:r>
-            <a:r>
-              <a:rPr lang="zh-TW" altLang="en-US" sz="4800" b="1" dirty="0" smtClean="0">
-                <a:solidFill>
-                  <a:srgbClr val="002060"/>
-                </a:solidFill>
-                <a:latin typeface="微軟正黑體" pitchFamily="34" charset="-120"/>
-                <a:ea typeface="微軟正黑體" pitchFamily="34" charset="-120"/>
-              </a:rPr>
-              <a:t>在</a:t>
-            </a:r>
-            <a:r>
-              <a:rPr lang="zh-TW" altLang="en-US" sz="4800" b="1" dirty="0">
-                <a:solidFill>
-                  <a:srgbClr val="002060"/>
-                </a:solidFill>
-                <a:latin typeface="微軟正黑體" pitchFamily="34" charset="-120"/>
-                <a:ea typeface="微軟正黑體" pitchFamily="34" charset="-120"/>
-              </a:rPr>
-              <a:t>世</a:t>
-            </a:r>
-            <a:r>
-              <a:rPr lang="zh-TW" altLang="en-US" sz="4800" b="1" dirty="0">
-                <a:solidFill>
-                  <a:srgbClr val="002060"/>
-                </a:solidFill>
-                <a:latin typeface="微軟正黑體" pitchFamily="34" charset="-120"/>
-                <a:ea typeface="微軟正黑體" pitchFamily="34" charset="-120"/>
-              </a:rPr>
-              <a:t>上千</a:t>
-            </a:r>
-            <a:r>
-              <a:rPr lang="zh-TW" altLang="en-US" sz="4800" b="1" dirty="0" smtClean="0">
-                <a:solidFill>
-                  <a:srgbClr val="002060"/>
-                </a:solidFill>
-                <a:latin typeface="微軟正黑體" pitchFamily="34" charset="-120"/>
-                <a:ea typeface="微軟正黑體" pitchFamily="34" charset="-120"/>
-              </a:rPr>
-              <a:t>日</a:t>
             </a:r>
             <a:endParaRPr lang="en-US" altLang="zh-TW" sz="4800" b="1" dirty="0" smtClean="0">
               <a:solidFill>
@@ -3644,77 +3621,42 @@
               <a:buNone/>
             </a:pPr>
             <a:r>
-              <a:rPr lang="zh-TW" altLang="en-US" sz="4800" b="1" dirty="0">
+              <a:rPr lang="zh-TW" altLang="en-US" sz="4800" b="1" dirty="0" smtClean="0">
                 <a:solidFill>
                   <a:srgbClr val="002060"/>
                 </a:solidFill>
                 <a:latin typeface="微軟正黑體" pitchFamily="34" charset="-120"/>
                 <a:ea typeface="微軟正黑體" pitchFamily="34" charset="-120"/>
               </a:rPr>
-              <a:t>我要全心讚</a:t>
-            </a:r>
-            <a:r>
-              <a:rPr lang="zh-TW" altLang="en-US" sz="4800" b="1" dirty="0" smtClean="0">
+              <a:t>在</a:t>
+            </a:r>
+            <a:r>
+              <a:rPr lang="zh-TW" altLang="en-US" sz="4800" b="1" dirty="0">
                 <a:solidFill>
                   <a:srgbClr val="002060"/>
                 </a:solidFill>
                 <a:latin typeface="微軟正黑體" pitchFamily="34" charset="-120"/>
                 <a:ea typeface="微軟正黑體" pitchFamily="34" charset="-120"/>
               </a:rPr>
-              <a:t>美</a:t>
-            </a:r>
-            <a:r>
-              <a:rPr lang="en-US" altLang="zh-TW" sz="4800" b="1" dirty="0" smtClean="0">
+              <a:t>世上千</a:t>
+            </a:r>
+            <a:r>
+              <a:rPr lang="zh-TW" altLang="en-US" sz="4800" b="1" dirty="0" smtClean="0">
                 <a:solidFill>
                   <a:srgbClr val="002060"/>
                 </a:solidFill>
                 <a:latin typeface="微軟正黑體" pitchFamily="34" charset="-120"/>
                 <a:ea typeface="微軟正黑體" pitchFamily="34" charset="-120"/>
               </a:rPr>
-              <a:t>  </a:t>
-            </a:r>
-            <a:r>
-              <a:rPr lang="zh-TW" altLang="en-US" sz="4800" b="1" dirty="0" smtClean="0">
-                <a:solidFill>
-                  <a:srgbClr val="002060"/>
-                </a:solidFill>
-                <a:latin typeface="微軟正黑體" pitchFamily="34" charset="-120"/>
-                <a:ea typeface="微軟正黑體" pitchFamily="34" charset="-120"/>
-              </a:rPr>
-              <a:t>讚</a:t>
-            </a:r>
-            <a:r>
-              <a:rPr lang="zh-TW" altLang="en-US" sz="4800" b="1" dirty="0">
-                <a:solidFill>
-                  <a:srgbClr val="002060"/>
-                </a:solidFill>
-                <a:latin typeface="微軟正黑體" pitchFamily="34" charset="-120"/>
-                <a:ea typeface="微軟正黑體" pitchFamily="34" charset="-120"/>
-              </a:rPr>
-              <a:t>美還要讚美不停</a:t>
-            </a:r>
-            <a:endParaRPr lang="en-US" altLang="zh-TW" sz="4800" b="1" dirty="0">
+              <a:t>日</a:t>
+            </a:r>
+            <a:endParaRPr lang="en-US" altLang="zh-TW" sz="4800" b="1" dirty="0" smtClean="0">
               <a:solidFill>
                 <a:srgbClr val="002060"/>
               </a:solidFill>
               <a:latin typeface="微軟正黑體" pitchFamily="34" charset="-120"/>
               <a:ea typeface="微軟正黑體" pitchFamily="34" charset="-120"/>
             </a:endParaRPr>
-          </a:p>
-          <a:p>
-            <a:pPr algn="ctr">
-              <a:buNone/>
-            </a:pPr>
-            <a:r>
-              <a:rPr lang="zh-TW" altLang="en-US" sz="4800" b="1" dirty="0">
-                <a:solidFill>
-                  <a:srgbClr val="002060"/>
-                </a:solidFill>
-                <a:latin typeface="微軟正黑體" pitchFamily="34" charset="-120"/>
-                <a:ea typeface="微軟正黑體" pitchFamily="34" charset="-120"/>
-              </a:rPr>
-              <a:t>義人棚裡歡呼聲永不息</a:t>
-            </a:r>
           </a:p>
           <a:p>
             <a:pPr algn="ctr">
@@ -3731,6 +3673,200 @@
         </p:txBody>
       </p:sp>
     </p:spTree>
+  </p:cSld>
+  <p:clrMapOvr>
+    <a:masterClrMapping/>
+  </p:clrMapOvr>
+</p:sld>
+</file>
+
+<file path=ppt/slides/slide4.xml><?xml version="1.0" encoding="utf-8"?>
+<p:sld xmlns:a="http://schemas.openxmlformats.org/drawingml/2006/main" xmlns:r="http://schemas.openxmlformats.org/officeDocument/2006/relationships" xmlns:p="http://schemas.openxmlformats.org/presentationml/2006/main">
+  <p:cSld>
+    <p:spTree>
+      <p:nvGrpSpPr>
+        <p:cNvPr id="1" name=""/>
+        <p:cNvGrpSpPr/>
+        <p:nvPr/>
+      </p:nvGrpSpPr>
+      <p:grpSpPr>
+        <a:xfrm>
+          <a:off x="0" y="0"/>
+          <a:ext cx="0" cy="0"/>
+          <a:chOff x="0" y="0"/>
+          <a:chExt cx="0" cy="0"/>
+        </a:xfrm>
+      </p:grpSpPr>
+      <p:sp>
+        <p:nvSpPr>
+          <p:cNvPr id="2" name="標題 1"/>
+          <p:cNvSpPr>
+            <a:spLocks noGrp="1"/>
+          </p:cNvSpPr>
+          <p:nvPr>
+            <p:ph type="title"/>
+          </p:nvPr>
+        </p:nvSpPr>
+        <p:spPr/>
+        <p:txBody>
+          <a:bodyPr>
+            <a:normAutofit/>
+          </a:bodyPr>
+          <a:lstStyle/>
+          <a:p>
+            <a:r>
+              <a:rPr lang="zh-TW" altLang="en-US" sz="4000" b="1" dirty="0">
+                <a:solidFill>
+                  <a:srgbClr val="002060"/>
+                </a:solidFill>
+                <a:latin typeface="微軟正黑體" pitchFamily="34" charset="-120"/>
+                <a:ea typeface="微軟正黑體" pitchFamily="34" charset="-120"/>
+              </a:rPr>
+              <a:t>我要全心讚美</a:t>
+            </a:r>
+          </a:p>
+        </p:txBody>
+      </p:sp>
+      <p:sp>
+        <p:nvSpPr>
+          <p:cNvPr id="3" name="內容版面配置區 2"/>
+          <p:cNvSpPr>
+            <a:spLocks noGrp="1"/>
+          </p:cNvSpPr>
+          <p:nvPr>
+            <p:ph idx="1"/>
+          </p:nvPr>
+        </p:nvSpPr>
+        <p:spPr>
+          <a:xfrm>
+            <a:off x="0" y="1200150"/>
+            <a:ext cx="9144000" cy="3943349"/>
+          </a:xfrm>
+        </p:spPr>
+        <p:txBody>
+          <a:bodyPr anchor="t">
+            <a:noAutofit/>
+          </a:bodyPr>
+          <a:lstStyle/>
+          <a:p>
+            <a:pPr algn="ctr">
+              <a:buNone/>
+            </a:pPr>
+            <a:r>
+              <a:rPr lang="zh-TW" altLang="en-US" sz="4800" b="1" dirty="0" smtClean="0">
+                <a:solidFill>
+                  <a:srgbClr val="002060"/>
+                </a:solidFill>
+                <a:latin typeface="微軟正黑體" pitchFamily="34" charset="-120"/>
+                <a:ea typeface="微軟正黑體" pitchFamily="34" charset="-120"/>
+              </a:rPr>
+              <a:t>我</a:t>
+            </a:r>
+            <a:r>
+              <a:rPr lang="zh-TW" altLang="en-US" sz="4800" b="1" dirty="0">
+                <a:solidFill>
+                  <a:srgbClr val="002060"/>
+                </a:solidFill>
+                <a:latin typeface="微軟正黑體" pitchFamily="34" charset="-120"/>
+                <a:ea typeface="微軟正黑體" pitchFamily="34" charset="-120"/>
+              </a:rPr>
+              <a:t>要全心讚</a:t>
+            </a:r>
+            <a:r>
+              <a:rPr lang="zh-TW" altLang="en-US" sz="4800" b="1" dirty="0" smtClean="0">
+                <a:solidFill>
+                  <a:srgbClr val="002060"/>
+                </a:solidFill>
+                <a:latin typeface="微軟正黑體" pitchFamily="34" charset="-120"/>
+                <a:ea typeface="微軟正黑體" pitchFamily="34" charset="-120"/>
+              </a:rPr>
+              <a:t>美</a:t>
+            </a:r>
+            <a:r>
+              <a:rPr lang="en-US" altLang="zh-TW" sz="4800" b="1" dirty="0" smtClean="0">
+                <a:solidFill>
+                  <a:srgbClr val="002060"/>
+                </a:solidFill>
+                <a:latin typeface="微軟正黑體" pitchFamily="34" charset="-120"/>
+                <a:ea typeface="微軟正黑體" pitchFamily="34" charset="-120"/>
+              </a:rPr>
+              <a:t>  </a:t>
+            </a:r>
+            <a:endParaRPr lang="en-US" altLang="zh-TW" sz="4800" b="1" dirty="0" smtClean="0">
+              <a:solidFill>
+                <a:srgbClr val="002060"/>
+              </a:solidFill>
+              <a:latin typeface="微軟正黑體" pitchFamily="34" charset="-120"/>
+              <a:ea typeface="微軟正黑體" pitchFamily="34" charset="-120"/>
+            </a:endParaRPr>
+          </a:p>
+          <a:p>
+            <a:pPr algn="ctr">
+              <a:buNone/>
+            </a:pPr>
+            <a:r>
+              <a:rPr lang="zh-TW" altLang="en-US" sz="4800" b="1" dirty="0" smtClean="0">
+                <a:solidFill>
+                  <a:srgbClr val="002060"/>
+                </a:solidFill>
+                <a:latin typeface="微軟正黑體" pitchFamily="34" charset="-120"/>
+                <a:ea typeface="微軟正黑體" pitchFamily="34" charset="-120"/>
+              </a:rPr>
+              <a:t>讚</a:t>
+            </a:r>
+            <a:r>
+              <a:rPr lang="zh-TW" altLang="en-US" sz="4800" b="1" dirty="0">
+                <a:solidFill>
+                  <a:srgbClr val="002060"/>
+                </a:solidFill>
+                <a:latin typeface="微軟正黑體" pitchFamily="34" charset="-120"/>
+                <a:ea typeface="微軟正黑體" pitchFamily="34" charset="-120"/>
+              </a:rPr>
+              <a:t>美還要讚美不停</a:t>
+            </a:r>
+            <a:endParaRPr lang="en-US" altLang="zh-TW" sz="4800" b="1" dirty="0">
+              <a:solidFill>
+                <a:srgbClr val="002060"/>
+              </a:solidFill>
+              <a:latin typeface="微軟正黑體" pitchFamily="34" charset="-120"/>
+              <a:ea typeface="微軟正黑體" pitchFamily="34" charset="-120"/>
+            </a:endParaRPr>
+          </a:p>
+          <a:p>
+            <a:pPr algn="ctr">
+              <a:buNone/>
+            </a:pPr>
+            <a:r>
+              <a:rPr lang="zh-TW" altLang="en-US" sz="4800" b="1" dirty="0">
+                <a:solidFill>
+                  <a:srgbClr val="002060"/>
+                </a:solidFill>
+                <a:latin typeface="微軟正黑體" pitchFamily="34" charset="-120"/>
+                <a:ea typeface="微軟正黑體" pitchFamily="34" charset="-120"/>
+              </a:rPr>
+              <a:t>義人棚裡歡呼聲永不息</a:t>
+            </a:r>
+          </a:p>
+          <a:p>
+            <a:pPr algn="ctr">
+              <a:buNone/>
+            </a:pPr>
+            <a:endParaRPr lang="zh-TW" altLang="en-US" sz="4800" b="1" dirty="0">
+              <a:solidFill>
+                <a:srgbClr val="002060"/>
+              </a:solidFill>
+              <a:latin typeface="微軟正黑體" pitchFamily="34" charset="-120"/>
+              <a:ea typeface="微軟正黑體" pitchFamily="34" charset="-120"/>
+            </a:endParaRPr>
+          </a:p>
+        </p:txBody>
+      </p:sp>
+    </p:spTree>
+    <p:extLst>
+      <p:ext uri="{BB962C8B-B14F-4D97-AF65-F5344CB8AC3E}">
+        <p14:creationId xmlns:p14="http://schemas.microsoft.com/office/powerpoint/2010/main" val="3927467554"/>
+      </p:ext>
+    </p:extLst>
   </p:cSld>
   <p:clrMapOvr>
     <a:masterClrMapping/>

--- a/我要全心讚美.pptx
+++ b/我要全心讚美.pptx
@@ -107,6 +107,22 @@
       </a:defRPr>
     </a:lvl9pPr>
   </p:defaultTextStyle>
+  <p:extLst>
+    <p:ext uri="{EFAFB233-063F-42B5-8137-9DF3F51BA10A}">
+      <p15:sldGuideLst xmlns:p15="http://schemas.microsoft.com/office/powerpoint/2012/main">
+        <p15:guide id="1" orient="horz" pos="1620">
+          <p15:clr>
+            <a:srgbClr val="A4A3A4"/>
+          </p15:clr>
+        </p15:guide>
+        <p15:guide id="2" pos="2880">
+          <p15:clr>
+            <a:srgbClr val="A4A3A4"/>
+          </p15:clr>
+        </p15:guide>
+      </p15:sldGuideLst>
+    </p:ext>
+  </p:extLst>
 </p:presentation>
 </file>
 
@@ -291,7 +307,7 @@
           <a:p>
             <a:fld id="{F4DC9DE7-1299-458E-9A51-39F41637C414}" type="datetimeFigureOut">
               <a:rPr lang="zh-TW" altLang="en-US" smtClean="0"/>
-              <a:t>2019/10/5</a:t>
+              <a:t>2020/2/15</a:t>
             </a:fld>
             <a:endParaRPr lang="zh-TW" altLang="en-US"/>
           </a:p>
@@ -456,7 +472,7 @@
           <a:p>
             <a:fld id="{F4DC9DE7-1299-458E-9A51-39F41637C414}" type="datetimeFigureOut">
               <a:rPr lang="zh-TW" altLang="en-US" smtClean="0"/>
-              <a:t>2019/10/5</a:t>
+              <a:t>2020/2/15</a:t>
             </a:fld>
             <a:endParaRPr lang="zh-TW" altLang="en-US"/>
           </a:p>
@@ -631,7 +647,7 @@
           <a:p>
             <a:fld id="{F4DC9DE7-1299-458E-9A51-39F41637C414}" type="datetimeFigureOut">
               <a:rPr lang="zh-TW" altLang="en-US" smtClean="0"/>
-              <a:t>2019/10/5</a:t>
+              <a:t>2020/2/15</a:t>
             </a:fld>
             <a:endParaRPr lang="zh-TW" altLang="en-US"/>
           </a:p>
@@ -796,7 +812,7 @@
           <a:p>
             <a:fld id="{F4DC9DE7-1299-458E-9A51-39F41637C414}" type="datetimeFigureOut">
               <a:rPr lang="zh-TW" altLang="en-US" smtClean="0"/>
-              <a:t>2019/10/5</a:t>
+              <a:t>2020/2/15</a:t>
             </a:fld>
             <a:endParaRPr lang="zh-TW" altLang="en-US"/>
           </a:p>
@@ -1037,7 +1053,7 @@
           <a:p>
             <a:fld id="{F4DC9DE7-1299-458E-9A51-39F41637C414}" type="datetimeFigureOut">
               <a:rPr lang="zh-TW" altLang="en-US" smtClean="0"/>
-              <a:t>2019/10/5</a:t>
+              <a:t>2020/2/15</a:t>
             </a:fld>
             <a:endParaRPr lang="zh-TW" altLang="en-US"/>
           </a:p>
@@ -1320,7 +1336,7 @@
           <a:p>
             <a:fld id="{F4DC9DE7-1299-458E-9A51-39F41637C414}" type="datetimeFigureOut">
               <a:rPr lang="zh-TW" altLang="en-US" smtClean="0"/>
-              <a:t>2019/10/5</a:t>
+              <a:t>2020/2/15</a:t>
             </a:fld>
             <a:endParaRPr lang="zh-TW" altLang="en-US"/>
           </a:p>
@@ -1737,7 +1753,7 @@
           <a:p>
             <a:fld id="{F4DC9DE7-1299-458E-9A51-39F41637C414}" type="datetimeFigureOut">
               <a:rPr lang="zh-TW" altLang="en-US" smtClean="0"/>
-              <a:t>2019/10/5</a:t>
+              <a:t>2020/2/15</a:t>
             </a:fld>
             <a:endParaRPr lang="zh-TW" altLang="en-US"/>
           </a:p>
@@ -1850,7 +1866,7 @@
           <a:p>
             <a:fld id="{F4DC9DE7-1299-458E-9A51-39F41637C414}" type="datetimeFigureOut">
               <a:rPr lang="zh-TW" altLang="en-US" smtClean="0"/>
-              <a:t>2019/10/5</a:t>
+              <a:t>2020/2/15</a:t>
             </a:fld>
             <a:endParaRPr lang="zh-TW" altLang="en-US"/>
           </a:p>
@@ -1940,7 +1956,7 @@
           <a:p>
             <a:fld id="{F4DC9DE7-1299-458E-9A51-39F41637C414}" type="datetimeFigureOut">
               <a:rPr lang="zh-TW" altLang="en-US" smtClean="0"/>
-              <a:t>2019/10/5</a:t>
+              <a:t>2020/2/15</a:t>
             </a:fld>
             <a:endParaRPr lang="zh-TW" altLang="en-US"/>
           </a:p>
@@ -2212,7 +2228,7 @@
           <a:p>
             <a:fld id="{F4DC9DE7-1299-458E-9A51-39F41637C414}" type="datetimeFigureOut">
               <a:rPr lang="zh-TW" altLang="en-US" smtClean="0"/>
-              <a:t>2019/10/5</a:t>
+              <a:t>2020/2/15</a:t>
             </a:fld>
             <a:endParaRPr lang="zh-TW" altLang="en-US"/>
           </a:p>
@@ -2464,7 +2480,7 @@
           <a:p>
             <a:fld id="{F4DC9DE7-1299-458E-9A51-39F41637C414}" type="datetimeFigureOut">
               <a:rPr lang="zh-TW" altLang="en-US" smtClean="0"/>
-              <a:t>2019/10/5</a:t>
+              <a:t>2020/2/15</a:t>
             </a:fld>
             <a:endParaRPr lang="zh-TW" altLang="en-US"/>
           </a:p>
@@ -2677,7 +2693,7 @@
           <a:p>
             <a:fld id="{F4DC9DE7-1299-458E-9A51-39F41637C414}" type="datetimeFigureOut">
               <a:rPr lang="zh-TW" altLang="en-US" smtClean="0"/>
-              <a:t>2019/10/5</a:t>
+              <a:t>2020/2/15</a:t>
             </a:fld>
             <a:endParaRPr lang="zh-TW" altLang="en-US"/>
           </a:p>
@@ -3152,7 +3168,37 @@
                 <a:latin typeface="微軟正黑體" pitchFamily="34" charset="-120"/>
                 <a:ea typeface="微軟正黑體" pitchFamily="34" charset="-120"/>
               </a:rPr>
-              <a:t>入你的院 </a:t>
+              <a:t>入</a:t>
+            </a:r>
+            <a:r>
+              <a:rPr lang="zh-CN" altLang="en-US" sz="4800" b="1" dirty="0" smtClean="0">
+                <a:solidFill>
+                  <a:srgbClr val="002060"/>
+                </a:solidFill>
+                <a:latin typeface="微軟正黑體" pitchFamily="34" charset="-120"/>
+                <a:ea typeface="微軟正黑體" pitchFamily="34" charset="-120"/>
+              </a:rPr>
+              <a:t>袮</a:t>
+            </a:r>
+            <a:r>
+              <a:rPr lang="zh-TW" altLang="en-US" sz="4800" b="1" dirty="0" smtClean="0">
+                <a:solidFill>
+                  <a:srgbClr val="002060"/>
+                </a:solidFill>
+                <a:latin typeface="微軟正黑體" pitchFamily="34" charset="-120"/>
+                <a:ea typeface="微軟正黑體" pitchFamily="34" charset="-120"/>
+              </a:rPr>
+              <a:t>的</a:t>
+            </a:r>
+            <a:r>
+              <a:rPr lang="zh-TW" altLang="en-US" sz="4800" b="1" dirty="0" smtClean="0">
+                <a:solidFill>
+                  <a:srgbClr val="002060"/>
+                </a:solidFill>
+                <a:latin typeface="微軟正黑體" pitchFamily="34" charset="-120"/>
+                <a:ea typeface="微軟正黑體" pitchFamily="34" charset="-120"/>
+              </a:rPr>
+              <a:t>院 </a:t>
             </a:r>
             <a:endParaRPr lang="en-US" altLang="zh-TW" sz="4800" b="1" dirty="0" smtClean="0">
               <a:solidFill>
@@ -3326,7 +3372,37 @@
                 <a:latin typeface="微軟正黑體" pitchFamily="34" charset="-120"/>
                 <a:ea typeface="微軟正黑體" pitchFamily="34" charset="-120"/>
               </a:rPr>
-              <a:t>在你裡面  一無罣慮</a:t>
+              <a:t>在</a:t>
+            </a:r>
+            <a:r>
+              <a:rPr lang="zh-CN" altLang="en-US" sz="4800" b="1" dirty="0">
+                <a:solidFill>
+                  <a:srgbClr val="002060"/>
+                </a:solidFill>
+                <a:latin typeface="微軟正黑體" pitchFamily="34" charset="-120"/>
+                <a:ea typeface="微軟正黑體" pitchFamily="34" charset="-120"/>
+              </a:rPr>
+              <a:t>袮</a:t>
+            </a:r>
+            <a:r>
+              <a:rPr lang="zh-TW" altLang="en-US" sz="4800" b="1" dirty="0" smtClean="0">
+                <a:solidFill>
+                  <a:srgbClr val="002060"/>
+                </a:solidFill>
+                <a:latin typeface="微軟正黑體" pitchFamily="34" charset="-120"/>
+                <a:ea typeface="微軟正黑體" pitchFamily="34" charset="-120"/>
+              </a:rPr>
+              <a:t>裡</a:t>
+            </a:r>
+            <a:r>
+              <a:rPr lang="zh-TW" altLang="en-US" sz="4800" b="1" dirty="0" smtClean="0">
+                <a:solidFill>
+                  <a:srgbClr val="002060"/>
+                </a:solidFill>
+                <a:latin typeface="微軟正黑體" pitchFamily="34" charset="-120"/>
+                <a:ea typeface="微軟正黑體" pitchFamily="34" charset="-120"/>
+              </a:rPr>
+              <a:t>面  一無罣慮</a:t>
             </a:r>
             <a:r>
               <a:rPr lang="en-US" altLang="zh-TW" sz="4800" b="1" dirty="0">
@@ -3347,6 +3423,21 @@
                 <a:ea typeface="微軟正黑體" pitchFamily="34" charset="-120"/>
               </a:rPr>
               <a:t> </a:t>
+            </a:r>
+          </a:p>
+          <a:p>
+            <a:pPr algn="ctr">
+              <a:buNone/>
+            </a:pPr>
+            <a:r>
+              <a:rPr lang="zh-TW" altLang="en-US" sz="4800" b="1" dirty="0" smtClean="0">
+                <a:solidFill>
+                  <a:srgbClr val="002060"/>
+                </a:solidFill>
+                <a:latin typeface="微軟正黑體" pitchFamily="34" charset="-120"/>
+                <a:ea typeface="微軟正黑體" pitchFamily="34" charset="-120"/>
+              </a:rPr>
+              <a:t>喜樂滿溢  </a:t>
             </a:r>
             <a:endParaRPr lang="en-US" altLang="zh-TW" sz="4800" b="1" dirty="0" smtClean="0">
               <a:solidFill>
@@ -3368,17 +3459,7 @@
                 <a:latin typeface="微軟正黑體" pitchFamily="34" charset="-120"/>
                 <a:ea typeface="微軟正黑體" pitchFamily="34" charset="-120"/>
               </a:rPr>
-              <a:t>喜</a:t>
-            </a:r>
-            <a:r>
-              <a:rPr lang="zh-TW" altLang="en-US" sz="4800" b="1" dirty="0" smtClean="0">
-                <a:solidFill>
-                  <a:srgbClr val="002060"/>
-                </a:solidFill>
-                <a:latin typeface="微軟正黑體" pitchFamily="34" charset="-120"/>
-                <a:ea typeface="微軟正黑體" pitchFamily="34" charset="-120"/>
-              </a:rPr>
-              <a:t>樂滿溢  </a:t>
+              <a:t>常常感謝  不住禱告  </a:t>
             </a:r>
             <a:endParaRPr lang="en-US" altLang="zh-TW" sz="4800" b="1" dirty="0" smtClean="0">
               <a:solidFill>
@@ -3400,20 +3481,8 @@
                 <a:latin typeface="微軟正黑體" pitchFamily="34" charset="-120"/>
                 <a:ea typeface="微軟正黑體" pitchFamily="34" charset="-120"/>
               </a:rPr>
-              <a:t>常常感謝  不住禱告  </a:t>
-            </a:r>
-            <a:endParaRPr lang="en-US" altLang="zh-TW" sz="4800" b="1" dirty="0" smtClean="0">
-              <a:solidFill>
-                <a:srgbClr val="002060"/>
-              </a:solidFill>
-              <a:latin typeface="微軟正黑體" pitchFamily="34" charset="-120"/>
-              <a:ea typeface="微軟正黑體" pitchFamily="34" charset="-120"/>
-            </a:endParaRPr>
-          </a:p>
-          <a:p>
-            <a:pPr algn="ctr">
-              <a:buNone/>
-            </a:pPr>
+              <a:t>盼望在</a:t>
+            </a:r>
             <a:r>
               <a:rPr lang="zh-TW" altLang="en-US" sz="4800" b="1" dirty="0" smtClean="0">
                 <a:solidFill>
@@ -3422,7 +3491,17 @@
                 <a:latin typeface="微軟正黑體" pitchFamily="34" charset="-120"/>
                 <a:ea typeface="微軟正黑體" pitchFamily="34" charset="-120"/>
               </a:rPr>
-              <a:t>盼望在於你</a:t>
+              <a:t>於</a:t>
+            </a:r>
+            <a:r>
+              <a:rPr lang="zh-CN" altLang="en-US" sz="4800" b="1" dirty="0">
+                <a:solidFill>
+                  <a:srgbClr val="002060"/>
+                </a:solidFill>
+                <a:latin typeface="微軟正黑體" pitchFamily="34" charset="-120"/>
+                <a:ea typeface="微軟正黑體" pitchFamily="34" charset="-120"/>
+              </a:rPr>
+              <a:t>袮</a:t>
             </a:r>
             <a:endParaRPr lang="zh-TW" altLang="en-US" sz="4800" b="1" dirty="0">
               <a:solidFill>
@@ -3564,7 +3643,37 @@
                 <a:latin typeface="微軟正黑體" pitchFamily="34" charset="-120"/>
                 <a:ea typeface="微軟正黑體" pitchFamily="34" charset="-120"/>
               </a:rPr>
-              <a:t>舞頌揚你名</a:t>
+              <a:t>舞頌</a:t>
+            </a:r>
+            <a:r>
+              <a:rPr lang="zh-TW" altLang="en-US" sz="4800" b="1" dirty="0" smtClean="0">
+                <a:solidFill>
+                  <a:srgbClr val="002060"/>
+                </a:solidFill>
+                <a:latin typeface="微軟正黑體" pitchFamily="34" charset="-120"/>
+                <a:ea typeface="微軟正黑體" pitchFamily="34" charset="-120"/>
+              </a:rPr>
+              <a:t>揚</a:t>
+            </a:r>
+            <a:r>
+              <a:rPr lang="zh-CN" altLang="en-US" sz="4800" b="1" dirty="0">
+                <a:solidFill>
+                  <a:srgbClr val="002060"/>
+                </a:solidFill>
+                <a:latin typeface="微軟正黑體" pitchFamily="34" charset="-120"/>
+                <a:ea typeface="微軟正黑體" pitchFamily="34" charset="-120"/>
+              </a:rPr>
+              <a:t>袮</a:t>
+            </a:r>
+            <a:r>
+              <a:rPr lang="zh-TW" altLang="en-US" sz="4800" b="1" dirty="0" smtClean="0">
+                <a:solidFill>
+                  <a:srgbClr val="002060"/>
+                </a:solidFill>
+                <a:latin typeface="微軟正黑體" pitchFamily="34" charset="-120"/>
+                <a:ea typeface="微軟正黑體" pitchFamily="34" charset="-120"/>
+              </a:rPr>
+              <a:t>名</a:t>
             </a:r>
             <a:endParaRPr lang="en-US" altLang="zh-TW" sz="4800" b="1" dirty="0">
               <a:solidFill>
@@ -3579,6 +3688,36 @@
               <a:buNone/>
             </a:pPr>
             <a:r>
+              <a:rPr lang="zh-TW" altLang="en-US" sz="4800" b="1" dirty="0" smtClean="0">
+                <a:solidFill>
+                  <a:srgbClr val="002060"/>
+                </a:solidFill>
+                <a:latin typeface="微軟正黑體" pitchFamily="34" charset="-120"/>
+                <a:ea typeface="微軟正黑體" pitchFamily="34" charset="-120"/>
+              </a:rPr>
+              <a:t>在</a:t>
+            </a:r>
+            <a:r>
+              <a:rPr lang="zh-CN" altLang="en-US" sz="4800" b="1" dirty="0">
+                <a:solidFill>
+                  <a:srgbClr val="002060"/>
+                </a:solidFill>
+                <a:latin typeface="微軟正黑體" pitchFamily="34" charset="-120"/>
+                <a:ea typeface="微軟正黑體" pitchFamily="34" charset="-120"/>
+              </a:rPr>
+              <a:t>袮</a:t>
+            </a:r>
+            <a:r>
+              <a:rPr lang="zh-TW" altLang="en-US" sz="4800" b="1" dirty="0" smtClean="0">
+                <a:solidFill>
+                  <a:srgbClr val="002060"/>
+                </a:solidFill>
+                <a:latin typeface="微軟正黑體" pitchFamily="34" charset="-120"/>
+                <a:ea typeface="微軟正黑體" pitchFamily="34" charset="-120"/>
+              </a:rPr>
+              <a:t>殿</a:t>
+            </a:r>
+            <a:r>
               <a:rPr lang="zh-TW" altLang="en-US" sz="4800" b="1" dirty="0">
                 <a:solidFill>
                   <a:srgbClr val="002060"/>
@@ -3586,7 +3725,7 @@
                 <a:latin typeface="微軟正黑體" pitchFamily="34" charset="-120"/>
                 <a:ea typeface="微軟正黑體" pitchFamily="34" charset="-120"/>
               </a:rPr>
-              <a:t>在你殿中一日勝</a:t>
+              <a:t>中一日勝</a:t>
             </a:r>
             <a:r>
               <a:rPr lang="zh-TW" altLang="en-US" sz="4800" b="1" dirty="0" smtClean="0">
@@ -3608,13 +3747,6 @@
               </a:rPr>
               <a:t>  </a:t>
             </a:r>
-            <a:endParaRPr lang="en-US" altLang="zh-TW" sz="4800" b="1" dirty="0" smtClean="0">
-              <a:solidFill>
-                <a:srgbClr val="002060"/>
-              </a:solidFill>
-              <a:latin typeface="微軟正黑體" pitchFamily="34" charset="-120"/>
-              <a:ea typeface="微軟正黑體" pitchFamily="34" charset="-120"/>
-            </a:endParaRPr>
           </a:p>
           <a:p>
             <a:pPr algn="ctr">
@@ -3792,13 +3924,6 @@
               </a:rPr>
               <a:t>  </a:t>
             </a:r>
-            <a:endParaRPr lang="en-US" altLang="zh-TW" sz="4800" b="1" dirty="0" smtClean="0">
-              <a:solidFill>
-                <a:srgbClr val="002060"/>
-              </a:solidFill>
-              <a:latin typeface="微軟正黑體" pitchFamily="34" charset="-120"/>
-              <a:ea typeface="微軟正黑體" pitchFamily="34" charset="-120"/>
-            </a:endParaRPr>
           </a:p>
           <a:p>
             <a:pPr algn="ctr">

--- a/我要全心讚美.pptx
+++ b/我要全心讚美.pptx
@@ -5,10 +5,14 @@
     <p:sldMasterId id="2147483660" r:id="rId1"/>
   </p:sldMasterIdLst>
   <p:sldIdLst>
-    <p:sldId id="256" r:id="rId2"/>
-    <p:sldId id="257" r:id="rId3"/>
-    <p:sldId id="258" r:id="rId4"/>
-    <p:sldId id="259" r:id="rId5"/>
+    <p:sldId id="260" r:id="rId2"/>
+    <p:sldId id="261" r:id="rId3"/>
+    <p:sldId id="262" r:id="rId4"/>
+    <p:sldId id="263" r:id="rId5"/>
+    <p:sldId id="264" r:id="rId6"/>
+    <p:sldId id="265" r:id="rId7"/>
+    <p:sldId id="266" r:id="rId8"/>
+    <p:sldId id="267" r:id="rId9"/>
   </p:sldIdLst>
   <p:sldSz cx="9144000" cy="5143500" type="screen16x9"/>
   <p:notesSz cx="6858000" cy="9144000"/>
@@ -307,7 +311,7 @@
           <a:p>
             <a:fld id="{F4DC9DE7-1299-458E-9A51-39F41637C414}" type="datetimeFigureOut">
               <a:rPr lang="zh-TW" altLang="en-US" smtClean="0"/>
-              <a:t>2020/2/15</a:t>
+              <a:t>2022/6/4</a:t>
             </a:fld>
             <a:endParaRPr lang="zh-TW" altLang="en-US"/>
           </a:p>
@@ -472,7 +476,7 @@
           <a:p>
             <a:fld id="{F4DC9DE7-1299-458E-9A51-39F41637C414}" type="datetimeFigureOut">
               <a:rPr lang="zh-TW" altLang="en-US" smtClean="0"/>
-              <a:t>2020/2/15</a:t>
+              <a:t>2022/6/4</a:t>
             </a:fld>
             <a:endParaRPr lang="zh-TW" altLang="en-US"/>
           </a:p>
@@ -647,7 +651,7 @@
           <a:p>
             <a:fld id="{F4DC9DE7-1299-458E-9A51-39F41637C414}" type="datetimeFigureOut">
               <a:rPr lang="zh-TW" altLang="en-US" smtClean="0"/>
-              <a:t>2020/2/15</a:t>
+              <a:t>2022/6/4</a:t>
             </a:fld>
             <a:endParaRPr lang="zh-TW" altLang="en-US"/>
           </a:p>
@@ -812,7 +816,7 @@
           <a:p>
             <a:fld id="{F4DC9DE7-1299-458E-9A51-39F41637C414}" type="datetimeFigureOut">
               <a:rPr lang="zh-TW" altLang="en-US" smtClean="0"/>
-              <a:t>2020/2/15</a:t>
+              <a:t>2022/6/4</a:t>
             </a:fld>
             <a:endParaRPr lang="zh-TW" altLang="en-US"/>
           </a:p>
@@ -1053,7 +1057,7 @@
           <a:p>
             <a:fld id="{F4DC9DE7-1299-458E-9A51-39F41637C414}" type="datetimeFigureOut">
               <a:rPr lang="zh-TW" altLang="en-US" smtClean="0"/>
-              <a:t>2020/2/15</a:t>
+              <a:t>2022/6/4</a:t>
             </a:fld>
             <a:endParaRPr lang="zh-TW" altLang="en-US"/>
           </a:p>
@@ -1336,7 +1340,7 @@
           <a:p>
             <a:fld id="{F4DC9DE7-1299-458E-9A51-39F41637C414}" type="datetimeFigureOut">
               <a:rPr lang="zh-TW" altLang="en-US" smtClean="0"/>
-              <a:t>2020/2/15</a:t>
+              <a:t>2022/6/4</a:t>
             </a:fld>
             <a:endParaRPr lang="zh-TW" altLang="en-US"/>
           </a:p>
@@ -1753,7 +1757,7 @@
           <a:p>
             <a:fld id="{F4DC9DE7-1299-458E-9A51-39F41637C414}" type="datetimeFigureOut">
               <a:rPr lang="zh-TW" altLang="en-US" smtClean="0"/>
-              <a:t>2020/2/15</a:t>
+              <a:t>2022/6/4</a:t>
             </a:fld>
             <a:endParaRPr lang="zh-TW" altLang="en-US"/>
           </a:p>
@@ -1866,7 +1870,7 @@
           <a:p>
             <a:fld id="{F4DC9DE7-1299-458E-9A51-39F41637C414}" type="datetimeFigureOut">
               <a:rPr lang="zh-TW" altLang="en-US" smtClean="0"/>
-              <a:t>2020/2/15</a:t>
+              <a:t>2022/6/4</a:t>
             </a:fld>
             <a:endParaRPr lang="zh-TW" altLang="en-US"/>
           </a:p>
@@ -1956,7 +1960,7 @@
           <a:p>
             <a:fld id="{F4DC9DE7-1299-458E-9A51-39F41637C414}" type="datetimeFigureOut">
               <a:rPr lang="zh-TW" altLang="en-US" smtClean="0"/>
-              <a:t>2020/2/15</a:t>
+              <a:t>2022/6/4</a:t>
             </a:fld>
             <a:endParaRPr lang="zh-TW" altLang="en-US"/>
           </a:p>
@@ -2228,7 +2232,7 @@
           <a:p>
             <a:fld id="{F4DC9DE7-1299-458E-9A51-39F41637C414}" type="datetimeFigureOut">
               <a:rPr lang="zh-TW" altLang="en-US" smtClean="0"/>
-              <a:t>2020/2/15</a:t>
+              <a:t>2022/6/4</a:t>
             </a:fld>
             <a:endParaRPr lang="zh-TW" altLang="en-US"/>
           </a:p>
@@ -2480,7 +2484,7 @@
           <a:p>
             <a:fld id="{F4DC9DE7-1299-458E-9A51-39F41637C414}" type="datetimeFigureOut">
               <a:rPr lang="zh-TW" altLang="en-US" smtClean="0"/>
-              <a:t>2020/2/15</a:t>
+              <a:t>2022/6/4</a:t>
             </a:fld>
             <a:endParaRPr lang="zh-TW" altLang="en-US"/>
           </a:p>
@@ -2693,7 +2697,7 @@
           <a:p>
             <a:fld id="{F4DC9DE7-1299-458E-9A51-39F41637C414}" type="datetimeFigureOut">
               <a:rPr lang="zh-TW" altLang="en-US" smtClean="0"/>
-              <a:t>2020/2/15</a:t>
+              <a:t>2022/6/4</a:t>
             </a:fld>
             <a:endParaRPr lang="zh-TW" altLang="en-US"/>
           </a:p>
@@ -3065,7 +3069,7 @@
       </p:grpSpPr>
       <p:sp>
         <p:nvSpPr>
-          <p:cNvPr id="2" name="標題 1"/>
+          <p:cNvPr id="4" name="標題 3"/>
           <p:cNvSpPr>
             <a:spLocks noGrp="1"/>
           </p:cNvSpPr>
@@ -3073,218 +3077,61 @@
             <p:ph type="title"/>
           </p:nvPr>
         </p:nvSpPr>
-        <p:spPr/>
+        <p:spPr>
+          <a:xfrm>
+            <a:off x="0" y="1995686"/>
+            <a:ext cx="9144000" cy="857250"/>
+          </a:xfrm>
+        </p:spPr>
         <p:txBody>
           <a:bodyPr>
-            <a:normAutofit/>
+            <a:noAutofit/>
           </a:bodyPr>
           <a:lstStyle/>
           <a:p>
             <a:r>
-              <a:rPr lang="zh-TW" altLang="en-US" sz="4000" b="1" dirty="0">
-                <a:solidFill>
-                  <a:srgbClr val="002060"/>
-                </a:solidFill>
+              <a:rPr lang="zh-TW" altLang="en-US" sz="5400" b="1" i="1" dirty="0" smtClean="0">
+                <a:solidFill>
+                  <a:srgbClr val="000066"/>
+                </a:solidFill>
+                <a:effectLst>
+                  <a:outerShdw blurRad="38100" dist="38100" dir="2700000" algn="tl">
+                    <a:srgbClr val="000000">
+                      <a:alpha val="43137"/>
+                    </a:srgbClr>
+                  </a:outerShdw>
+                </a:effectLst>
                 <a:latin typeface="微軟正黑體" pitchFamily="34" charset="-120"/>
                 <a:ea typeface="微軟正黑體" pitchFamily="34" charset="-120"/>
               </a:rPr>
-              <a:t>我要全心讚美</a:t>
-            </a:r>
-          </a:p>
-        </p:txBody>
-      </p:sp>
-      <p:sp>
-        <p:nvSpPr>
-          <p:cNvPr id="3" name="內容版面配置區 2"/>
-          <p:cNvSpPr>
-            <a:spLocks noGrp="1"/>
-          </p:cNvSpPr>
-          <p:nvPr>
-            <p:ph idx="1"/>
-          </p:nvPr>
-        </p:nvSpPr>
-        <p:spPr>
-          <a:xfrm>
-            <a:off x="0" y="1200150"/>
-            <a:ext cx="9144000" cy="3943349"/>
-          </a:xfrm>
-        </p:spPr>
-        <p:txBody>
-          <a:bodyPr anchor="t">
-            <a:normAutofit/>
-          </a:bodyPr>
-          <a:lstStyle/>
-          <a:p>
-            <a:pPr algn="ctr">
-              <a:buNone/>
-            </a:pPr>
-            <a:r>
-              <a:rPr lang="zh-TW" altLang="en-US" sz="4800" b="1" dirty="0">
-                <a:solidFill>
-                  <a:srgbClr val="002060"/>
-                </a:solidFill>
+              <a:t>我</a:t>
+            </a:r>
+            <a:r>
+              <a:rPr lang="zh-TW" altLang="en-US" sz="5400" b="1" i="1" dirty="0">
+                <a:solidFill>
+                  <a:srgbClr val="000066"/>
+                </a:solidFill>
+                <a:effectLst>
+                  <a:outerShdw blurRad="38100" dist="38100" dir="2700000" algn="tl">
+                    <a:srgbClr val="000000">
+                      <a:alpha val="43137"/>
+                    </a:srgbClr>
+                  </a:outerShdw>
+                </a:effectLst>
                 <a:latin typeface="微軟正黑體" pitchFamily="34" charset="-120"/>
                 <a:ea typeface="微軟正黑體" pitchFamily="34" charset="-120"/>
               </a:rPr>
-              <a:t>全心</a:t>
-            </a:r>
-            <a:r>
-              <a:rPr lang="zh-TW" altLang="en-US" sz="4800" b="1" dirty="0" smtClean="0">
-                <a:solidFill>
-                  <a:srgbClr val="002060"/>
-                </a:solidFill>
-                <a:latin typeface="微軟正黑體" pitchFamily="34" charset="-120"/>
-                <a:ea typeface="微軟正黑體" pitchFamily="34" charset="-120"/>
-              </a:rPr>
-              <a:t>感謝  全心讚美  </a:t>
-            </a:r>
-            <a:endParaRPr lang="en-US" altLang="zh-TW" sz="4800" b="1" dirty="0" smtClean="0">
-              <a:solidFill>
-                <a:srgbClr val="002060"/>
-              </a:solidFill>
-              <a:latin typeface="微軟正黑體" pitchFamily="34" charset="-120"/>
-              <a:ea typeface="微軟正黑體" pitchFamily="34" charset="-120"/>
-            </a:endParaRPr>
-          </a:p>
-          <a:p>
-            <a:pPr algn="ctr">
-              <a:buNone/>
-            </a:pPr>
-            <a:r>
-              <a:rPr lang="zh-TW" altLang="en-US" sz="4800" b="1" dirty="0" smtClean="0">
-                <a:solidFill>
-                  <a:srgbClr val="002060"/>
-                </a:solidFill>
-                <a:latin typeface="微軟正黑體" pitchFamily="34" charset="-120"/>
-                <a:ea typeface="微軟正黑體" pitchFamily="34" charset="-120"/>
-              </a:rPr>
-              <a:t>進</a:t>
-            </a:r>
-            <a:r>
-              <a:rPr lang="zh-TW" altLang="en-US" sz="4800" b="1" dirty="0" smtClean="0">
-                <a:solidFill>
-                  <a:srgbClr val="002060"/>
-                </a:solidFill>
-                <a:latin typeface="微軟正黑體" pitchFamily="34" charset="-120"/>
-                <a:ea typeface="微軟正黑體" pitchFamily="34" charset="-120"/>
-              </a:rPr>
-              <a:t>入</a:t>
-            </a:r>
-            <a:r>
-              <a:rPr lang="zh-CN" altLang="en-US" sz="4800" b="1" dirty="0" smtClean="0">
-                <a:solidFill>
-                  <a:srgbClr val="002060"/>
-                </a:solidFill>
-                <a:latin typeface="微軟正黑體" pitchFamily="34" charset="-120"/>
-                <a:ea typeface="微軟正黑體" pitchFamily="34" charset="-120"/>
-              </a:rPr>
-              <a:t>袮</a:t>
-            </a:r>
-            <a:r>
-              <a:rPr lang="zh-TW" altLang="en-US" sz="4800" b="1" dirty="0" smtClean="0">
-                <a:solidFill>
-                  <a:srgbClr val="002060"/>
-                </a:solidFill>
-                <a:latin typeface="微軟正黑體" pitchFamily="34" charset="-120"/>
-                <a:ea typeface="微軟正黑體" pitchFamily="34" charset="-120"/>
-              </a:rPr>
-              <a:t>的</a:t>
-            </a:r>
-            <a:r>
-              <a:rPr lang="zh-TW" altLang="en-US" sz="4800" b="1" dirty="0" smtClean="0">
-                <a:solidFill>
-                  <a:srgbClr val="002060"/>
-                </a:solidFill>
-                <a:latin typeface="微軟正黑體" pitchFamily="34" charset="-120"/>
-                <a:ea typeface="微軟正黑體" pitchFamily="34" charset="-120"/>
-              </a:rPr>
-              <a:t>院 </a:t>
-            </a:r>
-            <a:endParaRPr lang="en-US" altLang="zh-TW" sz="4800" b="1" dirty="0" smtClean="0">
-              <a:solidFill>
-                <a:srgbClr val="002060"/>
-              </a:solidFill>
-              <a:latin typeface="微軟正黑體" pitchFamily="34" charset="-120"/>
-              <a:ea typeface="微軟正黑體" pitchFamily="34" charset="-120"/>
-            </a:endParaRPr>
-          </a:p>
-          <a:p>
-            <a:pPr algn="ctr">
-              <a:buNone/>
-            </a:pPr>
-            <a:r>
-              <a:rPr lang="zh-TW" altLang="en-US" sz="4800" b="1" dirty="0" smtClean="0">
-                <a:solidFill>
-                  <a:srgbClr val="002060"/>
-                </a:solidFill>
-                <a:latin typeface="微軟正黑體" pitchFamily="34" charset="-120"/>
-                <a:ea typeface="微軟正黑體" pitchFamily="34" charset="-120"/>
-              </a:rPr>
-              <a:t>全心頌讚</a:t>
-            </a:r>
-            <a:r>
-              <a:rPr lang="en-US" altLang="zh-TW" sz="4800" b="1" dirty="0">
-                <a:solidFill>
-                  <a:srgbClr val="002060"/>
-                </a:solidFill>
-                <a:latin typeface="微軟正黑體" pitchFamily="34" charset="-120"/>
-                <a:ea typeface="微軟正黑體" pitchFamily="34" charset="-120"/>
-              </a:rPr>
-              <a:t> </a:t>
-            </a:r>
-            <a:r>
-              <a:rPr lang="en-US" altLang="zh-TW" sz="4800" b="1" dirty="0" smtClean="0">
-                <a:solidFill>
-                  <a:srgbClr val="002060"/>
-                </a:solidFill>
-                <a:latin typeface="微軟正黑體" pitchFamily="34" charset="-120"/>
-                <a:ea typeface="微軟正黑體" pitchFamily="34" charset="-120"/>
-              </a:rPr>
-              <a:t> </a:t>
-            </a:r>
-            <a:r>
-              <a:rPr lang="zh-TW" altLang="en-US" sz="4800" b="1" dirty="0" smtClean="0">
-                <a:solidFill>
-                  <a:srgbClr val="002060"/>
-                </a:solidFill>
-                <a:latin typeface="微軟正黑體" pitchFamily="34" charset="-120"/>
-                <a:ea typeface="微軟正黑體" pitchFamily="34" charset="-120"/>
-              </a:rPr>
-              <a:t>獻上為祭  </a:t>
-            </a:r>
-            <a:endParaRPr lang="en-US" altLang="zh-TW" sz="4800" b="1" dirty="0" smtClean="0">
-              <a:solidFill>
-                <a:srgbClr val="002060"/>
-              </a:solidFill>
-              <a:latin typeface="微軟正黑體" pitchFamily="34" charset="-120"/>
-              <a:ea typeface="微軟正黑體" pitchFamily="34" charset="-120"/>
-            </a:endParaRPr>
-          </a:p>
-          <a:p>
-            <a:pPr algn="ctr">
-              <a:buNone/>
-            </a:pPr>
-            <a:r>
-              <a:rPr lang="zh-TW" altLang="en-US" sz="4800" b="1" dirty="0" smtClean="0">
-                <a:solidFill>
-                  <a:srgbClr val="002060"/>
-                </a:solidFill>
-                <a:latin typeface="微軟正黑體" pitchFamily="34" charset="-120"/>
-                <a:ea typeface="微軟正黑體" pitchFamily="34" charset="-120"/>
-              </a:rPr>
-              <a:t>是嘴唇的果子</a:t>
-            </a:r>
-            <a:endParaRPr lang="zh-TW" altLang="en-US" sz="4800" b="1" dirty="0">
-              <a:solidFill>
-                <a:srgbClr val="002060"/>
-              </a:solidFill>
-              <a:latin typeface="微軟正黑體" pitchFamily="34" charset="-120"/>
-              <a:ea typeface="微軟正黑體" pitchFamily="34" charset="-120"/>
-            </a:endParaRPr>
+              <a:t>要全心讚美</a:t>
+            </a:r>
           </a:p>
         </p:txBody>
       </p:sp>
     </p:spTree>
+    <p:extLst>
+      <p:ext uri="{BB962C8B-B14F-4D97-AF65-F5344CB8AC3E}">
+        <p14:creationId xmlns:p14="http://schemas.microsoft.com/office/powerpoint/2010/main" val="2184734766"/>
+      </p:ext>
+    </p:extLst>
   </p:cSld>
   <p:clrMapOvr>
     <a:masterClrMapping/>
@@ -3311,137 +3158,42 @@
       </p:grpSpPr>
       <p:sp>
         <p:nvSpPr>
-          <p:cNvPr id="2" name="標題 1"/>
-          <p:cNvSpPr>
-            <a:spLocks noGrp="1"/>
-          </p:cNvSpPr>
-          <p:nvPr>
-            <p:ph type="title"/>
-          </p:nvPr>
-        </p:nvSpPr>
-        <p:spPr/>
-        <p:txBody>
-          <a:bodyPr>
+          <p:cNvPr id="5" name="內容版面配置區 4"/>
+          <p:cNvSpPr>
+            <a:spLocks noGrp="1"/>
+          </p:cNvSpPr>
+          <p:nvPr>
+            <p:ph idx="1"/>
+          </p:nvPr>
+        </p:nvSpPr>
+        <p:spPr>
+          <a:xfrm>
+            <a:off x="0" y="1563638"/>
+            <a:ext cx="9144000" cy="1803647"/>
+          </a:xfrm>
+        </p:spPr>
+        <p:txBody>
+          <a:bodyPr anchor="ctr">
             <a:normAutofit/>
           </a:bodyPr>
           <a:lstStyle/>
           <a:p>
-            <a:r>
-              <a:rPr lang="zh-TW" altLang="en-US" sz="4000" b="1" dirty="0">
-                <a:solidFill>
-                  <a:srgbClr val="002060"/>
+            <a:pPr algn="ctr">
+              <a:buNone/>
+            </a:pPr>
+            <a:r>
+              <a:rPr lang="zh-TW" altLang="en-US" sz="4800" b="1" dirty="0">
+                <a:solidFill>
+                  <a:srgbClr val="000066"/>
                 </a:solidFill>
                 <a:latin typeface="微軟正黑體" pitchFamily="34" charset="-120"/>
                 <a:ea typeface="微軟正黑體" pitchFamily="34" charset="-120"/>
               </a:rPr>
-              <a:t>我要全心讚美</a:t>
-            </a:r>
-          </a:p>
-        </p:txBody>
-      </p:sp>
-      <p:sp>
-        <p:nvSpPr>
-          <p:cNvPr id="3" name="內容版面配置區 2"/>
-          <p:cNvSpPr>
-            <a:spLocks noGrp="1"/>
-          </p:cNvSpPr>
-          <p:nvPr>
-            <p:ph idx="1"/>
-          </p:nvPr>
-        </p:nvSpPr>
-        <p:spPr>
-          <a:xfrm>
-            <a:off x="0" y="1200150"/>
-            <a:ext cx="9144000" cy="3943349"/>
-          </a:xfrm>
-        </p:spPr>
-        <p:txBody>
-          <a:bodyPr anchor="t">
-            <a:normAutofit/>
-          </a:bodyPr>
-          <a:lstStyle/>
-          <a:p>
-            <a:pPr algn="ctr">
-              <a:buNone/>
-            </a:pPr>
-            <a:r>
-              <a:rPr lang="zh-TW" altLang="en-US" sz="4800" b="1" dirty="0" smtClean="0">
-                <a:solidFill>
-                  <a:srgbClr val="002060"/>
-                </a:solidFill>
-                <a:latin typeface="微軟正黑體" pitchFamily="34" charset="-120"/>
-                <a:ea typeface="微軟正黑體" pitchFamily="34" charset="-120"/>
-              </a:rPr>
-              <a:t>在</a:t>
-            </a:r>
-            <a:r>
-              <a:rPr lang="zh-CN" altLang="en-US" sz="4800" b="1" dirty="0">
-                <a:solidFill>
-                  <a:srgbClr val="002060"/>
-                </a:solidFill>
-                <a:latin typeface="微軟正黑體" pitchFamily="34" charset="-120"/>
-                <a:ea typeface="微軟正黑體" pitchFamily="34" charset="-120"/>
-              </a:rPr>
-              <a:t>袮</a:t>
-            </a:r>
-            <a:r>
-              <a:rPr lang="zh-TW" altLang="en-US" sz="4800" b="1" dirty="0" smtClean="0">
-                <a:solidFill>
-                  <a:srgbClr val="002060"/>
-                </a:solidFill>
-                <a:latin typeface="微軟正黑體" pitchFamily="34" charset="-120"/>
-                <a:ea typeface="微軟正黑體" pitchFamily="34" charset="-120"/>
-              </a:rPr>
-              <a:t>裡</a:t>
-            </a:r>
-            <a:r>
-              <a:rPr lang="zh-TW" altLang="en-US" sz="4800" b="1" dirty="0" smtClean="0">
-                <a:solidFill>
-                  <a:srgbClr val="002060"/>
-                </a:solidFill>
-                <a:latin typeface="微軟正黑體" pitchFamily="34" charset="-120"/>
-                <a:ea typeface="微軟正黑體" pitchFamily="34" charset="-120"/>
-              </a:rPr>
-              <a:t>面  一無罣慮</a:t>
-            </a:r>
-            <a:r>
-              <a:rPr lang="en-US" altLang="zh-TW" sz="4800" b="1" dirty="0">
-                <a:solidFill>
-                  <a:srgbClr val="002060"/>
-                </a:solidFill>
-                <a:latin typeface="微軟正黑體" pitchFamily="34" charset="-120"/>
-                <a:ea typeface="微軟正黑體" pitchFamily="34" charset="-120"/>
-              </a:rPr>
-              <a:t> </a:t>
-            </a:r>
-            <a:r>
-              <a:rPr lang="en-US" altLang="zh-TW" sz="4800" b="1" dirty="0" smtClean="0">
-                <a:solidFill>
-                  <a:srgbClr val="002060"/>
-                </a:solidFill>
-                <a:latin typeface="微軟正黑體" pitchFamily="34" charset="-120"/>
-                <a:ea typeface="微軟正黑體" pitchFamily="34" charset="-120"/>
-              </a:rPr>
-              <a:t> </a:t>
-            </a:r>
-          </a:p>
-          <a:p>
-            <a:pPr algn="ctr">
-              <a:buNone/>
-            </a:pPr>
-            <a:r>
-              <a:rPr lang="zh-TW" altLang="en-US" sz="4800" b="1" dirty="0" smtClean="0">
-                <a:solidFill>
-                  <a:srgbClr val="002060"/>
-                </a:solidFill>
-                <a:latin typeface="微軟正黑體" pitchFamily="34" charset="-120"/>
-                <a:ea typeface="微軟正黑體" pitchFamily="34" charset="-120"/>
-              </a:rPr>
-              <a:t>喜樂滿溢  </a:t>
-            </a:r>
-            <a:endParaRPr lang="en-US" altLang="zh-TW" sz="4800" b="1" dirty="0" smtClean="0">
+              <a:t>全心感謝  全心讚美  </a:t>
+            </a:r>
+            <a:endParaRPr lang="en-US" altLang="zh-TW" sz="4800" b="1" dirty="0">
               <a:solidFill>
-                <a:srgbClr val="002060"/>
+                <a:srgbClr val="000066"/>
               </a:solidFill>
               <a:latin typeface="微軟正黑體" pitchFamily="34" charset="-120"/>
               <a:ea typeface="微軟正黑體" pitchFamily="34" charset="-120"/>
@@ -3452,68 +3204,113 @@
               <a:buNone/>
             </a:pPr>
             <a:r>
-              <a:rPr lang="zh-TW" altLang="en-US" sz="4800" b="1" dirty="0" smtClean="0">
-                <a:solidFill>
-                  <a:srgbClr val="002060"/>
+              <a:rPr lang="zh-TW" altLang="en-US" sz="4800" b="1" dirty="0">
+                <a:solidFill>
+                  <a:srgbClr val="000066"/>
                 </a:solidFill>
                 <a:latin typeface="微軟正黑體" pitchFamily="34" charset="-120"/>
                 <a:ea typeface="微軟正黑體" pitchFamily="34" charset="-120"/>
               </a:rPr>
-              <a:t>常常感謝  不住禱告  </a:t>
+              <a:t>進入</a:t>
+            </a:r>
+            <a:r>
+              <a:rPr lang="zh-CN" altLang="en-US" sz="4800" b="1" dirty="0">
+                <a:solidFill>
+                  <a:srgbClr val="000066"/>
+                </a:solidFill>
+                <a:latin typeface="微軟正黑體" pitchFamily="34" charset="-120"/>
+                <a:ea typeface="微軟正黑體" pitchFamily="34" charset="-120"/>
+              </a:rPr>
+              <a:t>袮</a:t>
+            </a:r>
+            <a:r>
+              <a:rPr lang="zh-TW" altLang="en-US" sz="4800" b="1" dirty="0">
+                <a:solidFill>
+                  <a:srgbClr val="000066"/>
+                </a:solidFill>
+                <a:latin typeface="微軟正黑體" pitchFamily="34" charset="-120"/>
+                <a:ea typeface="微軟正黑體" pitchFamily="34" charset="-120"/>
+              </a:rPr>
+              <a:t>的院</a:t>
             </a:r>
             <a:endParaRPr lang="en-US" altLang="zh-TW" sz="4800" b="1" dirty="0" smtClean="0">
               <a:solidFill>
-                <a:srgbClr val="002060"/>
+                <a:srgbClr val="000066"/>
               </a:solidFill>
               <a:latin typeface="微軟正黑體" pitchFamily="34" charset="-120"/>
               <a:ea typeface="微軟正黑體" pitchFamily="34" charset="-120"/>
             </a:endParaRPr>
           </a:p>
-          <a:p>
-            <a:pPr algn="ctr">
-              <a:buNone/>
-            </a:pPr>
-            <a:r>
-              <a:rPr lang="zh-TW" altLang="en-US" sz="4800" b="1" dirty="0" smtClean="0">
-                <a:solidFill>
-                  <a:srgbClr val="002060"/>
-                </a:solidFill>
-                <a:latin typeface="微軟正黑體" pitchFamily="34" charset="-120"/>
-                <a:ea typeface="微軟正黑體" pitchFamily="34" charset="-120"/>
-              </a:rPr>
-              <a:t>盼望在</a:t>
-            </a:r>
-            <a:r>
-              <a:rPr lang="zh-TW" altLang="en-US" sz="4800" b="1" dirty="0" smtClean="0">
-                <a:solidFill>
-                  <a:srgbClr val="002060"/>
-                </a:solidFill>
-                <a:latin typeface="微軟正黑體" pitchFamily="34" charset="-120"/>
-                <a:ea typeface="微軟正黑體" pitchFamily="34" charset="-120"/>
-              </a:rPr>
-              <a:t>於</a:t>
-            </a:r>
-            <a:r>
-              <a:rPr lang="zh-CN" altLang="en-US" sz="4800" b="1" dirty="0">
-                <a:solidFill>
-                  <a:srgbClr val="002060"/>
-                </a:solidFill>
-                <a:latin typeface="微軟正黑體" pitchFamily="34" charset="-120"/>
-                <a:ea typeface="微軟正黑體" pitchFamily="34" charset="-120"/>
-              </a:rPr>
-              <a:t>袮</a:t>
-            </a:r>
-            <a:endParaRPr lang="zh-TW" altLang="en-US" sz="4800" b="1" dirty="0">
+        </p:txBody>
+      </p:sp>
+      <p:sp>
+        <p:nvSpPr>
+          <p:cNvPr id="3" name="TextBox 2"/>
+          <p:cNvSpPr txBox="1"/>
+          <p:nvPr/>
+        </p:nvSpPr>
+        <p:spPr>
+          <a:xfrm>
+            <a:off x="0" y="3867894"/>
+            <a:ext cx="9144000" cy="584775"/>
+          </a:xfrm>
+          <a:prstGeom prst="rect">
+            <a:avLst/>
+          </a:prstGeom>
+          <a:noFill/>
+        </p:spPr>
+        <p:txBody>
+          <a:bodyPr wrap="square" rtlCol="0">
+            <a:spAutoFit/>
+          </a:bodyPr>
+          <a:lstStyle/>
+          <a:p>
+            <a:pPr algn="ctr"/>
+            <a:r>
+              <a:rPr lang="en-US" sz="3200" b="1" dirty="0" smtClean="0">
+                <a:solidFill>
+                  <a:srgbClr val="000066"/>
+                </a:solidFill>
+                <a:latin typeface="Microsoft JhengHei" panose="020B0604030504040204" pitchFamily="34" charset="-120"/>
+                <a:ea typeface="Microsoft JhengHei" panose="020B0604030504040204" pitchFamily="34" charset="-120"/>
+              </a:rPr>
+              <a:t>( </a:t>
+            </a:r>
+            <a:r>
+              <a:rPr lang="zh-CN" altLang="en-US" sz="3200" b="1" dirty="0" smtClean="0">
+                <a:solidFill>
+                  <a:srgbClr val="000066"/>
+                </a:solidFill>
+                <a:latin typeface="Microsoft JhengHei" panose="020B0604030504040204" pitchFamily="34" charset="-120"/>
+                <a:ea typeface="Microsoft JhengHei" panose="020B0604030504040204" pitchFamily="34" charset="-120"/>
+              </a:rPr>
+              <a:t>正</a:t>
+            </a:r>
+            <a:r>
+              <a:rPr lang="en-US" sz="3200" b="1" dirty="0" smtClean="0">
+                <a:solidFill>
+                  <a:srgbClr val="000066"/>
+                </a:solidFill>
+                <a:latin typeface="Microsoft JhengHei" panose="020B0604030504040204" pitchFamily="34" charset="-120"/>
+                <a:ea typeface="Microsoft JhengHei" panose="020B0604030504040204" pitchFamily="34" charset="-120"/>
+              </a:rPr>
+              <a:t> )</a:t>
+            </a:r>
+            <a:endParaRPr lang="vi-VN" sz="3200" b="1" dirty="0">
               <a:solidFill>
-                <a:srgbClr val="002060"/>
+                <a:srgbClr val="000066"/>
               </a:solidFill>
-              <a:latin typeface="微軟正黑體" pitchFamily="34" charset="-120"/>
-              <a:ea typeface="微軟正黑體" pitchFamily="34" charset="-120"/>
+              <a:ea typeface="Microsoft JhengHei" panose="020B0604030504040204" pitchFamily="34" charset="-120"/>
             </a:endParaRPr>
           </a:p>
         </p:txBody>
       </p:sp>
     </p:spTree>
+    <p:extLst>
+      <p:ext uri="{BB962C8B-B14F-4D97-AF65-F5344CB8AC3E}">
+        <p14:creationId xmlns:p14="http://schemas.microsoft.com/office/powerpoint/2010/main" val="1898455939"/>
+      </p:ext>
+    </p:extLst>
   </p:cSld>
   <p:clrMapOvr>
     <a:masterClrMapping/>
@@ -3540,82 +3337,62 @@
       </p:grpSpPr>
       <p:sp>
         <p:nvSpPr>
-          <p:cNvPr id="2" name="標題 1"/>
-          <p:cNvSpPr>
-            <a:spLocks noGrp="1"/>
-          </p:cNvSpPr>
-          <p:nvPr>
-            <p:ph type="title"/>
-          </p:nvPr>
-        </p:nvSpPr>
-        <p:spPr/>
-        <p:txBody>
-          <a:bodyPr>
+          <p:cNvPr id="5" name="內容版面配置區 4"/>
+          <p:cNvSpPr>
+            <a:spLocks noGrp="1"/>
+          </p:cNvSpPr>
+          <p:nvPr>
+            <p:ph idx="1"/>
+          </p:nvPr>
+        </p:nvSpPr>
+        <p:spPr>
+          <a:xfrm>
+            <a:off x="0" y="1563638"/>
+            <a:ext cx="9144000" cy="1803647"/>
+          </a:xfrm>
+        </p:spPr>
+        <p:txBody>
+          <a:bodyPr anchor="ctr">
             <a:normAutofit/>
           </a:bodyPr>
           <a:lstStyle/>
           <a:p>
-            <a:r>
-              <a:rPr lang="zh-TW" altLang="en-US" sz="4000" b="1" dirty="0">
-                <a:solidFill>
-                  <a:srgbClr val="002060"/>
+            <a:pPr algn="ctr">
+              <a:buNone/>
+            </a:pPr>
+            <a:r>
+              <a:rPr lang="zh-TW" altLang="en-US" sz="4800" b="1" dirty="0">
+                <a:solidFill>
+                  <a:srgbClr val="000066"/>
                 </a:solidFill>
                 <a:latin typeface="微軟正黑體" pitchFamily="34" charset="-120"/>
                 <a:ea typeface="微軟正黑體" pitchFamily="34" charset="-120"/>
               </a:rPr>
-              <a:t>我要全心讚美</a:t>
-            </a:r>
-          </a:p>
-        </p:txBody>
-      </p:sp>
-      <p:sp>
-        <p:nvSpPr>
-          <p:cNvPr id="3" name="內容版面配置區 2"/>
-          <p:cNvSpPr>
-            <a:spLocks noGrp="1"/>
-          </p:cNvSpPr>
-          <p:nvPr>
-            <p:ph idx="1"/>
-          </p:nvPr>
-        </p:nvSpPr>
-        <p:spPr>
-          <a:xfrm>
-            <a:off x="0" y="1200150"/>
-            <a:ext cx="9144000" cy="3943349"/>
-          </a:xfrm>
-        </p:spPr>
-        <p:txBody>
-          <a:bodyPr anchor="t">
-            <a:noAutofit/>
-          </a:bodyPr>
-          <a:lstStyle/>
-          <a:p>
-            <a:pPr algn="ctr">
-              <a:buNone/>
-            </a:pPr>
-            <a:r>
-              <a:rPr lang="zh-TW" altLang="en-US" sz="4800" b="1" dirty="0">
-                <a:solidFill>
-                  <a:srgbClr val="002060"/>
+              <a:t>全心頌讚</a:t>
+            </a:r>
+            <a:r>
+              <a:rPr lang="en-US" altLang="zh-TW" sz="4800" b="1" dirty="0">
+                <a:solidFill>
+                  <a:srgbClr val="000066"/>
                 </a:solidFill>
                 <a:latin typeface="微軟正黑體" pitchFamily="34" charset="-120"/>
                 <a:ea typeface="微軟正黑體" pitchFamily="34" charset="-120"/>
               </a:rPr>
-              <a:t>我要全心讚</a:t>
-            </a:r>
-            <a:r>
-              <a:rPr lang="zh-TW" altLang="en-US" sz="4800" b="1" dirty="0" smtClean="0">
-                <a:solidFill>
-                  <a:srgbClr val="002060"/>
+              <a:t>  </a:t>
+            </a:r>
+            <a:r>
+              <a:rPr lang="zh-TW" altLang="en-US" sz="4800" b="1" dirty="0">
+                <a:solidFill>
+                  <a:srgbClr val="000066"/>
                 </a:solidFill>
                 <a:latin typeface="微軟正黑體" pitchFamily="34" charset="-120"/>
                 <a:ea typeface="微軟正黑體" pitchFamily="34" charset="-120"/>
               </a:rPr>
-              <a:t>美  </a:t>
-            </a:r>
-            <a:endParaRPr lang="en-US" altLang="zh-TW" sz="4800" b="1" dirty="0" smtClean="0">
+              <a:t>獻上為祭  </a:t>
+            </a:r>
+            <a:endParaRPr lang="en-US" altLang="zh-TW" sz="4800" b="1" dirty="0">
               <a:solidFill>
-                <a:srgbClr val="002060"/>
+                <a:srgbClr val="000066"/>
               </a:solidFill>
               <a:latin typeface="微軟正黑體" pitchFamily="34" charset="-120"/>
               <a:ea typeface="微軟正黑體" pitchFamily="34" charset="-120"/>
@@ -3626,185 +3403,93 @@
               <a:buNone/>
             </a:pPr>
             <a:r>
-              <a:rPr lang="zh-TW" altLang="en-US" sz="4800" b="1" dirty="0" smtClean="0">
-                <a:solidFill>
-                  <a:srgbClr val="002060"/>
+              <a:rPr lang="zh-TW" altLang="en-US" sz="4800" b="1" dirty="0">
+                <a:solidFill>
+                  <a:srgbClr val="000066"/>
                 </a:solidFill>
                 <a:latin typeface="微軟正黑體" pitchFamily="34" charset="-120"/>
                 <a:ea typeface="微軟正黑體" pitchFamily="34" charset="-120"/>
               </a:rPr>
-              <a:t>跳</a:t>
-            </a:r>
-            <a:r>
-              <a:rPr lang="zh-TW" altLang="en-US" sz="4800" b="1" dirty="0">
-                <a:solidFill>
-                  <a:srgbClr val="002060"/>
-                </a:solidFill>
-                <a:latin typeface="微軟正黑體" pitchFamily="34" charset="-120"/>
-                <a:ea typeface="微軟正黑體" pitchFamily="34" charset="-120"/>
-              </a:rPr>
-              <a:t>舞頌</a:t>
-            </a:r>
-            <a:r>
-              <a:rPr lang="zh-TW" altLang="en-US" sz="4800" b="1" dirty="0" smtClean="0">
-                <a:solidFill>
-                  <a:srgbClr val="002060"/>
-                </a:solidFill>
-                <a:latin typeface="微軟正黑體" pitchFamily="34" charset="-120"/>
-                <a:ea typeface="微軟正黑體" pitchFamily="34" charset="-120"/>
-              </a:rPr>
-              <a:t>揚</a:t>
-            </a:r>
-            <a:r>
-              <a:rPr lang="zh-CN" altLang="en-US" sz="4800" b="1" dirty="0">
-                <a:solidFill>
-                  <a:srgbClr val="002060"/>
-                </a:solidFill>
-                <a:latin typeface="微軟正黑體" pitchFamily="34" charset="-120"/>
-                <a:ea typeface="微軟正黑體" pitchFamily="34" charset="-120"/>
-              </a:rPr>
-              <a:t>袮</a:t>
-            </a:r>
-            <a:r>
-              <a:rPr lang="zh-TW" altLang="en-US" sz="4800" b="1" dirty="0" smtClean="0">
-                <a:solidFill>
-                  <a:srgbClr val="002060"/>
-                </a:solidFill>
-                <a:latin typeface="微軟正黑體" pitchFamily="34" charset="-120"/>
-                <a:ea typeface="微軟正黑體" pitchFamily="34" charset="-120"/>
-              </a:rPr>
-              <a:t>名</a:t>
-            </a:r>
-            <a:endParaRPr lang="en-US" altLang="zh-TW" sz="4800" b="1" dirty="0">
+              <a:t>是嘴唇的果子</a:t>
+            </a:r>
+            <a:endParaRPr lang="zh-TW" altLang="en-US" sz="4800" b="1" dirty="0">
               <a:solidFill>
-                <a:srgbClr val="002060"/>
+                <a:srgbClr val="000066"/>
               </a:solidFill>
               <a:latin typeface="微軟正黑體" pitchFamily="34" charset="-120"/>
               <a:ea typeface="微軟正黑體" pitchFamily="34" charset="-120"/>
             </a:endParaRPr>
           </a:p>
-          <a:p>
-            <a:pPr algn="ctr">
-              <a:buNone/>
-            </a:pPr>
-            <a:r>
-              <a:rPr lang="zh-TW" altLang="en-US" sz="4800" b="1" dirty="0" smtClean="0">
-                <a:solidFill>
-                  <a:srgbClr val="002060"/>
-                </a:solidFill>
-                <a:latin typeface="微軟正黑體" pitchFamily="34" charset="-120"/>
-                <a:ea typeface="微軟正黑體" pitchFamily="34" charset="-120"/>
-              </a:rPr>
-              <a:t>在</a:t>
-            </a:r>
-            <a:r>
-              <a:rPr lang="zh-CN" altLang="en-US" sz="4800" b="1" dirty="0">
-                <a:solidFill>
-                  <a:srgbClr val="002060"/>
-                </a:solidFill>
-                <a:latin typeface="微軟正黑體" pitchFamily="34" charset="-120"/>
-                <a:ea typeface="微軟正黑體" pitchFamily="34" charset="-120"/>
-              </a:rPr>
-              <a:t>袮</a:t>
-            </a:r>
-            <a:r>
-              <a:rPr lang="zh-TW" altLang="en-US" sz="4800" b="1" dirty="0" smtClean="0">
-                <a:solidFill>
-                  <a:srgbClr val="002060"/>
-                </a:solidFill>
-                <a:latin typeface="微軟正黑體" pitchFamily="34" charset="-120"/>
-                <a:ea typeface="微軟正黑體" pitchFamily="34" charset="-120"/>
-              </a:rPr>
-              <a:t>殿</a:t>
-            </a:r>
-            <a:r>
-              <a:rPr lang="zh-TW" altLang="en-US" sz="4800" b="1" dirty="0">
-                <a:solidFill>
-                  <a:srgbClr val="002060"/>
-                </a:solidFill>
-                <a:latin typeface="微軟正黑體" pitchFamily="34" charset="-120"/>
-                <a:ea typeface="微軟正黑體" pitchFamily="34" charset="-120"/>
-              </a:rPr>
-              <a:t>中一日勝</a:t>
-            </a:r>
-            <a:r>
-              <a:rPr lang="zh-TW" altLang="en-US" sz="4800" b="1" dirty="0" smtClean="0">
-                <a:solidFill>
-                  <a:srgbClr val="002060"/>
-                </a:solidFill>
-                <a:latin typeface="微軟正黑體" pitchFamily="34" charset="-120"/>
-                <a:ea typeface="微軟正黑體" pitchFamily="34" charset="-120"/>
-              </a:rPr>
-              <a:t>過</a:t>
-            </a:r>
-            <a:r>
-              <a:rPr lang="en-US" altLang="zh-TW" sz="4800" b="1" dirty="0" smtClean="0">
-                <a:solidFill>
-                  <a:srgbClr val="002060"/>
-                </a:solidFill>
-                <a:latin typeface="微軟正黑體" pitchFamily="34" charset="-120"/>
-                <a:ea typeface="微軟正黑體" pitchFamily="34" charset="-120"/>
-              </a:rPr>
-              <a:t>  </a:t>
-            </a:r>
-          </a:p>
-          <a:p>
-            <a:pPr algn="ctr">
-              <a:buNone/>
-            </a:pPr>
-            <a:r>
-              <a:rPr lang="zh-TW" altLang="en-US" sz="4800" b="1" dirty="0" smtClean="0">
-                <a:solidFill>
-                  <a:srgbClr val="002060"/>
-                </a:solidFill>
-                <a:latin typeface="微軟正黑體" pitchFamily="34" charset="-120"/>
-                <a:ea typeface="微軟正黑體" pitchFamily="34" charset="-120"/>
-              </a:rPr>
-              <a:t>在</a:t>
-            </a:r>
-            <a:r>
-              <a:rPr lang="zh-TW" altLang="en-US" sz="4800" b="1" dirty="0">
-                <a:solidFill>
-                  <a:srgbClr val="002060"/>
-                </a:solidFill>
-                <a:latin typeface="微軟正黑體" pitchFamily="34" charset="-120"/>
-                <a:ea typeface="微軟正黑體" pitchFamily="34" charset="-120"/>
-              </a:rPr>
-              <a:t>世上千</a:t>
-            </a:r>
-            <a:r>
-              <a:rPr lang="zh-TW" altLang="en-US" sz="4800" b="1" dirty="0" smtClean="0">
-                <a:solidFill>
-                  <a:srgbClr val="002060"/>
-                </a:solidFill>
-                <a:latin typeface="微軟正黑體" pitchFamily="34" charset="-120"/>
-                <a:ea typeface="微軟正黑體" pitchFamily="34" charset="-120"/>
-              </a:rPr>
-              <a:t>日</a:t>
-            </a:r>
-            <a:endParaRPr lang="en-US" altLang="zh-TW" sz="4800" b="1" dirty="0" smtClean="0">
+        </p:txBody>
+      </p:sp>
+      <p:sp>
+        <p:nvSpPr>
+          <p:cNvPr id="3" name="TextBox 2"/>
+          <p:cNvSpPr txBox="1"/>
+          <p:nvPr/>
+        </p:nvSpPr>
+        <p:spPr>
+          <a:xfrm>
+            <a:off x="0" y="3867894"/>
+            <a:ext cx="9144000" cy="584775"/>
+          </a:xfrm>
+          <a:prstGeom prst="rect">
+            <a:avLst/>
+          </a:prstGeom>
+          <a:noFill/>
+        </p:spPr>
+        <p:txBody>
+          <a:bodyPr wrap="square" rtlCol="0">
+            <a:spAutoFit/>
+          </a:bodyPr>
+          <a:lstStyle/>
+          <a:p>
+            <a:pPr algn="ctr"/>
+            <a:r>
+              <a:rPr lang="en-US" sz="3200" b="1" dirty="0" smtClean="0">
+                <a:solidFill>
+                  <a:srgbClr val="000066"/>
+                </a:solidFill>
+                <a:latin typeface="Microsoft JhengHei" panose="020B0604030504040204" pitchFamily="34" charset="-120"/>
+                <a:ea typeface="Microsoft JhengHei" panose="020B0604030504040204" pitchFamily="34" charset="-120"/>
+              </a:rPr>
+              <a:t>( </a:t>
+            </a:r>
+            <a:r>
+              <a:rPr lang="zh-CN" altLang="en-US" sz="3200" b="1" dirty="0" smtClean="0">
+                <a:solidFill>
+                  <a:srgbClr val="000066"/>
+                </a:solidFill>
+                <a:latin typeface="Microsoft JhengHei" panose="020B0604030504040204" pitchFamily="34" charset="-120"/>
+                <a:ea typeface="Microsoft JhengHei" panose="020B0604030504040204" pitchFamily="34" charset="-120"/>
+              </a:rPr>
+              <a:t>正</a:t>
+            </a:r>
+            <a:r>
+              <a:rPr lang="en-US" sz="3200" b="1" dirty="0" smtClean="0">
+                <a:solidFill>
+                  <a:srgbClr val="000066"/>
+                </a:solidFill>
+                <a:latin typeface="Microsoft JhengHei" panose="020B0604030504040204" pitchFamily="34" charset="-120"/>
+                <a:ea typeface="Microsoft JhengHei" panose="020B0604030504040204" pitchFamily="34" charset="-120"/>
+              </a:rPr>
+              <a:t> )</a:t>
+            </a:r>
+            <a:endParaRPr lang="vi-VN" sz="3200" b="1" dirty="0">
               <a:solidFill>
-                <a:srgbClr val="002060"/>
+                <a:srgbClr val="000066"/>
               </a:solidFill>
-              <a:latin typeface="微軟正黑體" pitchFamily="34" charset="-120"/>
-              <a:ea typeface="微軟正黑體" pitchFamily="34" charset="-120"/>
+              <a:ea typeface="Microsoft JhengHei" panose="020B0604030504040204" pitchFamily="34" charset="-120"/>
             </a:endParaRPr>
           </a:p>
-          <a:p>
-            <a:pPr algn="ctr">
-              <a:buNone/>
-            </a:pPr>
-            <a:endParaRPr lang="zh-TW" altLang="en-US" sz="4800" b="1" dirty="0">
-              <a:solidFill>
-                <a:srgbClr val="002060"/>
-              </a:solidFill>
-              <a:latin typeface="微軟正黑體" pitchFamily="34" charset="-120"/>
-              <a:ea typeface="微軟正黑體" pitchFamily="34" charset="-120"/>
-            </a:endParaRPr>
-          </a:p>
         </p:txBody>
       </p:sp>
     </p:spTree>
+    <p:extLst>
+      <p:ext uri="{BB962C8B-B14F-4D97-AF65-F5344CB8AC3E}">
+        <p14:creationId xmlns:p14="http://schemas.microsoft.com/office/powerpoint/2010/main" val="625573592"/>
+      </p:ext>
+    </p:extLst>
   </p:cSld>
   <p:clrMapOvr>
     <a:masterClrMapping/>
@@ -3831,132 +3516,207 @@
       </p:grpSpPr>
       <p:sp>
         <p:nvSpPr>
-          <p:cNvPr id="2" name="標題 1"/>
-          <p:cNvSpPr>
-            <a:spLocks noGrp="1"/>
-          </p:cNvSpPr>
-          <p:nvPr>
-            <p:ph type="title"/>
-          </p:nvPr>
-        </p:nvSpPr>
-        <p:spPr/>
-        <p:txBody>
-          <a:bodyPr>
+          <p:cNvPr id="5" name="內容版面配置區 4"/>
+          <p:cNvSpPr>
+            <a:spLocks noGrp="1"/>
+          </p:cNvSpPr>
+          <p:nvPr>
+            <p:ph idx="1"/>
+          </p:nvPr>
+        </p:nvSpPr>
+        <p:spPr>
+          <a:xfrm>
+            <a:off x="0" y="1563638"/>
+            <a:ext cx="9144000" cy="1803647"/>
+          </a:xfrm>
+        </p:spPr>
+        <p:txBody>
+          <a:bodyPr anchor="ctr">
             <a:normAutofit/>
           </a:bodyPr>
           <a:lstStyle/>
           <a:p>
-            <a:r>
-              <a:rPr lang="zh-TW" altLang="en-US" sz="4000" b="1" dirty="0">
-                <a:solidFill>
-                  <a:srgbClr val="002060"/>
+            <a:pPr algn="ctr">
+              <a:buNone/>
+            </a:pPr>
+            <a:r>
+              <a:rPr lang="zh-TW" altLang="en-US" sz="4800" b="1" dirty="0">
+                <a:solidFill>
+                  <a:srgbClr val="000066"/>
                 </a:solidFill>
                 <a:latin typeface="微軟正黑體" pitchFamily="34" charset="-120"/>
                 <a:ea typeface="微軟正黑體" pitchFamily="34" charset="-120"/>
               </a:rPr>
-              <a:t>我要全心讚美</a:t>
-            </a:r>
-          </a:p>
-        </p:txBody>
-      </p:sp>
-      <p:sp>
-        <p:nvSpPr>
-          <p:cNvPr id="3" name="內容版面配置區 2"/>
-          <p:cNvSpPr>
-            <a:spLocks noGrp="1"/>
-          </p:cNvSpPr>
-          <p:nvPr>
-            <p:ph idx="1"/>
-          </p:nvPr>
-        </p:nvSpPr>
-        <p:spPr>
-          <a:xfrm>
-            <a:off x="0" y="1200150"/>
-            <a:ext cx="9144000" cy="3943349"/>
-          </a:xfrm>
-        </p:spPr>
-        <p:txBody>
-          <a:bodyPr anchor="t">
-            <a:noAutofit/>
-          </a:bodyPr>
-          <a:lstStyle/>
-          <a:p>
-            <a:pPr algn="ctr">
-              <a:buNone/>
-            </a:pPr>
-            <a:r>
-              <a:rPr lang="zh-TW" altLang="en-US" sz="4800" b="1" dirty="0" smtClean="0">
-                <a:solidFill>
-                  <a:srgbClr val="002060"/>
+              <a:t>在</a:t>
+            </a:r>
+            <a:r>
+              <a:rPr lang="zh-CN" altLang="en-US" sz="4800" b="1" dirty="0">
+                <a:solidFill>
+                  <a:srgbClr val="000066"/>
                 </a:solidFill>
                 <a:latin typeface="微軟正黑體" pitchFamily="34" charset="-120"/>
                 <a:ea typeface="微軟正黑體" pitchFamily="34" charset="-120"/>
               </a:rPr>
-              <a:t>我</a:t>
+              <a:t>袮</a:t>
             </a:r>
             <a:r>
               <a:rPr lang="zh-TW" altLang="en-US" sz="4800" b="1" dirty="0">
                 <a:solidFill>
-                  <a:srgbClr val="002060"/>
+                  <a:srgbClr val="000066"/>
                 </a:solidFill>
                 <a:latin typeface="微軟正黑體" pitchFamily="34" charset="-120"/>
                 <a:ea typeface="微軟正黑體" pitchFamily="34" charset="-120"/>
               </a:rPr>
-              <a:t>要全心讚</a:t>
-            </a:r>
-            <a:r>
-              <a:rPr lang="zh-TW" altLang="en-US" sz="4800" b="1" dirty="0" smtClean="0">
-                <a:solidFill>
-                  <a:srgbClr val="002060"/>
+              <a:t>裡面  一無罣慮</a:t>
+            </a:r>
+            <a:r>
+              <a:rPr lang="en-US" altLang="zh-TW" sz="4800" b="1" dirty="0">
+                <a:solidFill>
+                  <a:srgbClr val="000066"/>
                 </a:solidFill>
                 <a:latin typeface="微軟正黑體" pitchFamily="34" charset="-120"/>
                 <a:ea typeface="微軟正黑體" pitchFamily="34" charset="-120"/>
               </a:rPr>
-              <a:t>美</a:t>
-            </a:r>
-            <a:r>
-              <a:rPr lang="en-US" altLang="zh-TW" sz="4800" b="1" dirty="0" smtClean="0">
-                <a:solidFill>
-                  <a:srgbClr val="002060"/>
+              <a:t>  </a:t>
+            </a:r>
+          </a:p>
+          <a:p>
+            <a:pPr algn="ctr">
+              <a:buNone/>
+            </a:pPr>
+            <a:r>
+              <a:rPr lang="zh-TW" altLang="en-US" sz="4800" b="1" dirty="0">
+                <a:solidFill>
+                  <a:srgbClr val="000066"/>
                 </a:solidFill>
                 <a:latin typeface="微軟正黑體" pitchFamily="34" charset="-120"/>
                 <a:ea typeface="微軟正黑體" pitchFamily="34" charset="-120"/>
               </a:rPr>
-              <a:t>  </a:t>
-            </a:r>
-          </a:p>
-          <a:p>
-            <a:pPr algn="ctr">
-              <a:buNone/>
-            </a:pPr>
-            <a:r>
-              <a:rPr lang="zh-TW" altLang="en-US" sz="4800" b="1" dirty="0" smtClean="0">
-                <a:solidFill>
-                  <a:srgbClr val="002060"/>
-                </a:solidFill>
-                <a:latin typeface="微軟正黑體" pitchFamily="34" charset="-120"/>
-                <a:ea typeface="微軟正黑體" pitchFamily="34" charset="-120"/>
-              </a:rPr>
-              <a:t>讚</a:t>
-            </a:r>
-            <a:r>
-              <a:rPr lang="zh-TW" altLang="en-US" sz="4800" b="1" dirty="0">
-                <a:solidFill>
-                  <a:srgbClr val="002060"/>
-                </a:solidFill>
-                <a:latin typeface="微軟正黑體" pitchFamily="34" charset="-120"/>
-                <a:ea typeface="微軟正黑體" pitchFamily="34" charset="-120"/>
-              </a:rPr>
-              <a:t>美還要讚美不停</a:t>
-            </a:r>
-            <a:endParaRPr lang="en-US" altLang="zh-TW" sz="4800" b="1" dirty="0">
+              <a:t>喜樂滿溢</a:t>
+            </a:r>
+            <a:endParaRPr lang="zh-TW" altLang="en-US" sz="4800" b="1" dirty="0">
               <a:solidFill>
-                <a:srgbClr val="002060"/>
+                <a:srgbClr val="000066"/>
               </a:solidFill>
               <a:latin typeface="微軟正黑體" pitchFamily="34" charset="-120"/>
               <a:ea typeface="微軟正黑體" pitchFamily="34" charset="-120"/>
             </a:endParaRPr>
           </a:p>
+        </p:txBody>
+      </p:sp>
+      <p:sp>
+        <p:nvSpPr>
+          <p:cNvPr id="3" name="TextBox 2"/>
+          <p:cNvSpPr txBox="1"/>
+          <p:nvPr/>
+        </p:nvSpPr>
+        <p:spPr>
+          <a:xfrm>
+            <a:off x="0" y="3867894"/>
+            <a:ext cx="9144000" cy="584775"/>
+          </a:xfrm>
+          <a:prstGeom prst="rect">
+            <a:avLst/>
+          </a:prstGeom>
+          <a:noFill/>
+        </p:spPr>
+        <p:txBody>
+          <a:bodyPr wrap="square" rtlCol="0">
+            <a:spAutoFit/>
+          </a:bodyPr>
+          <a:lstStyle/>
+          <a:p>
+            <a:pPr algn="ctr"/>
+            <a:r>
+              <a:rPr lang="en-US" sz="3200" b="1" dirty="0" smtClean="0">
+                <a:solidFill>
+                  <a:srgbClr val="000066"/>
+                </a:solidFill>
+                <a:latin typeface="Microsoft JhengHei" panose="020B0604030504040204" pitchFamily="34" charset="-120"/>
+                <a:ea typeface="Microsoft JhengHei" panose="020B0604030504040204" pitchFamily="34" charset="-120"/>
+              </a:rPr>
+              <a:t>( </a:t>
+            </a:r>
+            <a:r>
+              <a:rPr lang="zh-CN" altLang="en-US" sz="3200" b="1" dirty="0" smtClean="0">
+                <a:solidFill>
+                  <a:srgbClr val="000066"/>
+                </a:solidFill>
+                <a:latin typeface="Microsoft JhengHei" panose="020B0604030504040204" pitchFamily="34" charset="-120"/>
+                <a:ea typeface="Microsoft JhengHei" panose="020B0604030504040204" pitchFamily="34" charset="-120"/>
+              </a:rPr>
+              <a:t>正</a:t>
+            </a:r>
+            <a:r>
+              <a:rPr lang="en-US" sz="3200" b="1" dirty="0" smtClean="0">
+                <a:solidFill>
+                  <a:srgbClr val="000066"/>
+                </a:solidFill>
+                <a:latin typeface="Microsoft JhengHei" panose="020B0604030504040204" pitchFamily="34" charset="-120"/>
+                <a:ea typeface="Microsoft JhengHei" panose="020B0604030504040204" pitchFamily="34" charset="-120"/>
+              </a:rPr>
+              <a:t> )</a:t>
+            </a:r>
+            <a:endParaRPr lang="vi-VN" sz="3200" b="1" dirty="0">
+              <a:solidFill>
+                <a:srgbClr val="000066"/>
+              </a:solidFill>
+              <a:ea typeface="Microsoft JhengHei" panose="020B0604030504040204" pitchFamily="34" charset="-120"/>
+            </a:endParaRPr>
+          </a:p>
+        </p:txBody>
+      </p:sp>
+    </p:spTree>
+    <p:extLst>
+      <p:ext uri="{BB962C8B-B14F-4D97-AF65-F5344CB8AC3E}">
+        <p14:creationId xmlns:p14="http://schemas.microsoft.com/office/powerpoint/2010/main" val="2179620692"/>
+      </p:ext>
+    </p:extLst>
+  </p:cSld>
+  <p:clrMapOvr>
+    <a:masterClrMapping/>
+  </p:clrMapOvr>
+</p:sld>
+</file>
+
+<file path=ppt/slides/slide5.xml><?xml version="1.0" encoding="utf-8"?>
+<p:sld xmlns:a="http://schemas.openxmlformats.org/drawingml/2006/main" xmlns:r="http://schemas.openxmlformats.org/officeDocument/2006/relationships" xmlns:p="http://schemas.openxmlformats.org/presentationml/2006/main">
+  <p:cSld>
+    <p:spTree>
+      <p:nvGrpSpPr>
+        <p:cNvPr id="1" name=""/>
+        <p:cNvGrpSpPr/>
+        <p:nvPr/>
+      </p:nvGrpSpPr>
+      <p:grpSpPr>
+        <a:xfrm>
+          <a:off x="0" y="0"/>
+          <a:ext cx="0" cy="0"/>
+          <a:chOff x="0" y="0"/>
+          <a:chExt cx="0" cy="0"/>
+        </a:xfrm>
+      </p:grpSpPr>
+      <p:sp>
+        <p:nvSpPr>
+          <p:cNvPr id="5" name="內容版面配置區 4"/>
+          <p:cNvSpPr>
+            <a:spLocks noGrp="1"/>
+          </p:cNvSpPr>
+          <p:nvPr>
+            <p:ph idx="1"/>
+          </p:nvPr>
+        </p:nvSpPr>
+        <p:spPr>
+          <a:xfrm>
+            <a:off x="0" y="1563638"/>
+            <a:ext cx="9144000" cy="1803647"/>
+          </a:xfrm>
+        </p:spPr>
+        <p:txBody>
+          <a:bodyPr anchor="ctr">
+            <a:normAutofit/>
+          </a:bodyPr>
+          <a:lstStyle/>
           <a:p>
             <a:pPr algn="ctr">
               <a:buNone/>
@@ -3964,32 +3724,699 @@
             <a:r>
               <a:rPr lang="zh-TW" altLang="en-US" sz="4800" b="1" dirty="0">
                 <a:solidFill>
-                  <a:srgbClr val="002060"/>
+                  <a:srgbClr val="000066"/>
                 </a:solidFill>
                 <a:latin typeface="微軟正黑體" pitchFamily="34" charset="-120"/>
                 <a:ea typeface="微軟正黑體" pitchFamily="34" charset="-120"/>
               </a:rPr>
-              <a:t>義人棚裡歡呼聲永不息</a:t>
-            </a:r>
-          </a:p>
-          <a:p>
-            <a:pPr algn="ctr">
-              <a:buNone/>
-            </a:pPr>
-            <a:endParaRPr lang="zh-TW" altLang="en-US" sz="4800" b="1" dirty="0">
+              <a:t>常常感謝  不住禱告  </a:t>
+            </a:r>
+            <a:endParaRPr lang="en-US" altLang="zh-TW" sz="4800" b="1" dirty="0">
               <a:solidFill>
-                <a:srgbClr val="002060"/>
+                <a:srgbClr val="000066"/>
               </a:solidFill>
               <a:latin typeface="微軟正黑體" pitchFamily="34" charset="-120"/>
               <a:ea typeface="微軟正黑體" pitchFamily="34" charset="-120"/>
             </a:endParaRPr>
           </a:p>
+          <a:p>
+            <a:pPr algn="ctr">
+              <a:buNone/>
+            </a:pPr>
+            <a:r>
+              <a:rPr lang="zh-TW" altLang="en-US" sz="4800" b="1" dirty="0">
+                <a:solidFill>
+                  <a:srgbClr val="000066"/>
+                </a:solidFill>
+                <a:latin typeface="微軟正黑體" pitchFamily="34" charset="-120"/>
+                <a:ea typeface="微軟正黑體" pitchFamily="34" charset="-120"/>
+              </a:rPr>
+              <a:t>盼望在於</a:t>
+            </a:r>
+            <a:r>
+              <a:rPr lang="zh-CN" altLang="en-US" sz="4800" b="1" dirty="0">
+                <a:solidFill>
+                  <a:srgbClr val="000066"/>
+                </a:solidFill>
+                <a:latin typeface="微軟正黑體" pitchFamily="34" charset="-120"/>
+                <a:ea typeface="微軟正黑體" pitchFamily="34" charset="-120"/>
+              </a:rPr>
+              <a:t>袮</a:t>
+            </a:r>
+            <a:endParaRPr lang="zh-TW" altLang="en-US" sz="4800" b="1" dirty="0">
+              <a:solidFill>
+                <a:srgbClr val="000066"/>
+              </a:solidFill>
+              <a:latin typeface="微軟正黑體" pitchFamily="34" charset="-120"/>
+              <a:ea typeface="微軟正黑體" pitchFamily="34" charset="-120"/>
+            </a:endParaRPr>
+          </a:p>
+        </p:txBody>
+      </p:sp>
+      <p:sp>
+        <p:nvSpPr>
+          <p:cNvPr id="3" name="TextBox 2"/>
+          <p:cNvSpPr txBox="1"/>
+          <p:nvPr/>
+        </p:nvSpPr>
+        <p:spPr>
+          <a:xfrm>
+            <a:off x="0" y="3867894"/>
+            <a:ext cx="9144000" cy="584775"/>
+          </a:xfrm>
+          <a:prstGeom prst="rect">
+            <a:avLst/>
+          </a:prstGeom>
+          <a:noFill/>
+        </p:spPr>
+        <p:txBody>
+          <a:bodyPr wrap="square" rtlCol="0">
+            <a:spAutoFit/>
+          </a:bodyPr>
+          <a:lstStyle/>
+          <a:p>
+            <a:pPr algn="ctr"/>
+            <a:r>
+              <a:rPr lang="en-US" sz="3200" b="1" dirty="0" smtClean="0">
+                <a:solidFill>
+                  <a:srgbClr val="000066"/>
+                </a:solidFill>
+                <a:latin typeface="Microsoft JhengHei" panose="020B0604030504040204" pitchFamily="34" charset="-120"/>
+                <a:ea typeface="Microsoft JhengHei" panose="020B0604030504040204" pitchFamily="34" charset="-120"/>
+              </a:rPr>
+              <a:t>( </a:t>
+            </a:r>
+            <a:r>
+              <a:rPr lang="zh-CN" altLang="en-US" sz="3200" b="1" dirty="0" smtClean="0">
+                <a:solidFill>
+                  <a:srgbClr val="000066"/>
+                </a:solidFill>
+                <a:latin typeface="Microsoft JhengHei" panose="020B0604030504040204" pitchFamily="34" charset="-120"/>
+                <a:ea typeface="Microsoft JhengHei" panose="020B0604030504040204" pitchFamily="34" charset="-120"/>
+              </a:rPr>
+              <a:t>正</a:t>
+            </a:r>
+            <a:r>
+              <a:rPr lang="en-US" sz="3200" b="1" dirty="0" smtClean="0">
+                <a:solidFill>
+                  <a:srgbClr val="000066"/>
+                </a:solidFill>
+                <a:latin typeface="Microsoft JhengHei" panose="020B0604030504040204" pitchFamily="34" charset="-120"/>
+                <a:ea typeface="Microsoft JhengHei" panose="020B0604030504040204" pitchFamily="34" charset="-120"/>
+              </a:rPr>
+              <a:t> )</a:t>
+            </a:r>
+            <a:endParaRPr lang="vi-VN" sz="3200" b="1" dirty="0">
+              <a:solidFill>
+                <a:srgbClr val="000066"/>
+              </a:solidFill>
+              <a:ea typeface="Microsoft JhengHei" panose="020B0604030504040204" pitchFamily="34" charset="-120"/>
+            </a:endParaRPr>
+          </a:p>
         </p:txBody>
       </p:sp>
     </p:spTree>
     <p:extLst>
       <p:ext uri="{BB962C8B-B14F-4D97-AF65-F5344CB8AC3E}">
-        <p14:creationId xmlns:p14="http://schemas.microsoft.com/office/powerpoint/2010/main" val="3927467554"/>
+        <p14:creationId xmlns:p14="http://schemas.microsoft.com/office/powerpoint/2010/main" val="2327894863"/>
+      </p:ext>
+    </p:extLst>
+  </p:cSld>
+  <p:clrMapOvr>
+    <a:masterClrMapping/>
+  </p:clrMapOvr>
+</p:sld>
+</file>
+
+<file path=ppt/slides/slide6.xml><?xml version="1.0" encoding="utf-8"?>
+<p:sld xmlns:a="http://schemas.openxmlformats.org/drawingml/2006/main" xmlns:r="http://schemas.openxmlformats.org/officeDocument/2006/relationships" xmlns:p="http://schemas.openxmlformats.org/presentationml/2006/main">
+  <p:cSld>
+    <p:spTree>
+      <p:nvGrpSpPr>
+        <p:cNvPr id="1" name=""/>
+        <p:cNvGrpSpPr/>
+        <p:nvPr/>
+      </p:nvGrpSpPr>
+      <p:grpSpPr>
+        <a:xfrm>
+          <a:off x="0" y="0"/>
+          <a:ext cx="0" cy="0"/>
+          <a:chOff x="0" y="0"/>
+          <a:chExt cx="0" cy="0"/>
+        </a:xfrm>
+      </p:grpSpPr>
+      <p:sp>
+        <p:nvSpPr>
+          <p:cNvPr id="5" name="內容版面配置區 4"/>
+          <p:cNvSpPr>
+            <a:spLocks noGrp="1"/>
+          </p:cNvSpPr>
+          <p:nvPr>
+            <p:ph idx="1"/>
+          </p:nvPr>
+        </p:nvSpPr>
+        <p:spPr>
+          <a:xfrm>
+            <a:off x="0" y="1563638"/>
+            <a:ext cx="9144000" cy="1803647"/>
+          </a:xfrm>
+        </p:spPr>
+        <p:txBody>
+          <a:bodyPr anchor="ctr">
+            <a:normAutofit/>
+          </a:bodyPr>
+          <a:lstStyle/>
+          <a:p>
+            <a:pPr algn="ctr">
+              <a:buNone/>
+            </a:pPr>
+            <a:r>
+              <a:rPr lang="zh-TW" altLang="en-US" sz="4800" b="1" dirty="0">
+                <a:solidFill>
+                  <a:srgbClr val="000066"/>
+                </a:solidFill>
+                <a:latin typeface="微軟正黑體" pitchFamily="34" charset="-120"/>
+                <a:ea typeface="微軟正黑體" pitchFamily="34" charset="-120"/>
+              </a:rPr>
+              <a:t>我要全心讚美  </a:t>
+            </a:r>
+            <a:r>
+              <a:rPr lang="zh-TW" altLang="en-US" sz="4800" b="1" dirty="0" smtClean="0">
+                <a:solidFill>
+                  <a:srgbClr val="000066"/>
+                </a:solidFill>
+                <a:latin typeface="微軟正黑體" pitchFamily="34" charset="-120"/>
+                <a:ea typeface="微軟正黑體" pitchFamily="34" charset="-120"/>
+              </a:rPr>
+              <a:t>跳</a:t>
+            </a:r>
+            <a:r>
+              <a:rPr lang="zh-TW" altLang="en-US" sz="4800" b="1" dirty="0">
+                <a:solidFill>
+                  <a:srgbClr val="000066"/>
+                </a:solidFill>
+                <a:latin typeface="微軟正黑體" pitchFamily="34" charset="-120"/>
+                <a:ea typeface="微軟正黑體" pitchFamily="34" charset="-120"/>
+              </a:rPr>
+              <a:t>舞頌揚</a:t>
+            </a:r>
+            <a:r>
+              <a:rPr lang="zh-CN" altLang="en-US" sz="4800" b="1" dirty="0">
+                <a:solidFill>
+                  <a:srgbClr val="000066"/>
+                </a:solidFill>
+                <a:latin typeface="微軟正黑體" pitchFamily="34" charset="-120"/>
+                <a:ea typeface="微軟正黑體" pitchFamily="34" charset="-120"/>
+              </a:rPr>
+              <a:t>袮</a:t>
+            </a:r>
+            <a:r>
+              <a:rPr lang="zh-TW" altLang="en-US" sz="4800" b="1" dirty="0" smtClean="0">
+                <a:solidFill>
+                  <a:srgbClr val="000066"/>
+                </a:solidFill>
+                <a:latin typeface="微軟正黑體" pitchFamily="34" charset="-120"/>
+                <a:ea typeface="微軟正黑體" pitchFamily="34" charset="-120"/>
+              </a:rPr>
+              <a:t>名</a:t>
+            </a:r>
+            <a:endParaRPr lang="en-US" altLang="zh-TW" sz="4800" b="1" dirty="0" smtClean="0">
+              <a:solidFill>
+                <a:srgbClr val="000066"/>
+              </a:solidFill>
+              <a:latin typeface="微軟正黑體" pitchFamily="34" charset="-120"/>
+              <a:ea typeface="微軟正黑體" pitchFamily="34" charset="-120"/>
+            </a:endParaRPr>
+          </a:p>
+          <a:p>
+            <a:pPr algn="ctr">
+              <a:buNone/>
+            </a:pPr>
+            <a:r>
+              <a:rPr lang="zh-TW" altLang="en-US" sz="4800" b="1" dirty="0">
+                <a:solidFill>
+                  <a:srgbClr val="000066"/>
+                </a:solidFill>
+                <a:latin typeface="微軟正黑體" pitchFamily="34" charset="-120"/>
+                <a:ea typeface="微軟正黑體" pitchFamily="34" charset="-120"/>
+              </a:rPr>
+              <a:t>在</a:t>
+            </a:r>
+            <a:r>
+              <a:rPr lang="zh-CN" altLang="en-US" sz="4800" b="1" dirty="0">
+                <a:solidFill>
+                  <a:srgbClr val="000066"/>
+                </a:solidFill>
+                <a:latin typeface="微軟正黑體" pitchFamily="34" charset="-120"/>
+                <a:ea typeface="微軟正黑體" pitchFamily="34" charset="-120"/>
+              </a:rPr>
+              <a:t>袮</a:t>
+            </a:r>
+            <a:r>
+              <a:rPr lang="zh-TW" altLang="en-US" sz="4800" b="1" dirty="0">
+                <a:solidFill>
+                  <a:srgbClr val="000066"/>
+                </a:solidFill>
+                <a:latin typeface="微軟正黑體" pitchFamily="34" charset="-120"/>
+                <a:ea typeface="微軟正黑體" pitchFamily="34" charset="-120"/>
+              </a:rPr>
+              <a:t>殿中一日勝過</a:t>
+            </a:r>
+            <a:r>
+              <a:rPr lang="en-US" altLang="zh-TW" sz="4800" b="1" dirty="0">
+                <a:solidFill>
+                  <a:srgbClr val="000066"/>
+                </a:solidFill>
+                <a:latin typeface="微軟正黑體" pitchFamily="34" charset="-120"/>
+                <a:ea typeface="微軟正黑體" pitchFamily="34" charset="-120"/>
+              </a:rPr>
+              <a:t>  </a:t>
+            </a:r>
+            <a:r>
+              <a:rPr lang="zh-TW" altLang="en-US" sz="4800" b="1" dirty="0">
+                <a:solidFill>
+                  <a:srgbClr val="000066"/>
+                </a:solidFill>
+                <a:latin typeface="微軟正黑體" pitchFamily="34" charset="-120"/>
+                <a:ea typeface="微軟正黑體" pitchFamily="34" charset="-120"/>
+              </a:rPr>
+              <a:t>在世上千</a:t>
+            </a:r>
+            <a:r>
+              <a:rPr lang="zh-TW" altLang="en-US" sz="4800" b="1" dirty="0" smtClean="0">
+                <a:solidFill>
+                  <a:srgbClr val="000066"/>
+                </a:solidFill>
+                <a:latin typeface="微軟正黑體" pitchFamily="34" charset="-120"/>
+                <a:ea typeface="微軟正黑體" pitchFamily="34" charset="-120"/>
+              </a:rPr>
+              <a:t>日</a:t>
+            </a:r>
+            <a:endParaRPr lang="en-US" altLang="zh-TW" sz="4800" b="1" dirty="0">
+              <a:solidFill>
+                <a:srgbClr val="000066"/>
+              </a:solidFill>
+              <a:latin typeface="微軟正黑體" pitchFamily="34" charset="-120"/>
+              <a:ea typeface="微軟正黑體" pitchFamily="34" charset="-120"/>
+            </a:endParaRPr>
+          </a:p>
+        </p:txBody>
+      </p:sp>
+      <p:sp>
+        <p:nvSpPr>
+          <p:cNvPr id="3" name="TextBox 2"/>
+          <p:cNvSpPr txBox="1"/>
+          <p:nvPr/>
+        </p:nvSpPr>
+        <p:spPr>
+          <a:xfrm>
+            <a:off x="0" y="3867894"/>
+            <a:ext cx="9144000" cy="584775"/>
+          </a:xfrm>
+          <a:prstGeom prst="rect">
+            <a:avLst/>
+          </a:prstGeom>
+          <a:noFill/>
+        </p:spPr>
+        <p:txBody>
+          <a:bodyPr wrap="square" rtlCol="0">
+            <a:spAutoFit/>
+          </a:bodyPr>
+          <a:lstStyle/>
+          <a:p>
+            <a:pPr algn="ctr"/>
+            <a:r>
+              <a:rPr lang="en-US" sz="3200" b="1" dirty="0" smtClean="0">
+                <a:solidFill>
+                  <a:srgbClr val="000066"/>
+                </a:solidFill>
+                <a:latin typeface="Microsoft JhengHei" panose="020B0604030504040204" pitchFamily="34" charset="-120"/>
+                <a:ea typeface="Microsoft JhengHei" panose="020B0604030504040204" pitchFamily="34" charset="-120"/>
+              </a:rPr>
+              <a:t>( </a:t>
+            </a:r>
+            <a:r>
+              <a:rPr lang="zh-CN" altLang="en-US" sz="3200" b="1" dirty="0" smtClean="0">
+                <a:solidFill>
+                  <a:srgbClr val="000066"/>
+                </a:solidFill>
+                <a:latin typeface="Microsoft JhengHei" panose="020B0604030504040204" pitchFamily="34" charset="-120"/>
+                <a:ea typeface="Microsoft JhengHei" panose="020B0604030504040204" pitchFamily="34" charset="-120"/>
+              </a:rPr>
+              <a:t>副</a:t>
+            </a:r>
+            <a:r>
+              <a:rPr lang="en-US" sz="3200" b="1" dirty="0" smtClean="0">
+                <a:solidFill>
+                  <a:srgbClr val="000066"/>
+                </a:solidFill>
+                <a:latin typeface="Microsoft JhengHei" panose="020B0604030504040204" pitchFamily="34" charset="-120"/>
+                <a:ea typeface="Microsoft JhengHei" panose="020B0604030504040204" pitchFamily="34" charset="-120"/>
+              </a:rPr>
+              <a:t> </a:t>
+            </a:r>
+            <a:r>
+              <a:rPr lang="en-US" sz="3200" b="1" dirty="0" smtClean="0">
+                <a:solidFill>
+                  <a:srgbClr val="000066"/>
+                </a:solidFill>
+                <a:latin typeface="Microsoft JhengHei" panose="020B0604030504040204" pitchFamily="34" charset="-120"/>
+                <a:ea typeface="Microsoft JhengHei" panose="020B0604030504040204" pitchFamily="34" charset="-120"/>
+              </a:rPr>
+              <a:t>)</a:t>
+            </a:r>
+            <a:endParaRPr lang="vi-VN" sz="3200" b="1" dirty="0">
+              <a:solidFill>
+                <a:srgbClr val="000066"/>
+              </a:solidFill>
+              <a:ea typeface="Microsoft JhengHei" panose="020B0604030504040204" pitchFamily="34" charset="-120"/>
+            </a:endParaRPr>
+          </a:p>
+        </p:txBody>
+      </p:sp>
+    </p:spTree>
+    <p:extLst>
+      <p:ext uri="{BB962C8B-B14F-4D97-AF65-F5344CB8AC3E}">
+        <p14:creationId xmlns:p14="http://schemas.microsoft.com/office/powerpoint/2010/main" val="3225736631"/>
+      </p:ext>
+    </p:extLst>
+  </p:cSld>
+  <p:clrMapOvr>
+    <a:masterClrMapping/>
+  </p:clrMapOvr>
+</p:sld>
+</file>
+
+<file path=ppt/slides/slide7.xml><?xml version="1.0" encoding="utf-8"?>
+<p:sld xmlns:a="http://schemas.openxmlformats.org/drawingml/2006/main" xmlns:r="http://schemas.openxmlformats.org/officeDocument/2006/relationships" xmlns:p="http://schemas.openxmlformats.org/presentationml/2006/main">
+  <p:cSld>
+    <p:spTree>
+      <p:nvGrpSpPr>
+        <p:cNvPr id="1" name=""/>
+        <p:cNvGrpSpPr/>
+        <p:nvPr/>
+      </p:nvGrpSpPr>
+      <p:grpSpPr>
+        <a:xfrm>
+          <a:off x="0" y="0"/>
+          <a:ext cx="0" cy="0"/>
+          <a:chOff x="0" y="0"/>
+          <a:chExt cx="0" cy="0"/>
+        </a:xfrm>
+      </p:grpSpPr>
+      <p:sp>
+        <p:nvSpPr>
+          <p:cNvPr id="5" name="內容版面配置區 4"/>
+          <p:cNvSpPr>
+            <a:spLocks noGrp="1"/>
+          </p:cNvSpPr>
+          <p:nvPr>
+            <p:ph idx="1"/>
+          </p:nvPr>
+        </p:nvSpPr>
+        <p:spPr>
+          <a:xfrm>
+            <a:off x="0" y="1563638"/>
+            <a:ext cx="9144000" cy="1803647"/>
+          </a:xfrm>
+        </p:spPr>
+        <p:txBody>
+          <a:bodyPr anchor="ctr">
+            <a:normAutofit/>
+          </a:bodyPr>
+          <a:lstStyle/>
+          <a:p>
+            <a:pPr algn="ctr">
+              <a:buNone/>
+            </a:pPr>
+            <a:r>
+              <a:rPr lang="zh-TW" altLang="en-US" sz="4800" b="1" dirty="0">
+                <a:solidFill>
+                  <a:srgbClr val="000066"/>
+                </a:solidFill>
+                <a:latin typeface="微軟正黑體" pitchFamily="34" charset="-120"/>
+                <a:ea typeface="微軟正黑體" pitchFamily="34" charset="-120"/>
+              </a:rPr>
+              <a:t>我要全心讚美</a:t>
+            </a:r>
+            <a:r>
+              <a:rPr lang="en-US" altLang="zh-TW" sz="4800" b="1" dirty="0">
+                <a:solidFill>
+                  <a:srgbClr val="000066"/>
+                </a:solidFill>
+                <a:latin typeface="微軟正黑體" pitchFamily="34" charset="-120"/>
+                <a:ea typeface="微軟正黑體" pitchFamily="34" charset="-120"/>
+              </a:rPr>
+              <a:t>  </a:t>
+            </a:r>
+          </a:p>
+          <a:p>
+            <a:pPr algn="ctr">
+              <a:buNone/>
+            </a:pPr>
+            <a:r>
+              <a:rPr lang="zh-TW" altLang="en-US" sz="4800" b="1" dirty="0">
+                <a:solidFill>
+                  <a:srgbClr val="000066"/>
+                </a:solidFill>
+                <a:latin typeface="微軟正黑體" pitchFamily="34" charset="-120"/>
+                <a:ea typeface="微軟正黑體" pitchFamily="34" charset="-120"/>
+              </a:rPr>
+              <a:t>讚美還要讚美不停</a:t>
+            </a:r>
+            <a:endParaRPr lang="en-US" altLang="zh-TW" sz="4800" b="1" dirty="0">
+              <a:solidFill>
+                <a:srgbClr val="000066"/>
+              </a:solidFill>
+              <a:latin typeface="微軟正黑體" pitchFamily="34" charset="-120"/>
+              <a:ea typeface="微軟正黑體" pitchFamily="34" charset="-120"/>
+            </a:endParaRPr>
+          </a:p>
+        </p:txBody>
+      </p:sp>
+      <p:sp>
+        <p:nvSpPr>
+          <p:cNvPr id="3" name="TextBox 2"/>
+          <p:cNvSpPr txBox="1"/>
+          <p:nvPr/>
+        </p:nvSpPr>
+        <p:spPr>
+          <a:xfrm>
+            <a:off x="0" y="3867894"/>
+            <a:ext cx="9144000" cy="584775"/>
+          </a:xfrm>
+          <a:prstGeom prst="rect">
+            <a:avLst/>
+          </a:prstGeom>
+          <a:noFill/>
+        </p:spPr>
+        <p:txBody>
+          <a:bodyPr wrap="square" rtlCol="0">
+            <a:spAutoFit/>
+          </a:bodyPr>
+          <a:lstStyle/>
+          <a:p>
+            <a:pPr algn="ctr"/>
+            <a:r>
+              <a:rPr lang="en-US" sz="3200" b="1" dirty="0" smtClean="0">
+                <a:solidFill>
+                  <a:srgbClr val="000066"/>
+                </a:solidFill>
+                <a:latin typeface="Microsoft JhengHei" panose="020B0604030504040204" pitchFamily="34" charset="-120"/>
+                <a:ea typeface="Microsoft JhengHei" panose="020B0604030504040204" pitchFamily="34" charset="-120"/>
+              </a:rPr>
+              <a:t>( </a:t>
+            </a:r>
+            <a:r>
+              <a:rPr lang="zh-CN" altLang="en-US" sz="3200" b="1" dirty="0" smtClean="0">
+                <a:solidFill>
+                  <a:srgbClr val="000066"/>
+                </a:solidFill>
+                <a:latin typeface="Microsoft JhengHei" panose="020B0604030504040204" pitchFamily="34" charset="-120"/>
+                <a:ea typeface="Microsoft JhengHei" panose="020B0604030504040204" pitchFamily="34" charset="-120"/>
+              </a:rPr>
+              <a:t>副</a:t>
+            </a:r>
+            <a:r>
+              <a:rPr lang="en-US" sz="3200" b="1" dirty="0" smtClean="0">
+                <a:solidFill>
+                  <a:srgbClr val="000066"/>
+                </a:solidFill>
+                <a:latin typeface="Microsoft JhengHei" panose="020B0604030504040204" pitchFamily="34" charset="-120"/>
+                <a:ea typeface="Microsoft JhengHei" panose="020B0604030504040204" pitchFamily="34" charset="-120"/>
+              </a:rPr>
+              <a:t> </a:t>
+            </a:r>
+            <a:r>
+              <a:rPr lang="en-US" sz="3200" b="1" dirty="0" smtClean="0">
+                <a:solidFill>
+                  <a:srgbClr val="000066"/>
+                </a:solidFill>
+                <a:latin typeface="Microsoft JhengHei" panose="020B0604030504040204" pitchFamily="34" charset="-120"/>
+                <a:ea typeface="Microsoft JhengHei" panose="020B0604030504040204" pitchFamily="34" charset="-120"/>
+              </a:rPr>
+              <a:t>)</a:t>
+            </a:r>
+            <a:endParaRPr lang="vi-VN" sz="3200" b="1" dirty="0">
+              <a:solidFill>
+                <a:srgbClr val="000066"/>
+              </a:solidFill>
+              <a:ea typeface="Microsoft JhengHei" panose="020B0604030504040204" pitchFamily="34" charset="-120"/>
+            </a:endParaRPr>
+          </a:p>
+        </p:txBody>
+      </p:sp>
+    </p:spTree>
+    <p:extLst>
+      <p:ext uri="{BB962C8B-B14F-4D97-AF65-F5344CB8AC3E}">
+        <p14:creationId xmlns:p14="http://schemas.microsoft.com/office/powerpoint/2010/main" val="1730094437"/>
+      </p:ext>
+    </p:extLst>
+  </p:cSld>
+  <p:clrMapOvr>
+    <a:masterClrMapping/>
+  </p:clrMapOvr>
+</p:sld>
+</file>
+
+<file path=ppt/slides/slide8.xml><?xml version="1.0" encoding="utf-8"?>
+<p:sld xmlns:a="http://schemas.openxmlformats.org/drawingml/2006/main" xmlns:r="http://schemas.openxmlformats.org/officeDocument/2006/relationships" xmlns:p="http://schemas.openxmlformats.org/presentationml/2006/main">
+  <p:cSld>
+    <p:spTree>
+      <p:nvGrpSpPr>
+        <p:cNvPr id="1" name=""/>
+        <p:cNvGrpSpPr/>
+        <p:nvPr/>
+      </p:nvGrpSpPr>
+      <p:grpSpPr>
+        <a:xfrm>
+          <a:off x="0" y="0"/>
+          <a:ext cx="0" cy="0"/>
+          <a:chOff x="0" y="0"/>
+          <a:chExt cx="0" cy="0"/>
+        </a:xfrm>
+      </p:grpSpPr>
+      <p:sp>
+        <p:nvSpPr>
+          <p:cNvPr id="5" name="內容版面配置區 4"/>
+          <p:cNvSpPr>
+            <a:spLocks noGrp="1"/>
+          </p:cNvSpPr>
+          <p:nvPr>
+            <p:ph idx="1"/>
+          </p:nvPr>
+        </p:nvSpPr>
+        <p:spPr>
+          <a:xfrm>
+            <a:off x="0" y="1563638"/>
+            <a:ext cx="9144000" cy="1803647"/>
+          </a:xfrm>
+        </p:spPr>
+        <p:txBody>
+          <a:bodyPr anchor="ctr">
+            <a:normAutofit/>
+          </a:bodyPr>
+          <a:lstStyle/>
+          <a:p>
+            <a:pPr algn="ctr">
+              <a:buNone/>
+            </a:pPr>
+            <a:r>
+              <a:rPr lang="zh-TW" altLang="en-US" sz="4800" b="1" dirty="0">
+                <a:solidFill>
+                  <a:srgbClr val="000066"/>
+                </a:solidFill>
+                <a:latin typeface="微軟正黑體" pitchFamily="34" charset="-120"/>
+                <a:ea typeface="微軟正黑體" pitchFamily="34" charset="-120"/>
+              </a:rPr>
+              <a:t>義人棚裡歡呼聲永不息</a:t>
+            </a:r>
+            <a:endParaRPr lang="zh-TW" altLang="en-US" sz="4800" b="1" dirty="0">
+              <a:solidFill>
+                <a:srgbClr val="000066"/>
+              </a:solidFill>
+              <a:latin typeface="微軟正黑體" pitchFamily="34" charset="-120"/>
+              <a:ea typeface="微軟正黑體" pitchFamily="34" charset="-120"/>
+            </a:endParaRPr>
+          </a:p>
+        </p:txBody>
+      </p:sp>
+      <p:sp>
+        <p:nvSpPr>
+          <p:cNvPr id="3" name="TextBox 2"/>
+          <p:cNvSpPr txBox="1"/>
+          <p:nvPr/>
+        </p:nvSpPr>
+        <p:spPr>
+          <a:xfrm>
+            <a:off x="0" y="3867894"/>
+            <a:ext cx="9144000" cy="584775"/>
+          </a:xfrm>
+          <a:prstGeom prst="rect">
+            <a:avLst/>
+          </a:prstGeom>
+          <a:noFill/>
+        </p:spPr>
+        <p:txBody>
+          <a:bodyPr wrap="square" rtlCol="0">
+            <a:spAutoFit/>
+          </a:bodyPr>
+          <a:lstStyle/>
+          <a:p>
+            <a:pPr algn="ctr"/>
+            <a:r>
+              <a:rPr lang="en-US" sz="3200" b="1" dirty="0" smtClean="0">
+                <a:solidFill>
+                  <a:srgbClr val="000066"/>
+                </a:solidFill>
+                <a:latin typeface="Microsoft JhengHei" panose="020B0604030504040204" pitchFamily="34" charset="-120"/>
+                <a:ea typeface="Microsoft JhengHei" panose="020B0604030504040204" pitchFamily="34" charset="-120"/>
+              </a:rPr>
+              <a:t>( </a:t>
+            </a:r>
+            <a:r>
+              <a:rPr lang="zh-CN" altLang="en-US" sz="3200" b="1" dirty="0" smtClean="0">
+                <a:solidFill>
+                  <a:srgbClr val="000066"/>
+                </a:solidFill>
+                <a:latin typeface="Microsoft JhengHei" panose="020B0604030504040204" pitchFamily="34" charset="-120"/>
+                <a:ea typeface="Microsoft JhengHei" panose="020B0604030504040204" pitchFamily="34" charset="-120"/>
+              </a:rPr>
+              <a:t>副</a:t>
+            </a:r>
+            <a:r>
+              <a:rPr lang="en-US" sz="3200" b="1" dirty="0" smtClean="0">
+                <a:solidFill>
+                  <a:srgbClr val="000066"/>
+                </a:solidFill>
+                <a:latin typeface="Microsoft JhengHei" panose="020B0604030504040204" pitchFamily="34" charset="-120"/>
+                <a:ea typeface="Microsoft JhengHei" panose="020B0604030504040204" pitchFamily="34" charset="-120"/>
+              </a:rPr>
+              <a:t> </a:t>
+            </a:r>
+            <a:r>
+              <a:rPr lang="en-US" sz="3200" b="1" dirty="0" smtClean="0">
+                <a:solidFill>
+                  <a:srgbClr val="000066"/>
+                </a:solidFill>
+                <a:latin typeface="Microsoft JhengHei" panose="020B0604030504040204" pitchFamily="34" charset="-120"/>
+                <a:ea typeface="Microsoft JhengHei" panose="020B0604030504040204" pitchFamily="34" charset="-120"/>
+              </a:rPr>
+              <a:t>)</a:t>
+            </a:r>
+            <a:endParaRPr lang="vi-VN" sz="3200" b="1" dirty="0">
+              <a:solidFill>
+                <a:srgbClr val="000066"/>
+              </a:solidFill>
+              <a:ea typeface="Microsoft JhengHei" panose="020B0604030504040204" pitchFamily="34" charset="-120"/>
+            </a:endParaRPr>
+          </a:p>
+        </p:txBody>
+      </p:sp>
+    </p:spTree>
+    <p:extLst>
+      <p:ext uri="{BB962C8B-B14F-4D97-AF65-F5344CB8AC3E}">
+        <p14:creationId xmlns:p14="http://schemas.microsoft.com/office/powerpoint/2010/main" val="640735095"/>
       </p:ext>
     </p:extLst>
   </p:cSld>

--- a/我要全心讚美.pptx
+++ b/我要全心讚美.pptx
@@ -311,7 +311,7 @@
           <a:p>
             <a:fld id="{F4DC9DE7-1299-458E-9A51-39F41637C414}" type="datetimeFigureOut">
               <a:rPr lang="zh-TW" altLang="en-US" smtClean="0"/>
-              <a:t>2022/6/4</a:t>
+              <a:t>2023/4/27</a:t>
             </a:fld>
             <a:endParaRPr lang="zh-TW" altLang="en-US"/>
           </a:p>
@@ -476,7 +476,7 @@
           <a:p>
             <a:fld id="{F4DC9DE7-1299-458E-9A51-39F41637C414}" type="datetimeFigureOut">
               <a:rPr lang="zh-TW" altLang="en-US" smtClean="0"/>
-              <a:t>2022/6/4</a:t>
+              <a:t>2023/4/27</a:t>
             </a:fld>
             <a:endParaRPr lang="zh-TW" altLang="en-US"/>
           </a:p>
@@ -651,7 +651,7 @@
           <a:p>
             <a:fld id="{F4DC9DE7-1299-458E-9A51-39F41637C414}" type="datetimeFigureOut">
               <a:rPr lang="zh-TW" altLang="en-US" smtClean="0"/>
-              <a:t>2022/6/4</a:t>
+              <a:t>2023/4/27</a:t>
             </a:fld>
             <a:endParaRPr lang="zh-TW" altLang="en-US"/>
           </a:p>
@@ -816,7 +816,7 @@
           <a:p>
             <a:fld id="{F4DC9DE7-1299-458E-9A51-39F41637C414}" type="datetimeFigureOut">
               <a:rPr lang="zh-TW" altLang="en-US" smtClean="0"/>
-              <a:t>2022/6/4</a:t>
+              <a:t>2023/4/27</a:t>
             </a:fld>
             <a:endParaRPr lang="zh-TW" altLang="en-US"/>
           </a:p>
@@ -1057,7 +1057,7 @@
           <a:p>
             <a:fld id="{F4DC9DE7-1299-458E-9A51-39F41637C414}" type="datetimeFigureOut">
               <a:rPr lang="zh-TW" altLang="en-US" smtClean="0"/>
-              <a:t>2022/6/4</a:t>
+              <a:t>2023/4/27</a:t>
             </a:fld>
             <a:endParaRPr lang="zh-TW" altLang="en-US"/>
           </a:p>
@@ -1340,7 +1340,7 @@
           <a:p>
             <a:fld id="{F4DC9DE7-1299-458E-9A51-39F41637C414}" type="datetimeFigureOut">
               <a:rPr lang="zh-TW" altLang="en-US" smtClean="0"/>
-              <a:t>2022/6/4</a:t>
+              <a:t>2023/4/27</a:t>
             </a:fld>
             <a:endParaRPr lang="zh-TW" altLang="en-US"/>
           </a:p>
@@ -1757,7 +1757,7 @@
           <a:p>
             <a:fld id="{F4DC9DE7-1299-458E-9A51-39F41637C414}" type="datetimeFigureOut">
               <a:rPr lang="zh-TW" altLang="en-US" smtClean="0"/>
-              <a:t>2022/6/4</a:t>
+              <a:t>2023/4/27</a:t>
             </a:fld>
             <a:endParaRPr lang="zh-TW" altLang="en-US"/>
           </a:p>
@@ -1870,7 +1870,7 @@
           <a:p>
             <a:fld id="{F4DC9DE7-1299-458E-9A51-39F41637C414}" type="datetimeFigureOut">
               <a:rPr lang="zh-TW" altLang="en-US" smtClean="0"/>
-              <a:t>2022/6/4</a:t>
+              <a:t>2023/4/27</a:t>
             </a:fld>
             <a:endParaRPr lang="zh-TW" altLang="en-US"/>
           </a:p>
@@ -1960,7 +1960,7 @@
           <a:p>
             <a:fld id="{F4DC9DE7-1299-458E-9A51-39F41637C414}" type="datetimeFigureOut">
               <a:rPr lang="zh-TW" altLang="en-US" smtClean="0"/>
-              <a:t>2022/6/4</a:t>
+              <a:t>2023/4/27</a:t>
             </a:fld>
             <a:endParaRPr lang="zh-TW" altLang="en-US"/>
           </a:p>
@@ -2232,7 +2232,7 @@
           <a:p>
             <a:fld id="{F4DC9DE7-1299-458E-9A51-39F41637C414}" type="datetimeFigureOut">
               <a:rPr lang="zh-TW" altLang="en-US" smtClean="0"/>
-              <a:t>2022/6/4</a:t>
+              <a:t>2023/4/27</a:t>
             </a:fld>
             <a:endParaRPr lang="zh-TW" altLang="en-US"/>
           </a:p>
@@ -2484,7 +2484,7 @@
           <a:p>
             <a:fld id="{F4DC9DE7-1299-458E-9A51-39F41637C414}" type="datetimeFigureOut">
               <a:rPr lang="zh-TW" altLang="en-US" smtClean="0"/>
-              <a:t>2022/6/4</a:t>
+              <a:t>2023/4/27</a:t>
             </a:fld>
             <a:endParaRPr lang="zh-TW" altLang="en-US"/>
           </a:p>
@@ -2697,7 +2697,7 @@
           <a:p>
             <a:fld id="{F4DC9DE7-1299-458E-9A51-39F41637C414}" type="datetimeFigureOut">
               <a:rPr lang="zh-TW" altLang="en-US" smtClean="0"/>
-              <a:t>2022/6/4</a:t>
+              <a:t>2023/4/27</a:t>
             </a:fld>
             <a:endParaRPr lang="zh-TW" altLang="en-US"/>
           </a:p>
@@ -3211,27 +3211,47 @@
                 <a:latin typeface="微軟正黑體" pitchFamily="34" charset="-120"/>
                 <a:ea typeface="微軟正黑體" pitchFamily="34" charset="-120"/>
               </a:rPr>
-              <a:t>進入</a:t>
-            </a:r>
-            <a:r>
-              <a:rPr lang="zh-CN" altLang="en-US" sz="4800" b="1" dirty="0">
+              <a:t>進</a:t>
+            </a:r>
+            <a:r>
+              <a:rPr lang="zh-TW" altLang="en-US" sz="4800" b="1" dirty="0" smtClean="0">
                 <a:solidFill>
                   <a:srgbClr val="000066"/>
                 </a:solidFill>
                 <a:latin typeface="微軟正黑體" pitchFamily="34" charset="-120"/>
                 <a:ea typeface="微軟正黑體" pitchFamily="34" charset="-120"/>
               </a:rPr>
-              <a:t>袮</a:t>
-            </a:r>
-            <a:r>
-              <a:rPr lang="zh-TW" altLang="en-US" sz="4800" b="1" dirty="0">
+              <a:t>入</a:t>
+            </a:r>
+            <a:r>
+              <a:rPr lang="zh-CN" altLang="en-US" sz="4800" b="1" dirty="0">
                 <a:solidFill>
                   <a:srgbClr val="000066"/>
                 </a:solidFill>
                 <a:latin typeface="微軟正黑體" pitchFamily="34" charset="-120"/>
                 <a:ea typeface="微軟正黑體" pitchFamily="34" charset="-120"/>
               </a:rPr>
-              <a:t>的院</a:t>
+              <a:t>祢</a:t>
+            </a:r>
+            <a:r>
+              <a:rPr lang="zh-TW" altLang="en-US" sz="4800" b="1" dirty="0" smtClean="0">
+                <a:solidFill>
+                  <a:srgbClr val="000066"/>
+                </a:solidFill>
+                <a:latin typeface="微軟正黑體" pitchFamily="34" charset="-120"/>
+                <a:ea typeface="微軟正黑體" pitchFamily="34" charset="-120"/>
+              </a:rPr>
+              <a:t>的</a:t>
+            </a:r>
+            <a:r>
+              <a:rPr lang="zh-TW" altLang="en-US" sz="4800" b="1" dirty="0">
+                <a:solidFill>
+                  <a:srgbClr val="000066"/>
+                </a:solidFill>
+                <a:latin typeface="微軟正黑體" pitchFamily="34" charset="-120"/>
+                <a:ea typeface="微軟正黑體" pitchFamily="34" charset="-120"/>
+              </a:rPr>
+              <a:t>院</a:t>
             </a:r>
             <a:endParaRPr lang="en-US" altLang="zh-TW" sz="4800" b="1" dirty="0" smtClean="0">
               <a:solidFill>
@@ -3412,13 +3432,6 @@
               </a:rPr>
               <a:t>是嘴唇的果子</a:t>
             </a:r>
-            <a:endParaRPr lang="zh-TW" altLang="en-US" sz="4800" b="1" dirty="0">
-              <a:solidFill>
-                <a:srgbClr val="000066"/>
-              </a:solidFill>
-              <a:latin typeface="微軟正黑體" pitchFamily="34" charset="-120"/>
-              <a:ea typeface="微軟正黑體" pitchFamily="34" charset="-120"/>
-            </a:endParaRPr>
           </a:p>
         </p:txBody>
       </p:sp>
@@ -3540,7 +3553,7 @@
               <a:buNone/>
             </a:pPr>
             <a:r>
-              <a:rPr lang="zh-TW" altLang="en-US" sz="4800" b="1" dirty="0">
+              <a:rPr lang="zh-TW" altLang="en-US" sz="4800" b="1" dirty="0" smtClean="0">
                 <a:solidFill>
                   <a:srgbClr val="000066"/>
                 </a:solidFill>
@@ -3557,50 +3570,53 @@
                 <a:latin typeface="微軟正黑體" pitchFamily="34" charset="-120"/>
                 <a:ea typeface="微軟正黑體" pitchFamily="34" charset="-120"/>
               </a:rPr>
-              <a:t>袮</a:t>
-            </a:r>
-            <a:r>
-              <a:rPr lang="zh-TW" altLang="en-US" sz="4800" b="1" dirty="0">
+              <a:t>祢</a:t>
+            </a:r>
+            <a:r>
+              <a:rPr lang="zh-TW" altLang="en-US" sz="4800" b="1" dirty="0" smtClean="0">
                 <a:solidFill>
                   <a:srgbClr val="000066"/>
                 </a:solidFill>
                 <a:latin typeface="微軟正黑體" pitchFamily="34" charset="-120"/>
                 <a:ea typeface="微軟正黑體" pitchFamily="34" charset="-120"/>
               </a:rPr>
-              <a:t>裡面  一無罣慮</a:t>
-            </a:r>
-            <a:r>
-              <a:rPr lang="en-US" altLang="zh-TW" sz="4800" b="1" dirty="0">
+              <a:t>裡</a:t>
+            </a:r>
+            <a:r>
+              <a:rPr lang="zh-TW" altLang="en-US" sz="4800" b="1" dirty="0">
                 <a:solidFill>
                   <a:srgbClr val="000066"/>
                 </a:solidFill>
                 <a:latin typeface="微軟正黑體" pitchFamily="34" charset="-120"/>
                 <a:ea typeface="微軟正黑體" pitchFamily="34" charset="-120"/>
               </a:rPr>
-              <a:t>  </a:t>
-            </a:r>
-          </a:p>
-          <a:p>
-            <a:pPr algn="ctr">
-              <a:buNone/>
-            </a:pPr>
-            <a:r>
-              <a:rPr lang="zh-TW" altLang="en-US" sz="4800" b="1" dirty="0">
+              <a:t>面  一無罣慮</a:t>
+            </a:r>
+            <a:r>
+              <a:rPr lang="en-US" altLang="zh-TW" sz="4800" b="1" dirty="0">
                 <a:solidFill>
                   <a:srgbClr val="000066"/>
                 </a:solidFill>
                 <a:latin typeface="微軟正黑體" pitchFamily="34" charset="-120"/>
                 <a:ea typeface="微軟正黑體" pitchFamily="34" charset="-120"/>
               </a:rPr>
+              <a:t>  </a:t>
+            </a:r>
+          </a:p>
+          <a:p>
+            <a:pPr algn="ctr">
+              <a:buNone/>
+            </a:pPr>
+            <a:r>
+              <a:rPr lang="zh-TW" altLang="en-US" sz="4800" b="1" dirty="0">
+                <a:solidFill>
+                  <a:srgbClr val="000066"/>
+                </a:solidFill>
+                <a:latin typeface="微軟正黑體" pitchFamily="34" charset="-120"/>
+                <a:ea typeface="微軟正黑體" pitchFamily="34" charset="-120"/>
+              </a:rPr>
               <a:t>喜樂滿溢</a:t>
             </a:r>
-            <a:endParaRPr lang="zh-TW" altLang="en-US" sz="4800" b="1" dirty="0">
-              <a:solidFill>
-                <a:srgbClr val="000066"/>
-              </a:solidFill>
-              <a:latin typeface="微軟正黑體" pitchFamily="34" charset="-120"/>
-              <a:ea typeface="微軟正黑體" pitchFamily="34" charset="-120"/>
-            </a:endParaRPr>
           </a:p>
         </p:txBody>
       </p:sp>
@@ -3751,17 +3767,27 @@
                 <a:latin typeface="微軟正黑體" pitchFamily="34" charset="-120"/>
                 <a:ea typeface="微軟正黑體" pitchFamily="34" charset="-120"/>
               </a:rPr>
-              <a:t>盼望在於</a:t>
-            </a:r>
-            <a:r>
-              <a:rPr lang="zh-CN" altLang="en-US" sz="4800" b="1" dirty="0">
+              <a:t>盼望在</a:t>
+            </a:r>
+            <a:r>
+              <a:rPr lang="zh-TW" altLang="en-US" sz="4800" b="1" dirty="0" smtClean="0">
                 <a:solidFill>
                   <a:srgbClr val="000066"/>
                 </a:solidFill>
                 <a:latin typeface="微軟正黑體" pitchFamily="34" charset="-120"/>
                 <a:ea typeface="微軟正黑體" pitchFamily="34" charset="-120"/>
               </a:rPr>
-              <a:t>袮</a:t>
+              <a:t>於</a:t>
+            </a:r>
+            <a:r>
+              <a:rPr lang="zh-CN" altLang="en-US" sz="4800" b="1" dirty="0">
+                <a:solidFill>
+                  <a:srgbClr val="000066"/>
+                </a:solidFill>
+                <a:latin typeface="微軟正黑體" pitchFamily="34" charset="-120"/>
+                <a:ea typeface="微軟正黑體" pitchFamily="34" charset="-120"/>
+              </a:rPr>
+              <a:t>祢</a:t>
             </a:r>
             <a:endParaRPr lang="zh-TW" altLang="en-US" sz="4800" b="1" dirty="0">
               <a:solidFill>
@@ -3918,17 +3944,27 @@
                 <a:latin typeface="微軟正黑體" pitchFamily="34" charset="-120"/>
                 <a:ea typeface="微軟正黑體" pitchFamily="34" charset="-120"/>
               </a:rPr>
-              <a:t>舞頌揚</a:t>
-            </a:r>
-            <a:r>
-              <a:rPr lang="zh-CN" altLang="en-US" sz="4800" b="1" dirty="0">
+              <a:t>舞頌</a:t>
+            </a:r>
+            <a:r>
+              <a:rPr lang="zh-TW" altLang="en-US" sz="4800" b="1" dirty="0" smtClean="0">
                 <a:solidFill>
                   <a:srgbClr val="000066"/>
                 </a:solidFill>
                 <a:latin typeface="微軟正黑體" pitchFamily="34" charset="-120"/>
                 <a:ea typeface="微軟正黑體" pitchFamily="34" charset="-120"/>
               </a:rPr>
-              <a:t>袮</a:t>
+              <a:t>揚</a:t>
+            </a:r>
+            <a:r>
+              <a:rPr lang="zh-CN" altLang="en-US" sz="4800" b="1" dirty="0">
+                <a:solidFill>
+                  <a:srgbClr val="000066"/>
+                </a:solidFill>
+                <a:latin typeface="微軟正黑體" pitchFamily="34" charset="-120"/>
+                <a:ea typeface="微軟正黑體" pitchFamily="34" charset="-120"/>
+              </a:rPr>
+              <a:t>祢</a:t>
             </a:r>
             <a:r>
               <a:rPr lang="zh-TW" altLang="en-US" sz="4800" b="1" dirty="0" smtClean="0">
@@ -3953,7 +3989,7 @@
               <a:buNone/>
             </a:pPr>
             <a:r>
-              <a:rPr lang="zh-TW" altLang="en-US" sz="4800" b="1" dirty="0">
+              <a:rPr lang="zh-TW" altLang="en-US" sz="4800" b="1" dirty="0" smtClean="0">
                 <a:solidFill>
                   <a:srgbClr val="000066"/>
                 </a:solidFill>
@@ -3970,17 +4006,27 @@
                 <a:latin typeface="微軟正黑體" pitchFamily="34" charset="-120"/>
                 <a:ea typeface="微軟正黑體" pitchFamily="34" charset="-120"/>
               </a:rPr>
-              <a:t>袮</a:t>
-            </a:r>
-            <a:r>
-              <a:rPr lang="zh-TW" altLang="en-US" sz="4800" b="1" dirty="0">
+              <a:t>祢</a:t>
+            </a:r>
+            <a:r>
+              <a:rPr lang="zh-TW" altLang="en-US" sz="4800" b="1" dirty="0" smtClean="0">
                 <a:solidFill>
                   <a:srgbClr val="000066"/>
                 </a:solidFill>
                 <a:latin typeface="微軟正黑體" pitchFamily="34" charset="-120"/>
                 <a:ea typeface="微軟正黑體" pitchFamily="34" charset="-120"/>
               </a:rPr>
-              <a:t>殿中一日勝過</a:t>
+              <a:t>殿</a:t>
+            </a:r>
+            <a:r>
+              <a:rPr lang="zh-TW" altLang="en-US" sz="4800" b="1" dirty="0">
+                <a:solidFill>
+                  <a:srgbClr val="000066"/>
+                </a:solidFill>
+                <a:latin typeface="微軟正黑體" pitchFamily="34" charset="-120"/>
+                <a:ea typeface="微軟正黑體" pitchFamily="34" charset="-120"/>
+              </a:rPr>
+              <a:t>中一日勝過</a:t>
             </a:r>
             <a:r>
               <a:rPr lang="en-US" altLang="zh-TW" sz="4800" b="1" dirty="0">
@@ -4073,17 +4119,7 @@
                 <a:latin typeface="Microsoft JhengHei" panose="020B0604030504040204" pitchFamily="34" charset="-120"/>
                 <a:ea typeface="Microsoft JhengHei" panose="020B0604030504040204" pitchFamily="34" charset="-120"/>
               </a:rPr>
-              <a:t> </a:t>
-            </a:r>
-            <a:r>
-              <a:rPr lang="en-US" sz="3200" b="1" dirty="0" smtClean="0">
-                <a:solidFill>
-                  <a:srgbClr val="000066"/>
-                </a:solidFill>
-                <a:latin typeface="Microsoft JhengHei" panose="020B0604030504040204" pitchFamily="34" charset="-120"/>
-                <a:ea typeface="Microsoft JhengHei" panose="020B0604030504040204" pitchFamily="34" charset="-120"/>
-              </a:rPr>
-              <a:t>)</a:t>
+              <a:t> )</a:t>
             </a:r>
             <a:endParaRPr lang="vi-VN" sz="3200" b="1" dirty="0">
               <a:solidFill>
@@ -4245,17 +4281,7 @@
                 <a:latin typeface="Microsoft JhengHei" panose="020B0604030504040204" pitchFamily="34" charset="-120"/>
                 <a:ea typeface="Microsoft JhengHei" panose="020B0604030504040204" pitchFamily="34" charset="-120"/>
               </a:rPr>
-              <a:t> </a:t>
-            </a:r>
-            <a:r>
-              <a:rPr lang="en-US" sz="3200" b="1" dirty="0" smtClean="0">
-                <a:solidFill>
-                  <a:srgbClr val="000066"/>
-                </a:solidFill>
-                <a:latin typeface="Microsoft JhengHei" panose="020B0604030504040204" pitchFamily="34" charset="-120"/>
-                <a:ea typeface="Microsoft JhengHei" panose="020B0604030504040204" pitchFamily="34" charset="-120"/>
-              </a:rPr>
-              <a:t>)</a:t>
+              <a:t> )</a:t>
             </a:r>
             <a:endParaRPr lang="vi-VN" sz="3200" b="1" dirty="0">
               <a:solidFill>
@@ -4331,13 +4357,6 @@
               </a:rPr>
               <a:t>義人棚裡歡呼聲永不息</a:t>
             </a:r>
-            <a:endParaRPr lang="zh-TW" altLang="en-US" sz="4800" b="1" dirty="0">
-              <a:solidFill>
-                <a:srgbClr val="000066"/>
-              </a:solidFill>
-              <a:latin typeface="微軟正黑體" pitchFamily="34" charset="-120"/>
-              <a:ea typeface="微軟正黑體" pitchFamily="34" charset="-120"/>
-            </a:endParaRPr>
           </a:p>
         </p:txBody>
       </p:sp>
@@ -4392,17 +4411,7 @@
                 <a:latin typeface="Microsoft JhengHei" panose="020B0604030504040204" pitchFamily="34" charset="-120"/>
                 <a:ea typeface="Microsoft JhengHei" panose="020B0604030504040204" pitchFamily="34" charset="-120"/>
               </a:rPr>
-              <a:t> </a:t>
-            </a:r>
-            <a:r>
-              <a:rPr lang="en-US" sz="3200" b="1" dirty="0" smtClean="0">
-                <a:solidFill>
-                  <a:srgbClr val="000066"/>
-                </a:solidFill>
-                <a:latin typeface="Microsoft JhengHei" panose="020B0604030504040204" pitchFamily="34" charset="-120"/>
-                <a:ea typeface="Microsoft JhengHei" panose="020B0604030504040204" pitchFamily="34" charset="-120"/>
-              </a:rPr>
-              <a:t>)</a:t>
+              <a:t> )</a:t>
             </a:r>
             <a:endParaRPr lang="vi-VN" sz="3200" b="1" dirty="0">
               <a:solidFill>
